--- a/cgrandhi_spalania.pptx
+++ b/cgrandhi_spalania.pptx
@@ -2,7 +2,7 @@
 <file path=ppt/presentation.xml><?xml version="1.0" encoding="utf-8"?>
 <p:presentation xmlns:a="http://schemas.openxmlformats.org/drawingml/2006/main" xmlns:r="http://schemas.openxmlformats.org/officeDocument/2006/relationships" xmlns:p="http://schemas.openxmlformats.org/presentationml/2006/main" saveSubsetFonts="1">
   <p:sldMasterIdLst>
-    <p:sldMasterId id="2147483648" r:id="rId1"/>
+    <p:sldMasterId id="2147483672" r:id="rId1"/>
   </p:sldMasterIdLst>
   <p:sldIdLst>
     <p:sldId id="256" r:id="rId2"/>
@@ -11,6 +11,7 @@
     <p:sldId id="259" r:id="rId5"/>
     <p:sldId id="261" r:id="rId6"/>
     <p:sldId id="260" r:id="rId7"/>
+    <p:sldId id="262" r:id="rId8"/>
   </p:sldIdLst>
   <p:sldSz cx="12192000" cy="6858000"/>
   <p:notesSz cx="6858000" cy="9144000"/>
@@ -117,6 +118,3175 @@
 </p:presentation>
 </file>
 
+<file path=ppt/diagrams/colors1.xml><?xml version="1.0" encoding="utf-8"?>
+<dgm:colorsDef xmlns:dgm="http://schemas.openxmlformats.org/drawingml/2006/diagram" xmlns:a="http://schemas.openxmlformats.org/drawingml/2006/main" uniqueId="urn:microsoft.com/office/officeart/2005/8/colors/colorful1">
+  <dgm:title val=""/>
+  <dgm:desc val=""/>
+  <dgm:catLst>
+    <dgm:cat type="colorful" pri="10100"/>
+  </dgm:catLst>
+  <dgm:styleLbl name="node0">
+    <dgm:fillClrLst meth="repeat">
+      <a:schemeClr val="accent1"/>
+    </dgm:fillClrLst>
+    <dgm:linClrLst meth="repeat">
+      <a:schemeClr val="lt1"/>
+    </dgm:linClrLst>
+    <dgm:effectClrLst/>
+    <dgm:txLinClrLst/>
+    <dgm:txFillClrLst/>
+    <dgm:txEffectClrLst/>
+  </dgm:styleLbl>
+  <dgm:styleLbl name="node1">
+    <dgm:fillClrLst meth="repeat">
+      <a:schemeClr val="accent2"/>
+      <a:schemeClr val="accent3"/>
+      <a:schemeClr val="accent4"/>
+      <a:schemeClr val="accent5"/>
+      <a:schemeClr val="accent6"/>
+    </dgm:fillClrLst>
+    <dgm:linClrLst meth="repeat">
+      <a:schemeClr val="lt1"/>
+    </dgm:linClrLst>
+    <dgm:effectClrLst/>
+    <dgm:txLinClrLst/>
+    <dgm:txFillClrLst/>
+    <dgm:txEffectClrLst/>
+  </dgm:styleLbl>
+  <dgm:styleLbl name="alignNode1">
+    <dgm:fillClrLst meth="repeat">
+      <a:schemeClr val="accent2"/>
+      <a:schemeClr val="accent3"/>
+      <a:schemeClr val="accent4"/>
+      <a:schemeClr val="accent5"/>
+      <a:schemeClr val="accent6"/>
+    </dgm:fillClrLst>
+    <dgm:linClrLst meth="repeat">
+      <a:schemeClr val="accent2"/>
+      <a:schemeClr val="accent3"/>
+      <a:schemeClr val="accent4"/>
+      <a:schemeClr val="accent5"/>
+      <a:schemeClr val="accent6"/>
+    </dgm:linClrLst>
+    <dgm:effectClrLst/>
+    <dgm:txLinClrLst/>
+    <dgm:txFillClrLst/>
+    <dgm:txEffectClrLst/>
+  </dgm:styleLbl>
+  <dgm:styleLbl name="lnNode1">
+    <dgm:fillClrLst meth="repeat">
+      <a:schemeClr val="accent2"/>
+      <a:schemeClr val="accent3"/>
+      <a:schemeClr val="accent4"/>
+      <a:schemeClr val="accent5"/>
+      <a:schemeClr val="accent6"/>
+    </dgm:fillClrLst>
+    <dgm:linClrLst meth="repeat">
+      <a:schemeClr val="lt1"/>
+    </dgm:linClrLst>
+    <dgm:effectClrLst/>
+    <dgm:txLinClrLst/>
+    <dgm:txFillClrLst/>
+    <dgm:txEffectClrLst/>
+  </dgm:styleLbl>
+  <dgm:styleLbl name="vennNode1">
+    <dgm:fillClrLst meth="repeat">
+      <a:schemeClr val="accent2">
+        <a:alpha val="50000"/>
+      </a:schemeClr>
+      <a:schemeClr val="accent3">
+        <a:alpha val="50000"/>
+      </a:schemeClr>
+      <a:schemeClr val="accent4">
+        <a:alpha val="50000"/>
+      </a:schemeClr>
+      <a:schemeClr val="accent5">
+        <a:alpha val="50000"/>
+      </a:schemeClr>
+      <a:schemeClr val="accent6">
+        <a:alpha val="50000"/>
+      </a:schemeClr>
+    </dgm:fillClrLst>
+    <dgm:linClrLst meth="repeat">
+      <a:schemeClr val="lt1"/>
+    </dgm:linClrLst>
+    <dgm:effectClrLst/>
+    <dgm:txLinClrLst/>
+    <dgm:txFillClrLst/>
+    <dgm:txEffectClrLst/>
+  </dgm:styleLbl>
+  <dgm:styleLbl name="node2">
+    <dgm:fillClrLst>
+      <a:schemeClr val="accent2"/>
+    </dgm:fillClrLst>
+    <dgm:linClrLst meth="repeat">
+      <a:schemeClr val="lt1"/>
+    </dgm:linClrLst>
+    <dgm:effectClrLst/>
+    <dgm:txLinClrLst/>
+    <dgm:txFillClrLst/>
+    <dgm:txEffectClrLst/>
+  </dgm:styleLbl>
+  <dgm:styleLbl name="node3">
+    <dgm:fillClrLst>
+      <a:schemeClr val="accent3"/>
+    </dgm:fillClrLst>
+    <dgm:linClrLst meth="repeat">
+      <a:schemeClr val="lt1"/>
+    </dgm:linClrLst>
+    <dgm:effectClrLst/>
+    <dgm:txLinClrLst/>
+    <dgm:txFillClrLst/>
+    <dgm:txEffectClrLst/>
+  </dgm:styleLbl>
+  <dgm:styleLbl name="node4">
+    <dgm:fillClrLst>
+      <a:schemeClr val="accent4"/>
+    </dgm:fillClrLst>
+    <dgm:linClrLst meth="repeat">
+      <a:schemeClr val="lt1"/>
+    </dgm:linClrLst>
+    <dgm:effectClrLst/>
+    <dgm:txLinClrLst/>
+    <dgm:txFillClrLst/>
+    <dgm:txEffectClrLst/>
+  </dgm:styleLbl>
+  <dgm:styleLbl name="fgImgPlace1">
+    <dgm:fillClrLst meth="repeat">
+      <a:schemeClr val="accent2">
+        <a:tint val="50000"/>
+      </a:schemeClr>
+      <a:schemeClr val="accent3">
+        <a:tint val="50000"/>
+      </a:schemeClr>
+      <a:schemeClr val="accent4">
+        <a:tint val="50000"/>
+      </a:schemeClr>
+      <a:schemeClr val="accent5">
+        <a:tint val="50000"/>
+      </a:schemeClr>
+      <a:schemeClr val="accent6">
+        <a:tint val="50000"/>
+      </a:schemeClr>
+    </dgm:fillClrLst>
+    <dgm:linClrLst meth="repeat">
+      <a:schemeClr val="lt1"/>
+    </dgm:linClrLst>
+    <dgm:effectClrLst/>
+    <dgm:txLinClrLst/>
+    <dgm:txFillClrLst meth="repeat">
+      <a:schemeClr val="lt1"/>
+    </dgm:txFillClrLst>
+    <dgm:txEffectClrLst/>
+  </dgm:styleLbl>
+  <dgm:styleLbl name="alignImgPlace1">
+    <dgm:fillClrLst>
+      <a:schemeClr val="accent1">
+        <a:tint val="50000"/>
+      </a:schemeClr>
+      <a:schemeClr val="accent2">
+        <a:tint val="20000"/>
+      </a:schemeClr>
+    </dgm:fillClrLst>
+    <dgm:linClrLst meth="repeat">
+      <a:schemeClr val="lt1"/>
+    </dgm:linClrLst>
+    <dgm:effectClrLst/>
+    <dgm:txLinClrLst/>
+    <dgm:txFillClrLst meth="repeat">
+      <a:schemeClr val="lt1"/>
+    </dgm:txFillClrLst>
+    <dgm:txEffectClrLst/>
+  </dgm:styleLbl>
+  <dgm:styleLbl name="bgImgPlace1">
+    <dgm:fillClrLst>
+      <a:schemeClr val="accent1">
+        <a:tint val="50000"/>
+      </a:schemeClr>
+      <a:schemeClr val="accent2">
+        <a:tint val="20000"/>
+      </a:schemeClr>
+    </dgm:fillClrLst>
+    <dgm:linClrLst meth="repeat">
+      <a:schemeClr val="lt1"/>
+    </dgm:linClrLst>
+    <dgm:effectClrLst/>
+    <dgm:txLinClrLst/>
+    <dgm:txFillClrLst meth="repeat">
+      <a:schemeClr val="lt1"/>
+    </dgm:txFillClrLst>
+    <dgm:txEffectClrLst/>
+  </dgm:styleLbl>
+  <dgm:styleLbl name="sibTrans2D1">
+    <dgm:fillClrLst meth="repeat">
+      <a:schemeClr val="accent2"/>
+      <a:schemeClr val="accent3"/>
+      <a:schemeClr val="accent4"/>
+      <a:schemeClr val="accent5"/>
+      <a:schemeClr val="accent6"/>
+    </dgm:fillClrLst>
+    <dgm:linClrLst meth="cycle">
+      <a:schemeClr val="lt1"/>
+    </dgm:linClrLst>
+    <dgm:effectClrLst/>
+    <dgm:txLinClrLst/>
+    <dgm:txFillClrLst/>
+    <dgm:txEffectClrLst/>
+  </dgm:styleLbl>
+  <dgm:styleLbl name="fgSibTrans2D1">
+    <dgm:fillClrLst meth="repeat">
+      <a:schemeClr val="accent2"/>
+      <a:schemeClr val="accent3"/>
+      <a:schemeClr val="accent4"/>
+      <a:schemeClr val="accent5"/>
+      <a:schemeClr val="accent6"/>
+    </dgm:fillClrLst>
+    <dgm:linClrLst meth="cycle">
+      <a:schemeClr val="lt1"/>
+    </dgm:linClrLst>
+    <dgm:effectClrLst/>
+    <dgm:txLinClrLst/>
+    <dgm:txFillClrLst meth="repeat">
+      <a:schemeClr val="lt1"/>
+    </dgm:txFillClrLst>
+    <dgm:txEffectClrLst/>
+  </dgm:styleLbl>
+  <dgm:styleLbl name="bgSibTrans2D1">
+    <dgm:fillClrLst meth="repeat">
+      <a:schemeClr val="accent2"/>
+      <a:schemeClr val="accent3"/>
+      <a:schemeClr val="accent4"/>
+      <a:schemeClr val="accent5"/>
+      <a:schemeClr val="accent6"/>
+    </dgm:fillClrLst>
+    <dgm:linClrLst meth="cycle">
+      <a:schemeClr val="lt1"/>
+    </dgm:linClrLst>
+    <dgm:effectClrLst/>
+    <dgm:txLinClrLst/>
+    <dgm:txFillClrLst meth="repeat">
+      <a:schemeClr val="lt1"/>
+    </dgm:txFillClrLst>
+    <dgm:txEffectClrLst/>
+  </dgm:styleLbl>
+  <dgm:styleLbl name="sibTrans1D1">
+    <dgm:fillClrLst meth="repeat">
+      <a:schemeClr val="accent2"/>
+      <a:schemeClr val="accent3"/>
+      <a:schemeClr val="accent4"/>
+      <a:schemeClr val="accent5"/>
+      <a:schemeClr val="accent6"/>
+    </dgm:fillClrLst>
+    <dgm:linClrLst meth="repeat">
+      <a:schemeClr val="accent2"/>
+      <a:schemeClr val="accent3"/>
+      <a:schemeClr val="accent4"/>
+      <a:schemeClr val="accent5"/>
+      <a:schemeClr val="accent6"/>
+    </dgm:linClrLst>
+    <dgm:effectClrLst/>
+    <dgm:txLinClrLst/>
+    <dgm:txFillClrLst meth="repeat">
+      <a:schemeClr val="tx1"/>
+    </dgm:txFillClrLst>
+    <dgm:txEffectClrLst/>
+  </dgm:styleLbl>
+  <dgm:styleLbl name="callout">
+    <dgm:fillClrLst meth="repeat">
+      <a:schemeClr val="accent2"/>
+    </dgm:fillClrLst>
+    <dgm:linClrLst meth="repeat">
+      <a:schemeClr val="accent2">
+        <a:tint val="50000"/>
+      </a:schemeClr>
+    </dgm:linClrLst>
+    <dgm:effectClrLst/>
+    <dgm:txLinClrLst/>
+    <dgm:txFillClrLst meth="repeat">
+      <a:schemeClr val="tx1"/>
+    </dgm:txFillClrLst>
+    <dgm:txEffectClrLst/>
+  </dgm:styleLbl>
+  <dgm:styleLbl name="asst0">
+    <dgm:fillClrLst meth="repeat">
+      <a:schemeClr val="accent1"/>
+    </dgm:fillClrLst>
+    <dgm:linClrLst meth="repeat">
+      <a:schemeClr val="lt1"/>
+    </dgm:linClrLst>
+    <dgm:effectClrLst/>
+    <dgm:txLinClrLst/>
+    <dgm:txFillClrLst/>
+    <dgm:txEffectClrLst/>
+  </dgm:styleLbl>
+  <dgm:styleLbl name="asst1">
+    <dgm:fillClrLst meth="repeat">
+      <a:schemeClr val="accent2"/>
+    </dgm:fillClrLst>
+    <dgm:linClrLst meth="repeat">
+      <a:schemeClr val="lt1"/>
+    </dgm:linClrLst>
+    <dgm:effectClrLst/>
+    <dgm:txLinClrLst/>
+    <dgm:txFillClrLst/>
+    <dgm:txEffectClrLst/>
+  </dgm:styleLbl>
+  <dgm:styleLbl name="asst2">
+    <dgm:fillClrLst>
+      <a:schemeClr val="accent3"/>
+    </dgm:fillClrLst>
+    <dgm:linClrLst meth="repeat">
+      <a:schemeClr val="lt1"/>
+    </dgm:linClrLst>
+    <dgm:effectClrLst/>
+    <dgm:txLinClrLst/>
+    <dgm:txFillClrLst/>
+    <dgm:txEffectClrLst/>
+  </dgm:styleLbl>
+  <dgm:styleLbl name="asst3">
+    <dgm:fillClrLst>
+      <a:schemeClr val="accent4"/>
+    </dgm:fillClrLst>
+    <dgm:linClrLst meth="repeat">
+      <a:schemeClr val="lt1"/>
+    </dgm:linClrLst>
+    <dgm:effectClrLst/>
+    <dgm:txLinClrLst/>
+    <dgm:txFillClrLst/>
+    <dgm:txEffectClrLst/>
+  </dgm:styleLbl>
+  <dgm:styleLbl name="asst4">
+    <dgm:fillClrLst>
+      <a:schemeClr val="accent5"/>
+    </dgm:fillClrLst>
+    <dgm:linClrLst meth="repeat">
+      <a:schemeClr val="lt1"/>
+    </dgm:linClrLst>
+    <dgm:effectClrLst/>
+    <dgm:txLinClrLst/>
+    <dgm:txFillClrLst/>
+    <dgm:txEffectClrLst/>
+  </dgm:styleLbl>
+  <dgm:styleLbl name="parChTrans2D1">
+    <dgm:fillClrLst meth="repeat">
+      <a:schemeClr val="accent2"/>
+    </dgm:fillClrLst>
+    <dgm:linClrLst meth="repeat">
+      <a:schemeClr val="lt1"/>
+    </dgm:linClrLst>
+    <dgm:effectClrLst/>
+    <dgm:txLinClrLst/>
+    <dgm:txFillClrLst meth="repeat">
+      <a:schemeClr val="lt1"/>
+    </dgm:txFillClrLst>
+    <dgm:txEffectClrLst/>
+  </dgm:styleLbl>
+  <dgm:styleLbl name="parChTrans2D2">
+    <dgm:fillClrLst meth="repeat">
+      <a:schemeClr val="accent3"/>
+    </dgm:fillClrLst>
+    <dgm:linClrLst meth="repeat">
+      <a:schemeClr val="lt1"/>
+    </dgm:linClrLst>
+    <dgm:effectClrLst/>
+    <dgm:txLinClrLst/>
+    <dgm:txFillClrLst/>
+    <dgm:txEffectClrLst/>
+  </dgm:styleLbl>
+  <dgm:styleLbl name="parChTrans2D3">
+    <dgm:fillClrLst meth="repeat">
+      <a:schemeClr val="accent4"/>
+    </dgm:fillClrLst>
+    <dgm:linClrLst meth="repeat">
+      <a:schemeClr val="lt1"/>
+    </dgm:linClrLst>
+    <dgm:effectClrLst/>
+    <dgm:txLinClrLst/>
+    <dgm:txFillClrLst/>
+    <dgm:txEffectClrLst/>
+  </dgm:styleLbl>
+  <dgm:styleLbl name="parChTrans2D4">
+    <dgm:fillClrLst meth="repeat">
+      <a:schemeClr val="accent5"/>
+    </dgm:fillClrLst>
+    <dgm:linClrLst meth="repeat">
+      <a:schemeClr val="lt1"/>
+    </dgm:linClrLst>
+    <dgm:effectClrLst/>
+    <dgm:txLinClrLst/>
+    <dgm:txFillClrLst meth="repeat">
+      <a:schemeClr val="lt1"/>
+    </dgm:txFillClrLst>
+    <dgm:txEffectClrLst/>
+  </dgm:styleLbl>
+  <dgm:styleLbl name="parChTrans1D1">
+    <dgm:fillClrLst meth="repeat">
+      <a:schemeClr val="accent2"/>
+    </dgm:fillClrLst>
+    <dgm:linClrLst meth="repeat">
+      <a:schemeClr val="accent1"/>
+    </dgm:linClrLst>
+    <dgm:effectClrLst/>
+    <dgm:txLinClrLst/>
+    <dgm:txFillClrLst meth="repeat">
+      <a:schemeClr val="tx1"/>
+    </dgm:txFillClrLst>
+    <dgm:txEffectClrLst/>
+  </dgm:styleLbl>
+  <dgm:styleLbl name="parChTrans1D2">
+    <dgm:fillClrLst meth="repeat">
+      <a:schemeClr val="accent3">
+        <a:tint val="90000"/>
+      </a:schemeClr>
+    </dgm:fillClrLst>
+    <dgm:linClrLst meth="repeat">
+      <a:schemeClr val="accent2"/>
+    </dgm:linClrLst>
+    <dgm:effectClrLst/>
+    <dgm:txLinClrLst/>
+    <dgm:txFillClrLst meth="repeat">
+      <a:schemeClr val="tx1"/>
+    </dgm:txFillClrLst>
+    <dgm:txEffectClrLst/>
+  </dgm:styleLbl>
+  <dgm:styleLbl name="parChTrans1D3">
+    <dgm:fillClrLst meth="repeat">
+      <a:schemeClr val="accent4">
+        <a:tint val="70000"/>
+      </a:schemeClr>
+    </dgm:fillClrLst>
+    <dgm:linClrLst meth="repeat">
+      <a:schemeClr val="accent3"/>
+    </dgm:linClrLst>
+    <dgm:effectClrLst/>
+    <dgm:txLinClrLst/>
+    <dgm:txFillClrLst meth="repeat">
+      <a:schemeClr val="tx1"/>
+    </dgm:txFillClrLst>
+    <dgm:txEffectClrLst/>
+  </dgm:styleLbl>
+  <dgm:styleLbl name="parChTrans1D4">
+    <dgm:fillClrLst meth="repeat">
+      <a:schemeClr val="accent5">
+        <a:tint val="50000"/>
+      </a:schemeClr>
+    </dgm:fillClrLst>
+    <dgm:linClrLst meth="repeat">
+      <a:schemeClr val="accent4"/>
+    </dgm:linClrLst>
+    <dgm:effectClrLst/>
+    <dgm:txLinClrLst/>
+    <dgm:txFillClrLst meth="repeat">
+      <a:schemeClr val="tx1"/>
+    </dgm:txFillClrLst>
+    <dgm:txEffectClrLst/>
+  </dgm:styleLbl>
+  <dgm:styleLbl name="fgAcc1">
+    <dgm:fillClrLst meth="repeat">
+      <a:schemeClr val="lt1">
+        <a:alpha val="90000"/>
+      </a:schemeClr>
+    </dgm:fillClrLst>
+    <dgm:linClrLst meth="repeat">
+      <a:schemeClr val="accent2"/>
+      <a:schemeClr val="accent3"/>
+      <a:schemeClr val="accent4"/>
+      <a:schemeClr val="accent5"/>
+      <a:schemeClr val="accent6"/>
+    </dgm:linClrLst>
+    <dgm:effectClrLst/>
+    <dgm:txLinClrLst/>
+    <dgm:txFillClrLst meth="repeat">
+      <a:schemeClr val="dk1"/>
+    </dgm:txFillClrLst>
+    <dgm:txEffectClrLst/>
+  </dgm:styleLbl>
+  <dgm:styleLbl name="conFgAcc1">
+    <dgm:fillClrLst meth="repeat">
+      <a:schemeClr val="lt1">
+        <a:alpha val="90000"/>
+      </a:schemeClr>
+    </dgm:fillClrLst>
+    <dgm:linClrLst meth="repeat">
+      <a:schemeClr val="accent2"/>
+      <a:schemeClr val="accent3"/>
+      <a:schemeClr val="accent4"/>
+      <a:schemeClr val="accent5"/>
+      <a:schemeClr val="accent6"/>
+    </dgm:linClrLst>
+    <dgm:effectClrLst/>
+    <dgm:txLinClrLst/>
+    <dgm:txFillClrLst meth="repeat">
+      <a:schemeClr val="dk1"/>
+    </dgm:txFillClrLst>
+    <dgm:txEffectClrLst/>
+  </dgm:styleLbl>
+  <dgm:styleLbl name="alignAcc1">
+    <dgm:fillClrLst meth="repeat">
+      <a:schemeClr val="lt1">
+        <a:alpha val="90000"/>
+      </a:schemeClr>
+    </dgm:fillClrLst>
+    <dgm:linClrLst meth="repeat">
+      <a:schemeClr val="accent2"/>
+      <a:schemeClr val="accent3"/>
+      <a:schemeClr val="accent4"/>
+      <a:schemeClr val="accent5"/>
+      <a:schemeClr val="accent6"/>
+    </dgm:linClrLst>
+    <dgm:effectClrLst/>
+    <dgm:txLinClrLst/>
+    <dgm:txFillClrLst meth="repeat">
+      <a:schemeClr val="dk1"/>
+    </dgm:txFillClrLst>
+    <dgm:txEffectClrLst/>
+  </dgm:styleLbl>
+  <dgm:styleLbl name="trAlignAcc1">
+    <dgm:fillClrLst meth="repeat">
+      <a:schemeClr val="lt1">
+        <a:alpha val="40000"/>
+      </a:schemeClr>
+    </dgm:fillClrLst>
+    <dgm:linClrLst meth="repeat">
+      <a:schemeClr val="accent1"/>
+    </dgm:linClrLst>
+    <dgm:effectClrLst/>
+    <dgm:txLinClrLst/>
+    <dgm:txFillClrLst meth="repeat">
+      <a:schemeClr val="dk1"/>
+    </dgm:txFillClrLst>
+    <dgm:txEffectClrLst/>
+  </dgm:styleLbl>
+  <dgm:styleLbl name="bgAcc1">
+    <dgm:fillClrLst meth="repeat">
+      <a:schemeClr val="lt1">
+        <a:alpha val="90000"/>
+      </a:schemeClr>
+    </dgm:fillClrLst>
+    <dgm:linClrLst meth="repeat">
+      <a:schemeClr val="accent2"/>
+      <a:schemeClr val="accent3"/>
+      <a:schemeClr val="accent4"/>
+      <a:schemeClr val="accent5"/>
+      <a:schemeClr val="accent6"/>
+    </dgm:linClrLst>
+    <dgm:effectClrLst/>
+    <dgm:txLinClrLst/>
+    <dgm:txFillClrLst meth="repeat">
+      <a:schemeClr val="dk1"/>
+    </dgm:txFillClrLst>
+    <dgm:txEffectClrLst/>
+  </dgm:styleLbl>
+  <dgm:styleLbl name="solidFgAcc1">
+    <dgm:fillClrLst meth="repeat">
+      <a:schemeClr val="lt1"/>
+    </dgm:fillClrLst>
+    <dgm:linClrLst meth="repeat">
+      <a:schemeClr val="accent2"/>
+      <a:schemeClr val="accent3"/>
+      <a:schemeClr val="accent4"/>
+      <a:schemeClr val="accent5"/>
+      <a:schemeClr val="accent6"/>
+    </dgm:linClrLst>
+    <dgm:effectClrLst/>
+    <dgm:txLinClrLst/>
+    <dgm:txFillClrLst meth="repeat">
+      <a:schemeClr val="dk1"/>
+    </dgm:txFillClrLst>
+    <dgm:txEffectClrLst/>
+  </dgm:styleLbl>
+  <dgm:styleLbl name="solidAlignAcc1">
+    <dgm:fillClrLst meth="repeat">
+      <a:schemeClr val="lt1"/>
+    </dgm:fillClrLst>
+    <dgm:linClrLst meth="repeat">
+      <a:schemeClr val="accent2"/>
+      <a:schemeClr val="accent3"/>
+      <a:schemeClr val="accent4"/>
+      <a:schemeClr val="accent5"/>
+      <a:schemeClr val="accent6"/>
+    </dgm:linClrLst>
+    <dgm:effectClrLst/>
+    <dgm:txLinClrLst/>
+    <dgm:txFillClrLst meth="repeat">
+      <a:schemeClr val="dk1"/>
+    </dgm:txFillClrLst>
+    <dgm:txEffectClrLst/>
+  </dgm:styleLbl>
+  <dgm:styleLbl name="solidBgAcc1">
+    <dgm:fillClrLst meth="repeat">
+      <a:schemeClr val="lt1"/>
+    </dgm:fillClrLst>
+    <dgm:linClrLst meth="repeat">
+      <a:schemeClr val="accent2"/>
+      <a:schemeClr val="accent3"/>
+      <a:schemeClr val="accent4"/>
+      <a:schemeClr val="accent5"/>
+      <a:schemeClr val="accent6"/>
+    </dgm:linClrLst>
+    <dgm:effectClrLst/>
+    <dgm:txLinClrLst/>
+    <dgm:txFillClrLst meth="repeat">
+      <a:schemeClr val="dk1"/>
+    </dgm:txFillClrLst>
+    <dgm:txEffectClrLst/>
+  </dgm:styleLbl>
+  <dgm:styleLbl name="fgAccFollowNode1">
+    <dgm:fillClrLst meth="repeat">
+      <a:schemeClr val="accent2">
+        <a:tint val="40000"/>
+        <a:alpha val="90000"/>
+      </a:schemeClr>
+      <a:schemeClr val="accent3">
+        <a:tint val="40000"/>
+        <a:alpha val="90000"/>
+      </a:schemeClr>
+      <a:schemeClr val="accent4">
+        <a:tint val="40000"/>
+        <a:alpha val="90000"/>
+      </a:schemeClr>
+      <a:schemeClr val="accent5">
+        <a:tint val="40000"/>
+        <a:alpha val="90000"/>
+      </a:schemeClr>
+      <a:schemeClr val="accent6">
+        <a:tint val="40000"/>
+        <a:alpha val="90000"/>
+      </a:schemeClr>
+    </dgm:fillClrLst>
+    <dgm:linClrLst meth="repeat">
+      <a:schemeClr val="accent2">
+        <a:tint val="40000"/>
+        <a:alpha val="90000"/>
+      </a:schemeClr>
+      <a:schemeClr val="accent3">
+        <a:tint val="40000"/>
+        <a:alpha val="90000"/>
+      </a:schemeClr>
+      <a:schemeClr val="accent4">
+        <a:tint val="40000"/>
+        <a:alpha val="90000"/>
+      </a:schemeClr>
+      <a:schemeClr val="accent5">
+        <a:tint val="40000"/>
+        <a:alpha val="90000"/>
+      </a:schemeClr>
+      <a:schemeClr val="accent6">
+        <a:tint val="40000"/>
+        <a:alpha val="90000"/>
+      </a:schemeClr>
+    </dgm:linClrLst>
+    <dgm:effectClrLst/>
+    <dgm:txLinClrLst/>
+    <dgm:txFillClrLst meth="repeat">
+      <a:schemeClr val="dk1"/>
+    </dgm:txFillClrLst>
+    <dgm:txEffectClrLst/>
+  </dgm:styleLbl>
+  <dgm:styleLbl name="alignAccFollowNode1">
+    <dgm:fillClrLst meth="repeat">
+      <a:schemeClr val="accent2">
+        <a:tint val="40000"/>
+        <a:alpha val="90000"/>
+      </a:schemeClr>
+      <a:schemeClr val="accent3">
+        <a:tint val="40000"/>
+        <a:alpha val="90000"/>
+      </a:schemeClr>
+      <a:schemeClr val="accent4">
+        <a:tint val="40000"/>
+        <a:alpha val="90000"/>
+      </a:schemeClr>
+      <a:schemeClr val="accent5">
+        <a:tint val="40000"/>
+        <a:alpha val="90000"/>
+      </a:schemeClr>
+      <a:schemeClr val="accent6">
+        <a:tint val="40000"/>
+        <a:alpha val="90000"/>
+      </a:schemeClr>
+    </dgm:fillClrLst>
+    <dgm:linClrLst meth="repeat">
+      <a:schemeClr val="accent2">
+        <a:tint val="40000"/>
+        <a:alpha val="90000"/>
+      </a:schemeClr>
+      <a:schemeClr val="accent3">
+        <a:tint val="40000"/>
+        <a:alpha val="90000"/>
+      </a:schemeClr>
+      <a:schemeClr val="accent4">
+        <a:tint val="40000"/>
+        <a:alpha val="90000"/>
+      </a:schemeClr>
+      <a:schemeClr val="accent5">
+        <a:tint val="40000"/>
+        <a:alpha val="90000"/>
+      </a:schemeClr>
+      <a:schemeClr val="accent6">
+        <a:tint val="40000"/>
+        <a:alpha val="90000"/>
+      </a:schemeClr>
+    </dgm:linClrLst>
+    <dgm:effectClrLst/>
+    <dgm:txLinClrLst/>
+    <dgm:txFillClrLst meth="repeat">
+      <a:schemeClr val="dk1"/>
+    </dgm:txFillClrLst>
+    <dgm:txEffectClrLst/>
+  </dgm:styleLbl>
+  <dgm:styleLbl name="bgAccFollowNode1">
+    <dgm:fillClrLst meth="repeat">
+      <a:schemeClr val="accent2">
+        <a:tint val="40000"/>
+        <a:alpha val="90000"/>
+      </a:schemeClr>
+      <a:schemeClr val="accent3">
+        <a:tint val="40000"/>
+        <a:alpha val="90000"/>
+      </a:schemeClr>
+      <a:schemeClr val="accent4">
+        <a:tint val="40000"/>
+        <a:alpha val="90000"/>
+      </a:schemeClr>
+      <a:schemeClr val="accent5">
+        <a:tint val="40000"/>
+        <a:alpha val="90000"/>
+      </a:schemeClr>
+      <a:schemeClr val="accent6">
+        <a:tint val="40000"/>
+        <a:alpha val="90000"/>
+      </a:schemeClr>
+    </dgm:fillClrLst>
+    <dgm:linClrLst meth="repeat">
+      <a:schemeClr val="accent2">
+        <a:tint val="40000"/>
+        <a:alpha val="90000"/>
+      </a:schemeClr>
+      <a:schemeClr val="accent3">
+        <a:tint val="40000"/>
+        <a:alpha val="90000"/>
+      </a:schemeClr>
+      <a:schemeClr val="accent4">
+        <a:tint val="40000"/>
+        <a:alpha val="90000"/>
+      </a:schemeClr>
+      <a:schemeClr val="accent5">
+        <a:tint val="40000"/>
+        <a:alpha val="90000"/>
+      </a:schemeClr>
+      <a:schemeClr val="accent6">
+        <a:tint val="40000"/>
+        <a:alpha val="90000"/>
+      </a:schemeClr>
+    </dgm:linClrLst>
+    <dgm:effectClrLst/>
+    <dgm:txLinClrLst/>
+    <dgm:txFillClrLst meth="repeat">
+      <a:schemeClr val="dk1"/>
+    </dgm:txFillClrLst>
+    <dgm:txEffectClrLst/>
+  </dgm:styleLbl>
+  <dgm:styleLbl name="fgAcc0">
+    <dgm:fillClrLst meth="repeat">
+      <a:schemeClr val="lt1">
+        <a:alpha val="90000"/>
+      </a:schemeClr>
+    </dgm:fillClrLst>
+    <dgm:linClrLst>
+      <a:schemeClr val="accent1"/>
+    </dgm:linClrLst>
+    <dgm:effectClrLst/>
+    <dgm:txLinClrLst/>
+    <dgm:txFillClrLst meth="repeat">
+      <a:schemeClr val="dk1"/>
+    </dgm:txFillClrLst>
+    <dgm:txEffectClrLst/>
+  </dgm:styleLbl>
+  <dgm:styleLbl name="fgAcc2">
+    <dgm:fillClrLst meth="repeat">
+      <a:schemeClr val="lt1">
+        <a:alpha val="90000"/>
+      </a:schemeClr>
+    </dgm:fillClrLst>
+    <dgm:linClrLst>
+      <a:schemeClr val="accent2"/>
+    </dgm:linClrLst>
+    <dgm:effectClrLst/>
+    <dgm:txLinClrLst/>
+    <dgm:txFillClrLst meth="repeat">
+      <a:schemeClr val="dk1"/>
+    </dgm:txFillClrLst>
+    <dgm:txEffectClrLst/>
+  </dgm:styleLbl>
+  <dgm:styleLbl name="fgAcc3">
+    <dgm:fillClrLst meth="repeat">
+      <a:schemeClr val="lt1">
+        <a:alpha val="90000"/>
+      </a:schemeClr>
+    </dgm:fillClrLst>
+    <dgm:linClrLst>
+      <a:schemeClr val="accent3"/>
+    </dgm:linClrLst>
+    <dgm:effectClrLst/>
+    <dgm:txLinClrLst/>
+    <dgm:txFillClrLst meth="repeat">
+      <a:schemeClr val="dk1"/>
+    </dgm:txFillClrLst>
+    <dgm:txEffectClrLst/>
+  </dgm:styleLbl>
+  <dgm:styleLbl name="fgAcc4">
+    <dgm:fillClrLst meth="repeat">
+      <a:schemeClr val="lt1">
+        <a:alpha val="90000"/>
+      </a:schemeClr>
+    </dgm:fillClrLst>
+    <dgm:linClrLst>
+      <a:schemeClr val="accent4"/>
+    </dgm:linClrLst>
+    <dgm:effectClrLst/>
+    <dgm:txLinClrLst/>
+    <dgm:txFillClrLst meth="repeat">
+      <a:schemeClr val="dk1"/>
+    </dgm:txFillClrLst>
+    <dgm:txEffectClrLst/>
+  </dgm:styleLbl>
+  <dgm:styleLbl name="bgShp">
+    <dgm:fillClrLst meth="repeat">
+      <a:schemeClr val="accent2">
+        <a:tint val="40000"/>
+      </a:schemeClr>
+    </dgm:fillClrLst>
+    <dgm:linClrLst meth="repeat">
+      <a:schemeClr val="dk1"/>
+    </dgm:linClrLst>
+    <dgm:effectClrLst/>
+    <dgm:txLinClrLst/>
+    <dgm:txFillClrLst meth="repeat">
+      <a:schemeClr val="dk1"/>
+    </dgm:txFillClrLst>
+    <dgm:txEffectClrLst/>
+  </dgm:styleLbl>
+  <dgm:styleLbl name="dkBgShp">
+    <dgm:fillClrLst meth="repeat">
+      <a:schemeClr val="accent2">
+        <a:shade val="90000"/>
+      </a:schemeClr>
+    </dgm:fillClrLst>
+    <dgm:linClrLst meth="repeat">
+      <a:schemeClr val="dk1"/>
+    </dgm:linClrLst>
+    <dgm:effectClrLst/>
+    <dgm:txLinClrLst/>
+    <dgm:txFillClrLst meth="repeat">
+      <a:schemeClr val="lt1"/>
+    </dgm:txFillClrLst>
+    <dgm:txEffectClrLst/>
+  </dgm:styleLbl>
+  <dgm:styleLbl name="trBgShp">
+    <dgm:fillClrLst meth="repeat">
+      <a:schemeClr val="accent1">
+        <a:tint val="50000"/>
+        <a:alpha val="40000"/>
+      </a:schemeClr>
+    </dgm:fillClrLst>
+    <dgm:linClrLst meth="repeat">
+      <a:schemeClr val="accent2"/>
+    </dgm:linClrLst>
+    <dgm:effectClrLst/>
+    <dgm:txLinClrLst/>
+    <dgm:txFillClrLst meth="repeat">
+      <a:schemeClr val="lt1"/>
+    </dgm:txFillClrLst>
+    <dgm:txEffectClrLst/>
+  </dgm:styleLbl>
+  <dgm:styleLbl name="fgShp">
+    <dgm:fillClrLst meth="repeat">
+      <a:schemeClr val="accent2">
+        <a:tint val="40000"/>
+      </a:schemeClr>
+    </dgm:fillClrLst>
+    <dgm:linClrLst meth="repeat">
+      <a:schemeClr val="lt1"/>
+    </dgm:linClrLst>
+    <dgm:effectClrLst/>
+    <dgm:txLinClrLst/>
+    <dgm:txFillClrLst meth="repeat">
+      <a:schemeClr val="dk1"/>
+    </dgm:txFillClrLst>
+    <dgm:txEffectClrLst/>
+  </dgm:styleLbl>
+  <dgm:styleLbl name="revTx">
+    <dgm:fillClrLst meth="repeat">
+      <a:schemeClr val="lt1">
+        <a:alpha val="0"/>
+      </a:schemeClr>
+    </dgm:fillClrLst>
+    <dgm:linClrLst meth="repeat">
+      <a:schemeClr val="dk1">
+        <a:alpha val="0"/>
+      </a:schemeClr>
+    </dgm:linClrLst>
+    <dgm:effectClrLst/>
+    <dgm:txLinClrLst/>
+    <dgm:txFillClrLst meth="repeat">
+      <a:schemeClr val="tx1"/>
+    </dgm:txFillClrLst>
+    <dgm:txEffectClrLst/>
+  </dgm:styleLbl>
+</dgm:colorsDef>
+</file>
+
+<file path=ppt/diagrams/data1.xml><?xml version="1.0" encoding="utf-8"?>
+<dgm:dataModel xmlns:dgm="http://schemas.openxmlformats.org/drawingml/2006/diagram" xmlns:a="http://schemas.openxmlformats.org/drawingml/2006/main">
+  <dgm:ptLst>
+    <dgm:pt modelId="{538A050F-3A3B-43D4-8326-87338039AC32}" type="doc">
+      <dgm:prSet loTypeId="urn:microsoft.com/office/officeart/2008/layout/LinedList" loCatId="list" qsTypeId="urn:microsoft.com/office/officeart/2005/8/quickstyle/simple2" qsCatId="simple" csTypeId="urn:microsoft.com/office/officeart/2005/8/colors/colorful1" csCatId="colorful" phldr="1"/>
+      <dgm:spPr/>
+      <dgm:t>
+        <a:bodyPr/>
+        <a:lstStyle/>
+        <a:p>
+          <a:endParaRPr lang="en-US"/>
+        </a:p>
+      </dgm:t>
+    </dgm:pt>
+    <dgm:pt modelId="{2AC941DE-5258-464A-A038-2D990948C97E}">
+      <dgm:prSet/>
+      <dgm:spPr/>
+      <dgm:t>
+        <a:bodyPr/>
+        <a:lstStyle/>
+        <a:p>
+          <a:r>
+            <a:rPr lang="en-US"/>
+            <a:t>Laundry – Non Real Time: </a:t>
+          </a:r>
+          <a:r>
+            <a:rPr lang="en-US">
+              <a:hlinkClick xmlns:r="http://schemas.openxmlformats.org/officeDocument/2006/relationships" r:id="rId1"/>
+            </a:rPr>
+            <a:t>https://youtu.be/0m3kBEFjWR4</a:t>
+          </a:r>
+          <a:endParaRPr lang="en-US"/>
+        </a:p>
+      </dgm:t>
+    </dgm:pt>
+    <dgm:pt modelId="{8E596D36-D2DE-4173-9EA3-BBBBFC6AB8E4}" type="parTrans" cxnId="{AB42E8DF-CF0E-4EF7-A84C-6FF37112C1F8}">
+      <dgm:prSet/>
+      <dgm:spPr/>
+      <dgm:t>
+        <a:bodyPr/>
+        <a:lstStyle/>
+        <a:p>
+          <a:endParaRPr lang="en-US"/>
+        </a:p>
+      </dgm:t>
+    </dgm:pt>
+    <dgm:pt modelId="{BCC3CC39-25EF-44CE-9FD6-A0231A6F7AE6}" type="sibTrans" cxnId="{AB42E8DF-CF0E-4EF7-A84C-6FF37112C1F8}">
+      <dgm:prSet/>
+      <dgm:spPr/>
+      <dgm:t>
+        <a:bodyPr/>
+        <a:lstStyle/>
+        <a:p>
+          <a:endParaRPr lang="en-US"/>
+        </a:p>
+      </dgm:t>
+    </dgm:pt>
+    <dgm:pt modelId="{DD9075E8-5230-4754-B60C-AFBDCF9889D1}">
+      <dgm:prSet/>
+      <dgm:spPr/>
+      <dgm:t>
+        <a:bodyPr/>
+        <a:lstStyle/>
+        <a:p>
+          <a:r>
+            <a:rPr lang="en-US"/>
+            <a:t>Laundry – Real Time : </a:t>
+          </a:r>
+          <a:r>
+            <a:rPr lang="en-US">
+              <a:hlinkClick xmlns:r="http://schemas.openxmlformats.org/officeDocument/2006/relationships" r:id="rId2"/>
+            </a:rPr>
+            <a:t>https://youtu.be/Ud1WwnJU2n0</a:t>
+          </a:r>
+          <a:endParaRPr lang="en-US"/>
+        </a:p>
+      </dgm:t>
+    </dgm:pt>
+    <dgm:pt modelId="{A6A7C32A-0A47-4A9E-B1AC-952E3F3B46FA}" type="parTrans" cxnId="{083047F0-8A7C-40D2-81F0-272DC1007F0F}">
+      <dgm:prSet/>
+      <dgm:spPr/>
+      <dgm:t>
+        <a:bodyPr/>
+        <a:lstStyle/>
+        <a:p>
+          <a:endParaRPr lang="en-US"/>
+        </a:p>
+      </dgm:t>
+    </dgm:pt>
+    <dgm:pt modelId="{7ABC682F-A036-4C39-B6DD-FCCEBF5BB8B4}" type="sibTrans" cxnId="{083047F0-8A7C-40D2-81F0-272DC1007F0F}">
+      <dgm:prSet/>
+      <dgm:spPr/>
+      <dgm:t>
+        <a:bodyPr/>
+        <a:lstStyle/>
+        <a:p>
+          <a:endParaRPr lang="en-US"/>
+        </a:p>
+      </dgm:t>
+    </dgm:pt>
+    <dgm:pt modelId="{F658CD79-9755-42C7-8B9E-4BD7985A21A6}">
+      <dgm:prSet/>
+      <dgm:spPr/>
+      <dgm:t>
+        <a:bodyPr/>
+        <a:lstStyle/>
+        <a:p>
+          <a:r>
+            <a:rPr lang="en-US"/>
+            <a:t>Vacuum- Non Real Time: </a:t>
+          </a:r>
+        </a:p>
+      </dgm:t>
+    </dgm:pt>
+    <dgm:pt modelId="{0689E546-4B1B-47F0-8E62-5C4ECDED7CB1}" type="parTrans" cxnId="{2BADEECC-B385-442A-BEE7-82A96FADEBA7}">
+      <dgm:prSet/>
+      <dgm:spPr/>
+      <dgm:t>
+        <a:bodyPr/>
+        <a:lstStyle/>
+        <a:p>
+          <a:endParaRPr lang="en-US"/>
+        </a:p>
+      </dgm:t>
+    </dgm:pt>
+    <dgm:pt modelId="{0DB44932-714C-4287-9C4F-92D0AD963D3C}" type="sibTrans" cxnId="{2BADEECC-B385-442A-BEE7-82A96FADEBA7}">
+      <dgm:prSet/>
+      <dgm:spPr/>
+      <dgm:t>
+        <a:bodyPr/>
+        <a:lstStyle/>
+        <a:p>
+          <a:endParaRPr lang="en-US"/>
+        </a:p>
+      </dgm:t>
+    </dgm:pt>
+    <dgm:pt modelId="{53D1C4D0-0028-4E23-BD39-5DE58EED49F9}">
+      <dgm:prSet/>
+      <dgm:spPr/>
+      <dgm:t>
+        <a:bodyPr/>
+        <a:lstStyle/>
+        <a:p>
+          <a:r>
+            <a:rPr lang="en-US"/>
+            <a:t>Vacuum- Real Time: </a:t>
+          </a:r>
+        </a:p>
+      </dgm:t>
+    </dgm:pt>
+    <dgm:pt modelId="{B8B20CB2-5E5F-431F-9720-EB58AE6C2322}" type="parTrans" cxnId="{FA34B1E7-E94C-447A-B150-23B98F9862B3}">
+      <dgm:prSet/>
+      <dgm:spPr/>
+      <dgm:t>
+        <a:bodyPr/>
+        <a:lstStyle/>
+        <a:p>
+          <a:endParaRPr lang="en-US"/>
+        </a:p>
+      </dgm:t>
+    </dgm:pt>
+    <dgm:pt modelId="{102E2374-4040-4767-9B19-B98F81D4B60C}" type="sibTrans" cxnId="{FA34B1E7-E94C-447A-B150-23B98F9862B3}">
+      <dgm:prSet/>
+      <dgm:spPr/>
+      <dgm:t>
+        <a:bodyPr/>
+        <a:lstStyle/>
+        <a:p>
+          <a:endParaRPr lang="en-US"/>
+        </a:p>
+      </dgm:t>
+    </dgm:pt>
+    <dgm:pt modelId="{2BB010BF-A384-4C7B-879D-5C7636C32FA9}" type="pres">
+      <dgm:prSet presAssocID="{538A050F-3A3B-43D4-8326-87338039AC32}" presName="vert0" presStyleCnt="0">
+        <dgm:presLayoutVars>
+          <dgm:dir/>
+          <dgm:animOne val="branch"/>
+          <dgm:animLvl val="lvl"/>
+        </dgm:presLayoutVars>
+      </dgm:prSet>
+      <dgm:spPr/>
+    </dgm:pt>
+    <dgm:pt modelId="{3CDBC76B-FFB2-4579-AD0D-CE14BA38277E}" type="pres">
+      <dgm:prSet presAssocID="{2AC941DE-5258-464A-A038-2D990948C97E}" presName="thickLine" presStyleLbl="alignNode1" presStyleIdx="0" presStyleCnt="4"/>
+      <dgm:spPr/>
+    </dgm:pt>
+    <dgm:pt modelId="{86D49885-5B42-408C-B16B-20323DBE15D6}" type="pres">
+      <dgm:prSet presAssocID="{2AC941DE-5258-464A-A038-2D990948C97E}" presName="horz1" presStyleCnt="0"/>
+      <dgm:spPr/>
+    </dgm:pt>
+    <dgm:pt modelId="{D7A75BE1-1BED-430C-A9F7-4E3C46464891}" type="pres">
+      <dgm:prSet presAssocID="{2AC941DE-5258-464A-A038-2D990948C97E}" presName="tx1" presStyleLbl="revTx" presStyleIdx="0" presStyleCnt="4"/>
+      <dgm:spPr/>
+    </dgm:pt>
+    <dgm:pt modelId="{7F877F64-A9A5-4F00-8A09-587D0D01EF4A}" type="pres">
+      <dgm:prSet presAssocID="{2AC941DE-5258-464A-A038-2D990948C97E}" presName="vert1" presStyleCnt="0"/>
+      <dgm:spPr/>
+    </dgm:pt>
+    <dgm:pt modelId="{CFF96400-D454-4FB3-936D-EB6336CDA78C}" type="pres">
+      <dgm:prSet presAssocID="{DD9075E8-5230-4754-B60C-AFBDCF9889D1}" presName="thickLine" presStyleLbl="alignNode1" presStyleIdx="1" presStyleCnt="4"/>
+      <dgm:spPr/>
+    </dgm:pt>
+    <dgm:pt modelId="{F4F00025-0559-4533-99D0-1F2A5FCEA249}" type="pres">
+      <dgm:prSet presAssocID="{DD9075E8-5230-4754-B60C-AFBDCF9889D1}" presName="horz1" presStyleCnt="0"/>
+      <dgm:spPr/>
+    </dgm:pt>
+    <dgm:pt modelId="{12ED4225-424F-4F55-980D-A283FD22FD5C}" type="pres">
+      <dgm:prSet presAssocID="{DD9075E8-5230-4754-B60C-AFBDCF9889D1}" presName="tx1" presStyleLbl="revTx" presStyleIdx="1" presStyleCnt="4"/>
+      <dgm:spPr/>
+    </dgm:pt>
+    <dgm:pt modelId="{791D3CB6-65E0-48BF-82EE-B1F39A511539}" type="pres">
+      <dgm:prSet presAssocID="{DD9075E8-5230-4754-B60C-AFBDCF9889D1}" presName="vert1" presStyleCnt="0"/>
+      <dgm:spPr/>
+    </dgm:pt>
+    <dgm:pt modelId="{F3B95316-9ECA-4404-9CCF-2AD87C53FCDC}" type="pres">
+      <dgm:prSet presAssocID="{F658CD79-9755-42C7-8B9E-4BD7985A21A6}" presName="thickLine" presStyleLbl="alignNode1" presStyleIdx="2" presStyleCnt="4"/>
+      <dgm:spPr/>
+    </dgm:pt>
+    <dgm:pt modelId="{82DABB00-29BE-4037-AE20-F6E248358FC3}" type="pres">
+      <dgm:prSet presAssocID="{F658CD79-9755-42C7-8B9E-4BD7985A21A6}" presName="horz1" presStyleCnt="0"/>
+      <dgm:spPr/>
+    </dgm:pt>
+    <dgm:pt modelId="{37070BD3-D265-48F7-9CD1-FCA08A8FC2FE}" type="pres">
+      <dgm:prSet presAssocID="{F658CD79-9755-42C7-8B9E-4BD7985A21A6}" presName="tx1" presStyleLbl="revTx" presStyleIdx="2" presStyleCnt="4"/>
+      <dgm:spPr/>
+    </dgm:pt>
+    <dgm:pt modelId="{913C9E95-A3C7-4E6F-86A2-7C13B1CDC7E0}" type="pres">
+      <dgm:prSet presAssocID="{F658CD79-9755-42C7-8B9E-4BD7985A21A6}" presName="vert1" presStyleCnt="0"/>
+      <dgm:spPr/>
+    </dgm:pt>
+    <dgm:pt modelId="{D1064DE8-2C03-4CEA-B54B-FB698CB45AF6}" type="pres">
+      <dgm:prSet presAssocID="{53D1C4D0-0028-4E23-BD39-5DE58EED49F9}" presName="thickLine" presStyleLbl="alignNode1" presStyleIdx="3" presStyleCnt="4"/>
+      <dgm:spPr/>
+    </dgm:pt>
+    <dgm:pt modelId="{20A3A585-0F9C-4A17-84F5-8D01E338D5C9}" type="pres">
+      <dgm:prSet presAssocID="{53D1C4D0-0028-4E23-BD39-5DE58EED49F9}" presName="horz1" presStyleCnt="0"/>
+      <dgm:spPr/>
+    </dgm:pt>
+    <dgm:pt modelId="{BC2E2F4A-8614-428B-AC25-581DDC49E1A1}" type="pres">
+      <dgm:prSet presAssocID="{53D1C4D0-0028-4E23-BD39-5DE58EED49F9}" presName="tx1" presStyleLbl="revTx" presStyleIdx="3" presStyleCnt="4"/>
+      <dgm:spPr/>
+    </dgm:pt>
+    <dgm:pt modelId="{E689C832-24A3-42FF-AFEE-B8F3D36BFCEF}" type="pres">
+      <dgm:prSet presAssocID="{53D1C4D0-0028-4E23-BD39-5DE58EED49F9}" presName="vert1" presStyleCnt="0"/>
+      <dgm:spPr/>
+    </dgm:pt>
+  </dgm:ptLst>
+  <dgm:cxnLst>
+    <dgm:cxn modelId="{EDF34015-F786-4E7E-8C14-4E515F21876C}" type="presOf" srcId="{2AC941DE-5258-464A-A038-2D990948C97E}" destId="{D7A75BE1-1BED-430C-A9F7-4E3C46464891}" srcOrd="0" destOrd="0" presId="urn:microsoft.com/office/officeart/2008/layout/LinedList"/>
+    <dgm:cxn modelId="{43F2855B-B0D0-47E6-9D11-FA9E1A17288A}" type="presOf" srcId="{DD9075E8-5230-4754-B60C-AFBDCF9889D1}" destId="{12ED4225-424F-4F55-980D-A283FD22FD5C}" srcOrd="0" destOrd="0" presId="urn:microsoft.com/office/officeart/2008/layout/LinedList"/>
+    <dgm:cxn modelId="{78981B9A-FAF2-49A5-B935-18BEA093E211}" type="presOf" srcId="{F658CD79-9755-42C7-8B9E-4BD7985A21A6}" destId="{37070BD3-D265-48F7-9CD1-FCA08A8FC2FE}" srcOrd="0" destOrd="0" presId="urn:microsoft.com/office/officeart/2008/layout/LinedList"/>
+    <dgm:cxn modelId="{F9715EB2-FC8C-42F3-94B5-663DB6B88E9E}" type="presOf" srcId="{538A050F-3A3B-43D4-8326-87338039AC32}" destId="{2BB010BF-A384-4C7B-879D-5C7636C32FA9}" srcOrd="0" destOrd="0" presId="urn:microsoft.com/office/officeart/2008/layout/LinedList"/>
+    <dgm:cxn modelId="{2BADEECC-B385-442A-BEE7-82A96FADEBA7}" srcId="{538A050F-3A3B-43D4-8326-87338039AC32}" destId="{F658CD79-9755-42C7-8B9E-4BD7985A21A6}" srcOrd="2" destOrd="0" parTransId="{0689E546-4B1B-47F0-8E62-5C4ECDED7CB1}" sibTransId="{0DB44932-714C-4287-9C4F-92D0AD963D3C}"/>
+    <dgm:cxn modelId="{38DE57D2-61A2-4B16-9FA4-69E4849B855B}" type="presOf" srcId="{53D1C4D0-0028-4E23-BD39-5DE58EED49F9}" destId="{BC2E2F4A-8614-428B-AC25-581DDC49E1A1}" srcOrd="0" destOrd="0" presId="urn:microsoft.com/office/officeart/2008/layout/LinedList"/>
+    <dgm:cxn modelId="{AB42E8DF-CF0E-4EF7-A84C-6FF37112C1F8}" srcId="{538A050F-3A3B-43D4-8326-87338039AC32}" destId="{2AC941DE-5258-464A-A038-2D990948C97E}" srcOrd="0" destOrd="0" parTransId="{8E596D36-D2DE-4173-9EA3-BBBBFC6AB8E4}" sibTransId="{BCC3CC39-25EF-44CE-9FD6-A0231A6F7AE6}"/>
+    <dgm:cxn modelId="{FA34B1E7-E94C-447A-B150-23B98F9862B3}" srcId="{538A050F-3A3B-43D4-8326-87338039AC32}" destId="{53D1C4D0-0028-4E23-BD39-5DE58EED49F9}" srcOrd="3" destOrd="0" parTransId="{B8B20CB2-5E5F-431F-9720-EB58AE6C2322}" sibTransId="{102E2374-4040-4767-9B19-B98F81D4B60C}"/>
+    <dgm:cxn modelId="{083047F0-8A7C-40D2-81F0-272DC1007F0F}" srcId="{538A050F-3A3B-43D4-8326-87338039AC32}" destId="{DD9075E8-5230-4754-B60C-AFBDCF9889D1}" srcOrd="1" destOrd="0" parTransId="{A6A7C32A-0A47-4A9E-B1AC-952E3F3B46FA}" sibTransId="{7ABC682F-A036-4C39-B6DD-FCCEBF5BB8B4}"/>
+    <dgm:cxn modelId="{24574D22-7D85-4342-A288-CE64B512F950}" type="presParOf" srcId="{2BB010BF-A384-4C7B-879D-5C7636C32FA9}" destId="{3CDBC76B-FFB2-4579-AD0D-CE14BA38277E}" srcOrd="0" destOrd="0" presId="urn:microsoft.com/office/officeart/2008/layout/LinedList"/>
+    <dgm:cxn modelId="{2D2C7D04-A002-4CC8-9E8D-BC33771A58AB}" type="presParOf" srcId="{2BB010BF-A384-4C7B-879D-5C7636C32FA9}" destId="{86D49885-5B42-408C-B16B-20323DBE15D6}" srcOrd="1" destOrd="0" presId="urn:microsoft.com/office/officeart/2008/layout/LinedList"/>
+    <dgm:cxn modelId="{649F64BF-F082-4E4F-AA4E-0FE1124DD048}" type="presParOf" srcId="{86D49885-5B42-408C-B16B-20323DBE15D6}" destId="{D7A75BE1-1BED-430C-A9F7-4E3C46464891}" srcOrd="0" destOrd="0" presId="urn:microsoft.com/office/officeart/2008/layout/LinedList"/>
+    <dgm:cxn modelId="{0259D4E2-EA19-4B9E-8910-1726D44EEA72}" type="presParOf" srcId="{86D49885-5B42-408C-B16B-20323DBE15D6}" destId="{7F877F64-A9A5-4F00-8A09-587D0D01EF4A}" srcOrd="1" destOrd="0" presId="urn:microsoft.com/office/officeart/2008/layout/LinedList"/>
+    <dgm:cxn modelId="{DC50E150-EE7D-416C-8AF2-7DB6FB90F1D7}" type="presParOf" srcId="{2BB010BF-A384-4C7B-879D-5C7636C32FA9}" destId="{CFF96400-D454-4FB3-936D-EB6336CDA78C}" srcOrd="2" destOrd="0" presId="urn:microsoft.com/office/officeart/2008/layout/LinedList"/>
+    <dgm:cxn modelId="{2F581702-B70F-400B-8CB7-BECD2C534255}" type="presParOf" srcId="{2BB010BF-A384-4C7B-879D-5C7636C32FA9}" destId="{F4F00025-0559-4533-99D0-1F2A5FCEA249}" srcOrd="3" destOrd="0" presId="urn:microsoft.com/office/officeart/2008/layout/LinedList"/>
+    <dgm:cxn modelId="{BA23EFB0-16DC-4ED6-B488-1E1D232B4BE1}" type="presParOf" srcId="{F4F00025-0559-4533-99D0-1F2A5FCEA249}" destId="{12ED4225-424F-4F55-980D-A283FD22FD5C}" srcOrd="0" destOrd="0" presId="urn:microsoft.com/office/officeart/2008/layout/LinedList"/>
+    <dgm:cxn modelId="{EDEEEC6D-1B86-42EE-8716-282630174491}" type="presParOf" srcId="{F4F00025-0559-4533-99D0-1F2A5FCEA249}" destId="{791D3CB6-65E0-48BF-82EE-B1F39A511539}" srcOrd="1" destOrd="0" presId="urn:microsoft.com/office/officeart/2008/layout/LinedList"/>
+    <dgm:cxn modelId="{44353509-FA49-4EC8-A66D-22031CB4DC87}" type="presParOf" srcId="{2BB010BF-A384-4C7B-879D-5C7636C32FA9}" destId="{F3B95316-9ECA-4404-9CCF-2AD87C53FCDC}" srcOrd="4" destOrd="0" presId="urn:microsoft.com/office/officeart/2008/layout/LinedList"/>
+    <dgm:cxn modelId="{1D7D61A5-2522-4E6B-B2A9-186FF240620D}" type="presParOf" srcId="{2BB010BF-A384-4C7B-879D-5C7636C32FA9}" destId="{82DABB00-29BE-4037-AE20-F6E248358FC3}" srcOrd="5" destOrd="0" presId="urn:microsoft.com/office/officeart/2008/layout/LinedList"/>
+    <dgm:cxn modelId="{8B497AF6-7D54-479A-9B62-1D655162F841}" type="presParOf" srcId="{82DABB00-29BE-4037-AE20-F6E248358FC3}" destId="{37070BD3-D265-48F7-9CD1-FCA08A8FC2FE}" srcOrd="0" destOrd="0" presId="urn:microsoft.com/office/officeart/2008/layout/LinedList"/>
+    <dgm:cxn modelId="{D9D42493-124A-4D18-A185-D98235017CA1}" type="presParOf" srcId="{82DABB00-29BE-4037-AE20-F6E248358FC3}" destId="{913C9E95-A3C7-4E6F-86A2-7C13B1CDC7E0}" srcOrd="1" destOrd="0" presId="urn:microsoft.com/office/officeart/2008/layout/LinedList"/>
+    <dgm:cxn modelId="{EDC78799-3815-4F02-9ADA-388702084CE9}" type="presParOf" srcId="{2BB010BF-A384-4C7B-879D-5C7636C32FA9}" destId="{D1064DE8-2C03-4CEA-B54B-FB698CB45AF6}" srcOrd="6" destOrd="0" presId="urn:microsoft.com/office/officeart/2008/layout/LinedList"/>
+    <dgm:cxn modelId="{4A4AB298-1AE9-4A7C-A547-3F9B4951AC3F}" type="presParOf" srcId="{2BB010BF-A384-4C7B-879D-5C7636C32FA9}" destId="{20A3A585-0F9C-4A17-84F5-8D01E338D5C9}" srcOrd="7" destOrd="0" presId="urn:microsoft.com/office/officeart/2008/layout/LinedList"/>
+    <dgm:cxn modelId="{8438115C-4955-45E1-873B-10D4DB9A0F9F}" type="presParOf" srcId="{20A3A585-0F9C-4A17-84F5-8D01E338D5C9}" destId="{BC2E2F4A-8614-428B-AC25-581DDC49E1A1}" srcOrd="0" destOrd="0" presId="urn:microsoft.com/office/officeart/2008/layout/LinedList"/>
+    <dgm:cxn modelId="{DF01BF23-BB26-4895-9C91-6872FA093E97}" type="presParOf" srcId="{20A3A585-0F9C-4A17-84F5-8D01E338D5C9}" destId="{E689C832-24A3-42FF-AFEE-B8F3D36BFCEF}" srcOrd="1" destOrd="0" presId="urn:microsoft.com/office/officeart/2008/layout/LinedList"/>
+  </dgm:cxnLst>
+  <dgm:bg/>
+  <dgm:whole/>
+  <dgm:extLst>
+    <a:ext uri="http://schemas.microsoft.com/office/drawing/2008/diagram">
+      <dsp:dataModelExt xmlns:dsp="http://schemas.microsoft.com/office/drawing/2008/diagram" relId="rId6" minVer="http://schemas.openxmlformats.org/drawingml/2006/diagram"/>
+    </a:ext>
+  </dgm:extLst>
+</dgm:dataModel>
+</file>
+
+<file path=ppt/diagrams/drawing1.xml><?xml version="1.0" encoding="utf-8"?>
+<dsp:drawing xmlns:dgm="http://schemas.openxmlformats.org/drawingml/2006/diagram" xmlns:dsp="http://schemas.microsoft.com/office/drawing/2008/diagram" xmlns:a="http://schemas.openxmlformats.org/drawingml/2006/main">
+  <dsp:spTree>
+    <dsp:nvGrpSpPr>
+      <dsp:cNvPr id="0" name=""/>
+      <dsp:cNvGrpSpPr/>
+    </dsp:nvGrpSpPr>
+    <dsp:grpSpPr/>
+    <dsp:sp modelId="{3CDBC76B-FFB2-4579-AD0D-CE14BA38277E}">
+      <dsp:nvSpPr>
+        <dsp:cNvPr id="0" name=""/>
+        <dsp:cNvSpPr/>
+      </dsp:nvSpPr>
+      <dsp:spPr>
+        <a:xfrm>
+          <a:off x="0" y="0"/>
+          <a:ext cx="7315200" cy="0"/>
+        </a:xfrm>
+        <a:prstGeom prst="line">
+          <a:avLst/>
+        </a:prstGeom>
+        <a:solidFill>
+          <a:schemeClr val="accent2">
+            <a:hueOff val="0"/>
+            <a:satOff val="0"/>
+            <a:lumOff val="0"/>
+            <a:alphaOff val="0"/>
+          </a:schemeClr>
+        </a:solidFill>
+        <a:ln w="12700" cap="flat" cmpd="sng" algn="ctr">
+          <a:solidFill>
+            <a:schemeClr val="accent2">
+              <a:hueOff val="0"/>
+              <a:satOff val="0"/>
+              <a:lumOff val="0"/>
+              <a:alphaOff val="0"/>
+            </a:schemeClr>
+          </a:solidFill>
+          <a:prstDash val="solid"/>
+          <a:miter lim="800000"/>
+        </a:ln>
+        <a:effectLst/>
+      </dsp:spPr>
+      <dsp:style>
+        <a:lnRef idx="2">
+          <a:scrgbClr r="0" g="0" b="0"/>
+        </a:lnRef>
+        <a:fillRef idx="1">
+          <a:scrgbClr r="0" g="0" b="0"/>
+        </a:fillRef>
+        <a:effectRef idx="1">
+          <a:scrgbClr r="0" g="0" b="0"/>
+        </a:effectRef>
+        <a:fontRef idx="minor">
+          <a:schemeClr val="lt1"/>
+        </a:fontRef>
+      </dsp:style>
+    </dsp:sp>
+    <dsp:sp modelId="{D7A75BE1-1BED-430C-A9F7-4E3C46464891}">
+      <dsp:nvSpPr>
+        <dsp:cNvPr id="0" name=""/>
+        <dsp:cNvSpPr/>
+      </dsp:nvSpPr>
+      <dsp:spPr>
+        <a:xfrm>
+          <a:off x="0" y="0"/>
+          <a:ext cx="7315200" cy="1131176"/>
+        </a:xfrm>
+        <a:prstGeom prst="rect">
+          <a:avLst/>
+        </a:prstGeom>
+        <a:noFill/>
+        <a:ln>
+          <a:noFill/>
+        </a:ln>
+        <a:effectLst/>
+      </dsp:spPr>
+      <dsp:style>
+        <a:lnRef idx="0">
+          <a:scrgbClr r="0" g="0" b="0"/>
+        </a:lnRef>
+        <a:fillRef idx="0">
+          <a:scrgbClr r="0" g="0" b="0"/>
+        </a:fillRef>
+        <a:effectRef idx="0">
+          <a:scrgbClr r="0" g="0" b="0"/>
+        </a:effectRef>
+        <a:fontRef idx="minor"/>
+      </dsp:style>
+      <dsp:txBody>
+        <a:bodyPr spcFirstLastPara="0" vert="horz" wrap="square" lIns="118110" tIns="118110" rIns="118110" bIns="118110" numCol="1" spcCol="1270" anchor="t" anchorCtr="0">
+          <a:noAutofit/>
+        </a:bodyPr>
+        <a:lstStyle/>
+        <a:p>
+          <a:pPr marL="0" lvl="0" indent="0" algn="l" defTabSz="1377950">
+            <a:lnSpc>
+              <a:spcPct val="90000"/>
+            </a:lnSpc>
+            <a:spcBef>
+              <a:spcPct val="0"/>
+            </a:spcBef>
+            <a:spcAft>
+              <a:spcPct val="35000"/>
+            </a:spcAft>
+            <a:buNone/>
+          </a:pPr>
+          <a:r>
+            <a:rPr lang="en-US" sz="3100" kern="1200"/>
+            <a:t>Laundry – Non Real Time: </a:t>
+          </a:r>
+          <a:r>
+            <a:rPr lang="en-US" sz="3100" kern="1200">
+              <a:hlinkClick xmlns:r="http://schemas.openxmlformats.org/officeDocument/2006/relationships" r:id="rId1"/>
+            </a:rPr>
+            <a:t>https://youtu.be/0m3kBEFjWR4</a:t>
+          </a:r>
+          <a:endParaRPr lang="en-US" sz="3100" kern="1200"/>
+        </a:p>
+      </dsp:txBody>
+      <dsp:txXfrm>
+        <a:off x="0" y="0"/>
+        <a:ext cx="7315200" cy="1131176"/>
+      </dsp:txXfrm>
+    </dsp:sp>
+    <dsp:sp modelId="{CFF96400-D454-4FB3-936D-EB6336CDA78C}">
+      <dsp:nvSpPr>
+        <dsp:cNvPr id="0" name=""/>
+        <dsp:cNvSpPr/>
+      </dsp:nvSpPr>
+      <dsp:spPr>
+        <a:xfrm>
+          <a:off x="0" y="1131176"/>
+          <a:ext cx="7315200" cy="0"/>
+        </a:xfrm>
+        <a:prstGeom prst="line">
+          <a:avLst/>
+        </a:prstGeom>
+        <a:solidFill>
+          <a:schemeClr val="accent3">
+            <a:hueOff val="0"/>
+            <a:satOff val="0"/>
+            <a:lumOff val="0"/>
+            <a:alphaOff val="0"/>
+          </a:schemeClr>
+        </a:solidFill>
+        <a:ln w="12700" cap="flat" cmpd="sng" algn="ctr">
+          <a:solidFill>
+            <a:schemeClr val="accent3">
+              <a:hueOff val="0"/>
+              <a:satOff val="0"/>
+              <a:lumOff val="0"/>
+              <a:alphaOff val="0"/>
+            </a:schemeClr>
+          </a:solidFill>
+          <a:prstDash val="solid"/>
+          <a:miter lim="800000"/>
+        </a:ln>
+        <a:effectLst/>
+      </dsp:spPr>
+      <dsp:style>
+        <a:lnRef idx="2">
+          <a:scrgbClr r="0" g="0" b="0"/>
+        </a:lnRef>
+        <a:fillRef idx="1">
+          <a:scrgbClr r="0" g="0" b="0"/>
+        </a:fillRef>
+        <a:effectRef idx="1">
+          <a:scrgbClr r="0" g="0" b="0"/>
+        </a:effectRef>
+        <a:fontRef idx="minor">
+          <a:schemeClr val="lt1"/>
+        </a:fontRef>
+      </dsp:style>
+    </dsp:sp>
+    <dsp:sp modelId="{12ED4225-424F-4F55-980D-A283FD22FD5C}">
+      <dsp:nvSpPr>
+        <dsp:cNvPr id="0" name=""/>
+        <dsp:cNvSpPr/>
+      </dsp:nvSpPr>
+      <dsp:spPr>
+        <a:xfrm>
+          <a:off x="0" y="1131176"/>
+          <a:ext cx="7315200" cy="1131176"/>
+        </a:xfrm>
+        <a:prstGeom prst="rect">
+          <a:avLst/>
+        </a:prstGeom>
+        <a:noFill/>
+        <a:ln>
+          <a:noFill/>
+        </a:ln>
+        <a:effectLst/>
+      </dsp:spPr>
+      <dsp:style>
+        <a:lnRef idx="0">
+          <a:scrgbClr r="0" g="0" b="0"/>
+        </a:lnRef>
+        <a:fillRef idx="0">
+          <a:scrgbClr r="0" g="0" b="0"/>
+        </a:fillRef>
+        <a:effectRef idx="0">
+          <a:scrgbClr r="0" g="0" b="0"/>
+        </a:effectRef>
+        <a:fontRef idx="minor"/>
+      </dsp:style>
+      <dsp:txBody>
+        <a:bodyPr spcFirstLastPara="0" vert="horz" wrap="square" lIns="118110" tIns="118110" rIns="118110" bIns="118110" numCol="1" spcCol="1270" anchor="t" anchorCtr="0">
+          <a:noAutofit/>
+        </a:bodyPr>
+        <a:lstStyle/>
+        <a:p>
+          <a:pPr marL="0" lvl="0" indent="0" algn="l" defTabSz="1377950">
+            <a:lnSpc>
+              <a:spcPct val="90000"/>
+            </a:lnSpc>
+            <a:spcBef>
+              <a:spcPct val="0"/>
+            </a:spcBef>
+            <a:spcAft>
+              <a:spcPct val="35000"/>
+            </a:spcAft>
+            <a:buNone/>
+          </a:pPr>
+          <a:r>
+            <a:rPr lang="en-US" sz="3100" kern="1200"/>
+            <a:t>Laundry – Real Time : </a:t>
+          </a:r>
+          <a:r>
+            <a:rPr lang="en-US" sz="3100" kern="1200">
+              <a:hlinkClick xmlns:r="http://schemas.openxmlformats.org/officeDocument/2006/relationships" r:id="rId2"/>
+            </a:rPr>
+            <a:t>https://youtu.be/Ud1WwnJU2n0</a:t>
+          </a:r>
+          <a:endParaRPr lang="en-US" sz="3100" kern="1200"/>
+        </a:p>
+      </dsp:txBody>
+      <dsp:txXfrm>
+        <a:off x="0" y="1131176"/>
+        <a:ext cx="7315200" cy="1131176"/>
+      </dsp:txXfrm>
+    </dsp:sp>
+    <dsp:sp modelId="{F3B95316-9ECA-4404-9CCF-2AD87C53FCDC}">
+      <dsp:nvSpPr>
+        <dsp:cNvPr id="0" name=""/>
+        <dsp:cNvSpPr/>
+      </dsp:nvSpPr>
+      <dsp:spPr>
+        <a:xfrm>
+          <a:off x="0" y="2262353"/>
+          <a:ext cx="7315200" cy="0"/>
+        </a:xfrm>
+        <a:prstGeom prst="line">
+          <a:avLst/>
+        </a:prstGeom>
+        <a:solidFill>
+          <a:schemeClr val="accent4">
+            <a:hueOff val="0"/>
+            <a:satOff val="0"/>
+            <a:lumOff val="0"/>
+            <a:alphaOff val="0"/>
+          </a:schemeClr>
+        </a:solidFill>
+        <a:ln w="12700" cap="flat" cmpd="sng" algn="ctr">
+          <a:solidFill>
+            <a:schemeClr val="accent4">
+              <a:hueOff val="0"/>
+              <a:satOff val="0"/>
+              <a:lumOff val="0"/>
+              <a:alphaOff val="0"/>
+            </a:schemeClr>
+          </a:solidFill>
+          <a:prstDash val="solid"/>
+          <a:miter lim="800000"/>
+        </a:ln>
+        <a:effectLst/>
+      </dsp:spPr>
+      <dsp:style>
+        <a:lnRef idx="2">
+          <a:scrgbClr r="0" g="0" b="0"/>
+        </a:lnRef>
+        <a:fillRef idx="1">
+          <a:scrgbClr r="0" g="0" b="0"/>
+        </a:fillRef>
+        <a:effectRef idx="1">
+          <a:scrgbClr r="0" g="0" b="0"/>
+        </a:effectRef>
+        <a:fontRef idx="minor">
+          <a:schemeClr val="lt1"/>
+        </a:fontRef>
+      </dsp:style>
+    </dsp:sp>
+    <dsp:sp modelId="{37070BD3-D265-48F7-9CD1-FCA08A8FC2FE}">
+      <dsp:nvSpPr>
+        <dsp:cNvPr id="0" name=""/>
+        <dsp:cNvSpPr/>
+      </dsp:nvSpPr>
+      <dsp:spPr>
+        <a:xfrm>
+          <a:off x="0" y="2262353"/>
+          <a:ext cx="7315200" cy="1131176"/>
+        </a:xfrm>
+        <a:prstGeom prst="rect">
+          <a:avLst/>
+        </a:prstGeom>
+        <a:noFill/>
+        <a:ln>
+          <a:noFill/>
+        </a:ln>
+        <a:effectLst/>
+      </dsp:spPr>
+      <dsp:style>
+        <a:lnRef idx="0">
+          <a:scrgbClr r="0" g="0" b="0"/>
+        </a:lnRef>
+        <a:fillRef idx="0">
+          <a:scrgbClr r="0" g="0" b="0"/>
+        </a:fillRef>
+        <a:effectRef idx="0">
+          <a:scrgbClr r="0" g="0" b="0"/>
+        </a:effectRef>
+        <a:fontRef idx="minor"/>
+      </dsp:style>
+      <dsp:txBody>
+        <a:bodyPr spcFirstLastPara="0" vert="horz" wrap="square" lIns="118110" tIns="118110" rIns="118110" bIns="118110" numCol="1" spcCol="1270" anchor="t" anchorCtr="0">
+          <a:noAutofit/>
+        </a:bodyPr>
+        <a:lstStyle/>
+        <a:p>
+          <a:pPr marL="0" lvl="0" indent="0" algn="l" defTabSz="1377950">
+            <a:lnSpc>
+              <a:spcPct val="90000"/>
+            </a:lnSpc>
+            <a:spcBef>
+              <a:spcPct val="0"/>
+            </a:spcBef>
+            <a:spcAft>
+              <a:spcPct val="35000"/>
+            </a:spcAft>
+            <a:buNone/>
+          </a:pPr>
+          <a:r>
+            <a:rPr lang="en-US" sz="3100" kern="1200"/>
+            <a:t>Vacuum- Non Real Time: </a:t>
+          </a:r>
+        </a:p>
+      </dsp:txBody>
+      <dsp:txXfrm>
+        <a:off x="0" y="2262353"/>
+        <a:ext cx="7315200" cy="1131176"/>
+      </dsp:txXfrm>
+    </dsp:sp>
+    <dsp:sp modelId="{D1064DE8-2C03-4CEA-B54B-FB698CB45AF6}">
+      <dsp:nvSpPr>
+        <dsp:cNvPr id="0" name=""/>
+        <dsp:cNvSpPr/>
+      </dsp:nvSpPr>
+      <dsp:spPr>
+        <a:xfrm>
+          <a:off x="0" y="3393529"/>
+          <a:ext cx="7315200" cy="0"/>
+        </a:xfrm>
+        <a:prstGeom prst="line">
+          <a:avLst/>
+        </a:prstGeom>
+        <a:solidFill>
+          <a:schemeClr val="accent5">
+            <a:hueOff val="0"/>
+            <a:satOff val="0"/>
+            <a:lumOff val="0"/>
+            <a:alphaOff val="0"/>
+          </a:schemeClr>
+        </a:solidFill>
+        <a:ln w="12700" cap="flat" cmpd="sng" algn="ctr">
+          <a:solidFill>
+            <a:schemeClr val="accent5">
+              <a:hueOff val="0"/>
+              <a:satOff val="0"/>
+              <a:lumOff val="0"/>
+              <a:alphaOff val="0"/>
+            </a:schemeClr>
+          </a:solidFill>
+          <a:prstDash val="solid"/>
+          <a:miter lim="800000"/>
+        </a:ln>
+        <a:effectLst/>
+      </dsp:spPr>
+      <dsp:style>
+        <a:lnRef idx="2">
+          <a:scrgbClr r="0" g="0" b="0"/>
+        </a:lnRef>
+        <a:fillRef idx="1">
+          <a:scrgbClr r="0" g="0" b="0"/>
+        </a:fillRef>
+        <a:effectRef idx="1">
+          <a:scrgbClr r="0" g="0" b="0"/>
+        </a:effectRef>
+        <a:fontRef idx="minor">
+          <a:schemeClr val="lt1"/>
+        </a:fontRef>
+      </dsp:style>
+    </dsp:sp>
+    <dsp:sp modelId="{BC2E2F4A-8614-428B-AC25-581DDC49E1A1}">
+      <dsp:nvSpPr>
+        <dsp:cNvPr id="0" name=""/>
+        <dsp:cNvSpPr/>
+      </dsp:nvSpPr>
+      <dsp:spPr>
+        <a:xfrm>
+          <a:off x="0" y="3393529"/>
+          <a:ext cx="7315200" cy="1131176"/>
+        </a:xfrm>
+        <a:prstGeom prst="rect">
+          <a:avLst/>
+        </a:prstGeom>
+        <a:noFill/>
+        <a:ln>
+          <a:noFill/>
+        </a:ln>
+        <a:effectLst/>
+      </dsp:spPr>
+      <dsp:style>
+        <a:lnRef idx="0">
+          <a:scrgbClr r="0" g="0" b="0"/>
+        </a:lnRef>
+        <a:fillRef idx="0">
+          <a:scrgbClr r="0" g="0" b="0"/>
+        </a:fillRef>
+        <a:effectRef idx="0">
+          <a:scrgbClr r="0" g="0" b="0"/>
+        </a:effectRef>
+        <a:fontRef idx="minor"/>
+      </dsp:style>
+      <dsp:txBody>
+        <a:bodyPr spcFirstLastPara="0" vert="horz" wrap="square" lIns="118110" tIns="118110" rIns="118110" bIns="118110" numCol="1" spcCol="1270" anchor="t" anchorCtr="0">
+          <a:noAutofit/>
+        </a:bodyPr>
+        <a:lstStyle/>
+        <a:p>
+          <a:pPr marL="0" lvl="0" indent="0" algn="l" defTabSz="1377950">
+            <a:lnSpc>
+              <a:spcPct val="90000"/>
+            </a:lnSpc>
+            <a:spcBef>
+              <a:spcPct val="0"/>
+            </a:spcBef>
+            <a:spcAft>
+              <a:spcPct val="35000"/>
+            </a:spcAft>
+            <a:buNone/>
+          </a:pPr>
+          <a:r>
+            <a:rPr lang="en-US" sz="3100" kern="1200"/>
+            <a:t>Vacuum- Real Time: </a:t>
+          </a:r>
+        </a:p>
+      </dsp:txBody>
+      <dsp:txXfrm>
+        <a:off x="0" y="3393529"/>
+        <a:ext cx="7315200" cy="1131176"/>
+      </dsp:txXfrm>
+    </dsp:sp>
+  </dsp:spTree>
+</dsp:drawing>
+</file>
+
+<file path=ppt/diagrams/layout1.xml><?xml version="1.0" encoding="utf-8"?>
+<dgm:layoutDef xmlns:dgm="http://schemas.openxmlformats.org/drawingml/2006/diagram" xmlns:a="http://schemas.openxmlformats.org/drawingml/2006/main" uniqueId="urn:microsoft.com/office/officeart/2008/layout/LinedList">
+  <dgm:title val=""/>
+  <dgm:desc val=""/>
+  <dgm:catLst>
+    <dgm:cat type="hierarchy" pri="8000"/>
+    <dgm:cat type="list" pri="2500"/>
+  </dgm:catLst>
+  <dgm:sampData>
+    <dgm:dataModel>
+      <dgm:ptLst>
+        <dgm:pt modelId="0" type="doc"/>
+        <dgm:pt modelId="1">
+          <dgm:prSet phldr="1"/>
+        </dgm:pt>
+        <dgm:pt modelId="11">
+          <dgm:prSet phldr="1"/>
+        </dgm:pt>
+        <dgm:pt modelId="12">
+          <dgm:prSet phldr="1"/>
+        </dgm:pt>
+        <dgm:pt modelId="13">
+          <dgm:prSet phldr="1"/>
+        </dgm:pt>
+      </dgm:ptLst>
+      <dgm:cxnLst>
+        <dgm:cxn modelId="2" srcId="0" destId="1" srcOrd="0" destOrd="0"/>
+        <dgm:cxn modelId="3" srcId="1" destId="11" srcOrd="0" destOrd="0"/>
+        <dgm:cxn modelId="4" srcId="1" destId="12" srcOrd="1" destOrd="0"/>
+        <dgm:cxn modelId="5" srcId="1" destId="13" srcOrd="2" destOrd="0"/>
+      </dgm:cxnLst>
+      <dgm:bg/>
+      <dgm:whole/>
+    </dgm:dataModel>
+  </dgm:sampData>
+  <dgm:styleData>
+    <dgm:dataModel>
+      <dgm:ptLst>
+        <dgm:pt modelId="0" type="doc"/>
+        <dgm:pt modelId="1">
+          <dgm:prSet phldr="1"/>
+        </dgm:pt>
+        <dgm:pt modelId="11">
+          <dgm:prSet phldr="1"/>
+        </dgm:pt>
+        <dgm:pt modelId="12">
+          <dgm:prSet phldr="1"/>
+        </dgm:pt>
+      </dgm:ptLst>
+      <dgm:cxnLst>
+        <dgm:cxn modelId="2" srcId="0" destId="1" srcOrd="0" destOrd="0"/>
+        <dgm:cxn modelId="3" srcId="1" destId="11" srcOrd="0" destOrd="0"/>
+        <dgm:cxn modelId="4" srcId="1" destId="12" srcOrd="1" destOrd="0"/>
+      </dgm:cxnLst>
+      <dgm:bg/>
+      <dgm:whole/>
+    </dgm:dataModel>
+  </dgm:styleData>
+  <dgm:clrData>
+    <dgm:dataModel>
+      <dgm:ptLst>
+        <dgm:pt modelId="0" type="doc"/>
+        <dgm:pt modelId="1">
+          <dgm:prSet phldr="1"/>
+        </dgm:pt>
+        <dgm:pt modelId="11">
+          <dgm:prSet phldr="1"/>
+        </dgm:pt>
+        <dgm:pt modelId="12">
+          <dgm:prSet phldr="1"/>
+        </dgm:pt>
+      </dgm:ptLst>
+      <dgm:cxnLst>
+        <dgm:cxn modelId="2" srcId="0" destId="1" srcOrd="0" destOrd="0"/>
+        <dgm:cxn modelId="3" srcId="1" destId="11" srcOrd="0" destOrd="0"/>
+        <dgm:cxn modelId="4" srcId="1" destId="12" srcOrd="1" destOrd="0"/>
+      </dgm:cxnLst>
+      <dgm:bg/>
+      <dgm:whole/>
+    </dgm:dataModel>
+  </dgm:clrData>
+  <dgm:layoutNode name="vert0">
+    <dgm:varLst>
+      <dgm:dir/>
+      <dgm:animOne val="branch"/>
+      <dgm:animLvl val="lvl"/>
+    </dgm:varLst>
+    <dgm:choose name="Name0">
+      <dgm:if name="Name1" func="var" arg="dir" op="equ" val="norm">
+        <dgm:alg type="lin">
+          <dgm:param type="linDir" val="fromT"/>
+          <dgm:param type="nodeHorzAlign" val="l"/>
+        </dgm:alg>
+      </dgm:if>
+      <dgm:else name="Name2">
+        <dgm:alg type="lin">
+          <dgm:param type="linDir" val="fromT"/>
+          <dgm:param type="nodeHorzAlign" val="r"/>
+        </dgm:alg>
+      </dgm:else>
+    </dgm:choose>
+    <dgm:shape xmlns:r="http://schemas.openxmlformats.org/officeDocument/2006/relationships" r:blip="">
+      <dgm:adjLst/>
+    </dgm:shape>
+    <dgm:presOf/>
+    <dgm:constrLst>
+      <dgm:constr type="w" for="ch" forName="horz1" refType="w"/>
+      <dgm:constr type="h" for="ch" forName="horz1" refType="h"/>
+      <dgm:constr type="h" for="des" forName="vert1" refType="h"/>
+      <dgm:constr type="h" for="des" forName="tx1" refType="h"/>
+      <dgm:constr type="h" for="des" forName="horz2" refType="h"/>
+      <dgm:constr type="h" for="des" forName="vert2" refType="h"/>
+      <dgm:constr type="h" for="des" forName="horz3" refType="h"/>
+      <dgm:constr type="h" for="des" forName="vert3" refType="h"/>
+      <dgm:constr type="h" for="des" forName="horz4" refType="h"/>
+      <dgm:constr type="h" for="des" ptType="node" refType="h"/>
+      <dgm:constr type="primFontSz" for="des" forName="tx1" op="equ" val="65"/>
+      <dgm:constr type="primFontSz" for="des" forName="tx2" op="equ" val="65"/>
+      <dgm:constr type="primFontSz" for="des" forName="tx3" op="equ" val="65"/>
+      <dgm:constr type="primFontSz" for="des" forName="tx4" op="equ" val="65"/>
+      <dgm:constr type="w" for="des" forName="thickLine" refType="w"/>
+      <dgm:constr type="h" for="des" forName="thickLine"/>
+      <dgm:constr type="h" for="des" forName="thinLine1"/>
+      <dgm:constr type="h" for="des" forName="thinLine2b"/>
+      <dgm:constr type="h" for="des" forName="thinLine3"/>
+      <dgm:constr type="h" for="des" forName="vertSpace2a" refType="h" fact="0.05"/>
+      <dgm:constr type="h" for="des" forName="vertSpace2b" refType="h" refFor="des" refForName="vertSpace2a"/>
+    </dgm:constrLst>
+    <dgm:forEach name="Name3" axis="ch" ptType="node">
+      <dgm:layoutNode name="thickLine" styleLbl="alignNode1">
+        <dgm:alg type="sp"/>
+        <dgm:shape xmlns:r="http://schemas.openxmlformats.org/officeDocument/2006/relationships" type="line" r:blip="">
+          <dgm:adjLst/>
+        </dgm:shape>
+        <dgm:presOf/>
+      </dgm:layoutNode>
+      <dgm:layoutNode name="horz1">
+        <dgm:choose name="Name4">
+          <dgm:if name="Name5" func="var" arg="dir" op="equ" val="norm">
+            <dgm:alg type="lin">
+              <dgm:param type="linDir" val="fromL"/>
+              <dgm:param type="nodeVertAlign" val="t"/>
+            </dgm:alg>
+          </dgm:if>
+          <dgm:else name="Name6">
+            <dgm:alg type="lin">
+              <dgm:param type="linDir" val="fromR"/>
+              <dgm:param type="nodeVertAlign" val="t"/>
+            </dgm:alg>
+          </dgm:else>
+        </dgm:choose>
+        <dgm:shape xmlns:r="http://schemas.openxmlformats.org/officeDocument/2006/relationships" r:blip="">
+          <dgm:adjLst/>
+        </dgm:shape>
+        <dgm:presOf/>
+        <dgm:choose name="Name7">
+          <dgm:if name="Name8" axis="root des" func="maxDepth" op="equ" val="1">
+            <dgm:constrLst>
+              <dgm:constr type="w" for="ch" forName="tx1" refType="w"/>
+            </dgm:constrLst>
+          </dgm:if>
+          <dgm:if name="Name9" axis="root des" func="maxDepth" op="equ" val="2">
+            <dgm:constrLst>
+              <dgm:constr type="w" for="ch" forName="tx1" refType="w" fact="0.2"/>
+              <dgm:constr type="w" for="des" forName="tx2" refType="w" fact="0.785"/>
+              <dgm:constr type="w" for="des" forName="horzSpace2" refType="w" fact="0.015"/>
+              <dgm:constr type="w" for="des" forName="thinLine2b" refType="w" fact="0.8"/>
+            </dgm:constrLst>
+          </dgm:if>
+          <dgm:if name="Name10" axis="root des" func="maxDepth" op="equ" val="3">
+            <dgm:constrLst>
+              <dgm:constr type="w" for="ch" forName="tx1" refType="w" fact="0.2"/>
+              <dgm:constr type="w" for="des" forName="tx2" refType="w" fact="0.385"/>
+              <dgm:constr type="w" for="des" forName="tx3" refType="w" fact="0.385"/>
+              <dgm:constr type="w" for="des" forName="horzSpace2" refType="w" fact="0.015"/>
+              <dgm:constr type="w" for="des" forName="horzSpace3" refType="w" fact="0.015"/>
+              <dgm:constr type="w" for="des" forName="thinLine2b" refType="w" fact="0.8"/>
+              <dgm:constr type="w" for="des" forName="thinLine3" refType="w" fact="0.385"/>
+            </dgm:constrLst>
+          </dgm:if>
+          <dgm:if name="Name11" axis="root des" func="maxDepth" op="gte" val="4">
+            <dgm:constrLst>
+              <dgm:constr type="w" for="ch" forName="tx1" refType="w" fact="0.2"/>
+              <dgm:constr type="w" for="des" forName="tx2" refType="w" fact="0.2516"/>
+              <dgm:constr type="w" for="des" forName="tx3" refType="w" fact="0.2516"/>
+              <dgm:constr type="w" for="des" forName="tx4" refType="w" fact="0.2516"/>
+              <dgm:constr type="w" for="des" forName="horzSpace2" refType="w" fact="0.015"/>
+              <dgm:constr type="w" for="des" forName="horzSpace3" refType="w" fact="0.015"/>
+              <dgm:constr type="w" for="des" forName="horzSpace4" refType="w" fact="0.015"/>
+              <dgm:constr type="w" for="des" forName="thinLine2b" refType="w" fact="0.8"/>
+              <dgm:constr type="w" for="des" forName="thinLine3" refType="w" fact="0.5332"/>
+            </dgm:constrLst>
+          </dgm:if>
+          <dgm:else name="Name12"/>
+        </dgm:choose>
+        <dgm:layoutNode name="tx1" styleLbl="revTx">
+          <dgm:alg type="tx">
+            <dgm:param type="parTxLTRAlign" val="l"/>
+            <dgm:param type="parTxRTLAlign" val="r"/>
+            <dgm:param type="txAnchorVert" val="t"/>
+          </dgm:alg>
+          <dgm:shape xmlns:r="http://schemas.openxmlformats.org/officeDocument/2006/relationships" type="rect" r:blip="">
+            <dgm:adjLst/>
+          </dgm:shape>
+          <dgm:presOf axis="self"/>
+          <dgm:constrLst>
+            <dgm:constr type="tMarg" refType="primFontSz" fact="0.3"/>
+            <dgm:constr type="bMarg" refType="primFontSz" fact="0.3"/>
+            <dgm:constr type="lMarg" refType="primFontSz" fact="0.3"/>
+            <dgm:constr type="rMarg" refType="primFontSz" fact="0.3"/>
+          </dgm:constrLst>
+          <dgm:ruleLst>
+            <dgm:rule type="primFontSz" val="5" fact="NaN" max="NaN"/>
+          </dgm:ruleLst>
+        </dgm:layoutNode>
+        <dgm:layoutNode name="vert1">
+          <dgm:choose name="Name13">
+            <dgm:if name="Name14" func="var" arg="dir" op="equ" val="norm">
+              <dgm:alg type="lin">
+                <dgm:param type="linDir" val="fromT"/>
+                <dgm:param type="nodeHorzAlign" val="l"/>
+              </dgm:alg>
+            </dgm:if>
+            <dgm:else name="Name15">
+              <dgm:alg type="lin">
+                <dgm:param type="linDir" val="fromT"/>
+                <dgm:param type="nodeHorzAlign" val="r"/>
+              </dgm:alg>
+            </dgm:else>
+          </dgm:choose>
+          <dgm:shape xmlns:r="http://schemas.openxmlformats.org/officeDocument/2006/relationships" r:blip="">
+            <dgm:adjLst/>
+          </dgm:shape>
+          <dgm:presOf/>
+          <dgm:forEach name="Name16" axis="ch" ptType="node">
+            <dgm:choose name="Name17">
+              <dgm:if name="Name18" axis="self" ptType="node" func="pos" op="equ" val="1">
+                <dgm:layoutNode name="vertSpace2a">
+                  <dgm:alg type="sp"/>
+                  <dgm:shape xmlns:r="http://schemas.openxmlformats.org/officeDocument/2006/relationships" r:blip="">
+                    <dgm:adjLst/>
+                  </dgm:shape>
+                  <dgm:presOf/>
+                </dgm:layoutNode>
+              </dgm:if>
+              <dgm:else name="Name19"/>
+            </dgm:choose>
+            <dgm:layoutNode name="horz2">
+              <dgm:choose name="Name20">
+                <dgm:if name="Name21" func="var" arg="dir" op="equ" val="norm">
+                  <dgm:alg type="lin">
+                    <dgm:param type="linDir" val="fromL"/>
+                    <dgm:param type="nodeVertAlign" val="t"/>
+                  </dgm:alg>
+                </dgm:if>
+                <dgm:else name="Name22">
+                  <dgm:alg type="lin">
+                    <dgm:param type="linDir" val="fromR"/>
+                    <dgm:param type="nodeVertAlign" val="t"/>
+                  </dgm:alg>
+                </dgm:else>
+              </dgm:choose>
+              <dgm:shape xmlns:r="http://schemas.openxmlformats.org/officeDocument/2006/relationships" r:blip="">
+                <dgm:adjLst/>
+              </dgm:shape>
+              <dgm:presOf/>
+              <dgm:layoutNode name="horzSpace2">
+                <dgm:alg type="sp"/>
+                <dgm:shape xmlns:r="http://schemas.openxmlformats.org/officeDocument/2006/relationships" r:blip="">
+                  <dgm:adjLst/>
+                </dgm:shape>
+                <dgm:presOf/>
+              </dgm:layoutNode>
+              <dgm:layoutNode name="tx2" styleLbl="revTx">
+                <dgm:alg type="tx">
+                  <dgm:param type="parTxLTRAlign" val="l"/>
+                  <dgm:param type="parTxRTLAlign" val="r"/>
+                  <dgm:param type="txAnchorVert" val="t"/>
+                </dgm:alg>
+                <dgm:shape xmlns:r="http://schemas.openxmlformats.org/officeDocument/2006/relationships" type="rect" r:blip="">
+                  <dgm:adjLst/>
+                </dgm:shape>
+                <dgm:presOf axis="self"/>
+                <dgm:constrLst>
+                  <dgm:constr type="tMarg" refType="primFontSz" fact="0.3"/>
+                  <dgm:constr type="bMarg" refType="primFontSz" fact="0.3"/>
+                  <dgm:constr type="lMarg" refType="primFontSz" fact="0.3"/>
+                  <dgm:constr type="rMarg" refType="primFontSz" fact="0.3"/>
+                </dgm:constrLst>
+                <dgm:ruleLst>
+                  <dgm:rule type="primFontSz" val="5" fact="NaN" max="NaN"/>
+                </dgm:ruleLst>
+              </dgm:layoutNode>
+              <dgm:layoutNode name="vert2">
+                <dgm:choose name="Name23">
+                  <dgm:if name="Name24" func="var" arg="dir" op="equ" val="norm">
+                    <dgm:alg type="lin">
+                      <dgm:param type="linDir" val="fromT"/>
+                      <dgm:param type="nodeHorzAlign" val="l"/>
+                    </dgm:alg>
+                  </dgm:if>
+                  <dgm:else name="Name25">
+                    <dgm:alg type="lin">
+                      <dgm:param type="linDir" val="fromT"/>
+                      <dgm:param type="nodeHorzAlign" val="r"/>
+                    </dgm:alg>
+                  </dgm:else>
+                </dgm:choose>
+                <dgm:shape xmlns:r="http://schemas.openxmlformats.org/officeDocument/2006/relationships" r:blip="">
+                  <dgm:adjLst/>
+                </dgm:shape>
+                <dgm:presOf/>
+                <dgm:forEach name="Name26" axis="ch" ptType="node">
+                  <dgm:layoutNode name="horz3">
+                    <dgm:choose name="Name27">
+                      <dgm:if name="Name28" func="var" arg="dir" op="equ" val="norm">
+                        <dgm:alg type="lin">
+                          <dgm:param type="linDir" val="fromL"/>
+                          <dgm:param type="nodeVertAlign" val="t"/>
+                        </dgm:alg>
+                      </dgm:if>
+                      <dgm:else name="Name29">
+                        <dgm:alg type="lin">
+                          <dgm:param type="linDir" val="fromR"/>
+                          <dgm:param type="nodeVertAlign" val="t"/>
+                        </dgm:alg>
+                      </dgm:else>
+                    </dgm:choose>
+                    <dgm:shape xmlns:r="http://schemas.openxmlformats.org/officeDocument/2006/relationships" r:blip="">
+                      <dgm:adjLst/>
+                    </dgm:shape>
+                    <dgm:presOf/>
+                    <dgm:layoutNode name="horzSpace3">
+                      <dgm:alg type="sp"/>
+                      <dgm:shape xmlns:r="http://schemas.openxmlformats.org/officeDocument/2006/relationships" r:blip="">
+                        <dgm:adjLst/>
+                      </dgm:shape>
+                      <dgm:presOf/>
+                    </dgm:layoutNode>
+                    <dgm:layoutNode name="tx3" styleLbl="revTx">
+                      <dgm:alg type="tx">
+                        <dgm:param type="parTxLTRAlign" val="l"/>
+                        <dgm:param type="parTxRTLAlign" val="r"/>
+                        <dgm:param type="txAnchorVert" val="t"/>
+                      </dgm:alg>
+                      <dgm:shape xmlns:r="http://schemas.openxmlformats.org/officeDocument/2006/relationships" type="rect" r:blip="">
+                        <dgm:adjLst/>
+                      </dgm:shape>
+                      <dgm:presOf axis="self"/>
+                      <dgm:constrLst>
+                        <dgm:constr type="tMarg" refType="primFontSz" fact="0.3"/>
+                        <dgm:constr type="bMarg" refType="primFontSz" fact="0.3"/>
+                        <dgm:constr type="lMarg" refType="primFontSz" fact="0.3"/>
+                        <dgm:constr type="rMarg" refType="primFontSz" fact="0.3"/>
+                      </dgm:constrLst>
+                      <dgm:ruleLst>
+                        <dgm:rule type="primFontSz" val="5" fact="NaN" max="NaN"/>
+                      </dgm:ruleLst>
+                    </dgm:layoutNode>
+                    <dgm:layoutNode name="vert3">
+                      <dgm:choose name="Name30">
+                        <dgm:if name="Name31" func="var" arg="dir" op="equ" val="norm">
+                          <dgm:alg type="lin">
+                            <dgm:param type="linDir" val="fromT"/>
+                            <dgm:param type="nodeHorzAlign" val="l"/>
+                          </dgm:alg>
+                        </dgm:if>
+                        <dgm:else name="Name32">
+                          <dgm:alg type="lin">
+                            <dgm:param type="linDir" val="fromT"/>
+                            <dgm:param type="nodeHorzAlign" val="r"/>
+                          </dgm:alg>
+                        </dgm:else>
+                      </dgm:choose>
+                      <dgm:shape xmlns:r="http://schemas.openxmlformats.org/officeDocument/2006/relationships" r:blip="">
+                        <dgm:adjLst/>
+                      </dgm:shape>
+                      <dgm:presOf/>
+                      <dgm:forEach name="Name33" axis="ch" ptType="node">
+                        <dgm:layoutNode name="horz4">
+                          <dgm:choose name="Name34">
+                            <dgm:if name="Name35" func="var" arg="dir" op="equ" val="norm">
+                              <dgm:alg type="lin">
+                                <dgm:param type="linDir" val="fromL"/>
+                                <dgm:param type="nodeVertAlign" val="t"/>
+                              </dgm:alg>
+                            </dgm:if>
+                            <dgm:else name="Name36">
+                              <dgm:alg type="lin">
+                                <dgm:param type="linDir" val="fromR"/>
+                                <dgm:param type="nodeVertAlign" val="t"/>
+                              </dgm:alg>
+                            </dgm:else>
+                          </dgm:choose>
+                          <dgm:shape xmlns:r="http://schemas.openxmlformats.org/officeDocument/2006/relationships" r:blip="">
+                            <dgm:adjLst/>
+                          </dgm:shape>
+                          <dgm:presOf/>
+                          <dgm:layoutNode name="horzSpace4">
+                            <dgm:alg type="sp"/>
+                            <dgm:shape xmlns:r="http://schemas.openxmlformats.org/officeDocument/2006/relationships" r:blip="">
+                              <dgm:adjLst/>
+                            </dgm:shape>
+                            <dgm:presOf/>
+                          </dgm:layoutNode>
+                          <dgm:layoutNode name="tx4" styleLbl="revTx">
+                            <dgm:varLst>
+                              <dgm:bulletEnabled val="1"/>
+                            </dgm:varLst>
+                            <dgm:alg type="tx">
+                              <dgm:param type="parTxLTRAlign" val="l"/>
+                              <dgm:param type="parTxRTLAlign" val="r"/>
+                              <dgm:param type="txAnchorVert" val="t"/>
+                            </dgm:alg>
+                            <dgm:shape xmlns:r="http://schemas.openxmlformats.org/officeDocument/2006/relationships" type="rect" r:blip="">
+                              <dgm:adjLst/>
+                            </dgm:shape>
+                            <dgm:presOf axis="desOrSelf" ptType="node"/>
+                            <dgm:constrLst>
+                              <dgm:constr type="tMarg" refType="primFontSz" fact="0.3"/>
+                              <dgm:constr type="bMarg" refType="primFontSz" fact="0.3"/>
+                              <dgm:constr type="lMarg" refType="primFontSz" fact="0.3"/>
+                              <dgm:constr type="rMarg" refType="primFontSz" fact="0.3"/>
+                            </dgm:constrLst>
+                            <dgm:ruleLst>
+                              <dgm:rule type="primFontSz" val="5" fact="NaN" max="NaN"/>
+                            </dgm:ruleLst>
+                          </dgm:layoutNode>
+                        </dgm:layoutNode>
+                      </dgm:forEach>
+                    </dgm:layoutNode>
+                  </dgm:layoutNode>
+                  <dgm:forEach name="Name37" axis="followSib" ptType="sibTrans" cnt="1">
+                    <dgm:layoutNode name="thinLine3" styleLbl="callout">
+                      <dgm:alg type="sp"/>
+                      <dgm:shape xmlns:r="http://schemas.openxmlformats.org/officeDocument/2006/relationships" type="line" r:blip="">
+                        <dgm:adjLst/>
+                      </dgm:shape>
+                      <dgm:presOf/>
+                    </dgm:layoutNode>
+                  </dgm:forEach>
+                </dgm:forEach>
+              </dgm:layoutNode>
+            </dgm:layoutNode>
+            <dgm:layoutNode name="thinLine2b" styleLbl="callout">
+              <dgm:alg type="sp"/>
+              <dgm:shape xmlns:r="http://schemas.openxmlformats.org/officeDocument/2006/relationships" type="line" r:blip="">
+                <dgm:adjLst/>
+              </dgm:shape>
+              <dgm:presOf/>
+            </dgm:layoutNode>
+            <dgm:layoutNode name="vertSpace2b">
+              <dgm:alg type="sp"/>
+              <dgm:shape xmlns:r="http://schemas.openxmlformats.org/officeDocument/2006/relationships" r:blip="">
+                <dgm:adjLst/>
+              </dgm:shape>
+              <dgm:presOf/>
+            </dgm:layoutNode>
+          </dgm:forEach>
+        </dgm:layoutNode>
+      </dgm:layoutNode>
+    </dgm:forEach>
+  </dgm:layoutNode>
+</dgm:layoutDef>
+</file>
+
+<file path=ppt/diagrams/quickStyle1.xml><?xml version="1.0" encoding="utf-8"?>
+<dgm:styleDef xmlns:dgm="http://schemas.openxmlformats.org/drawingml/2006/diagram" xmlns:a="http://schemas.openxmlformats.org/drawingml/2006/main" uniqueId="urn:microsoft.com/office/officeart/2005/8/quickstyle/simple2">
+  <dgm:title val=""/>
+  <dgm:desc val=""/>
+  <dgm:catLst>
+    <dgm:cat type="simple" pri="10200"/>
+  </dgm:catLst>
+  <dgm:scene3d>
+    <a:camera prst="orthographicFront"/>
+    <a:lightRig rig="threePt" dir="t"/>
+  </dgm:scene3d>
+  <dgm:styleLbl name="node0">
+    <dgm:scene3d>
+      <a:camera prst="orthographicFront"/>
+      <a:lightRig rig="threePt" dir="t"/>
+    </dgm:scene3d>
+    <dgm:sp3d/>
+    <dgm:txPr/>
+    <dgm:style>
+      <a:lnRef idx="3">
+        <a:scrgbClr r="0" g="0" b="0"/>
+      </a:lnRef>
+      <a:fillRef idx="1">
+        <a:scrgbClr r="0" g="0" b="0"/>
+      </a:fillRef>
+      <a:effectRef idx="1">
+        <a:scrgbClr r="0" g="0" b="0"/>
+      </a:effectRef>
+      <a:fontRef idx="minor">
+        <a:schemeClr val="lt1"/>
+      </a:fontRef>
+    </dgm:style>
+  </dgm:styleLbl>
+  <dgm:styleLbl name="lnNode1">
+    <dgm:scene3d>
+      <a:camera prst="orthographicFront"/>
+      <a:lightRig rig="threePt" dir="t"/>
+    </dgm:scene3d>
+    <dgm:sp3d/>
+    <dgm:txPr/>
+    <dgm:style>
+      <a:lnRef idx="3">
+        <a:scrgbClr r="0" g="0" b="0"/>
+      </a:lnRef>
+      <a:fillRef idx="1">
+        <a:scrgbClr r="0" g="0" b="0"/>
+      </a:fillRef>
+      <a:effectRef idx="1">
+        <a:scrgbClr r="0" g="0" b="0"/>
+      </a:effectRef>
+      <a:fontRef idx="minor">
+        <a:schemeClr val="lt1"/>
+      </a:fontRef>
+    </dgm:style>
+  </dgm:styleLbl>
+  <dgm:styleLbl name="vennNode1">
+    <dgm:scene3d>
+      <a:camera prst="orthographicFront"/>
+      <a:lightRig rig="threePt" dir="t"/>
+    </dgm:scene3d>
+    <dgm:sp3d/>
+    <dgm:txPr/>
+    <dgm:style>
+      <a:lnRef idx="3">
+        <a:scrgbClr r="0" g="0" b="0"/>
+      </a:lnRef>
+      <a:fillRef idx="1">
+        <a:scrgbClr r="0" g="0" b="0"/>
+      </a:fillRef>
+      <a:effectRef idx="0">
+        <a:scrgbClr r="0" g="0" b="0"/>
+      </a:effectRef>
+      <a:fontRef idx="minor">
+        <a:schemeClr val="tx1"/>
+      </a:fontRef>
+    </dgm:style>
+  </dgm:styleLbl>
+  <dgm:styleLbl name="alignNode1">
+    <dgm:scene3d>
+      <a:camera prst="orthographicFront"/>
+      <a:lightRig rig="threePt" dir="t"/>
+    </dgm:scene3d>
+    <dgm:sp3d/>
+    <dgm:txPr/>
+    <dgm:style>
+      <a:lnRef idx="2">
+        <a:scrgbClr r="0" g="0" b="0"/>
+      </a:lnRef>
+      <a:fillRef idx="1">
+        <a:scrgbClr r="0" g="0" b="0"/>
+      </a:fillRef>
+      <a:effectRef idx="1">
+        <a:scrgbClr r="0" g="0" b="0"/>
+      </a:effectRef>
+      <a:fontRef idx="minor">
+        <a:schemeClr val="lt1"/>
+      </a:fontRef>
+    </dgm:style>
+  </dgm:styleLbl>
+  <dgm:styleLbl name="node1">
+    <dgm:scene3d>
+      <a:camera prst="orthographicFront"/>
+      <a:lightRig rig="threePt" dir="t"/>
+    </dgm:scene3d>
+    <dgm:sp3d/>
+    <dgm:txPr/>
+    <dgm:style>
+      <a:lnRef idx="3">
+        <a:scrgbClr r="0" g="0" b="0"/>
+      </a:lnRef>
+      <a:fillRef idx="1">
+        <a:scrgbClr r="0" g="0" b="0"/>
+      </a:fillRef>
+      <a:effectRef idx="1">
+        <a:scrgbClr r="0" g="0" b="0"/>
+      </a:effectRef>
+      <a:fontRef idx="minor">
+        <a:schemeClr val="lt1"/>
+      </a:fontRef>
+    </dgm:style>
+  </dgm:styleLbl>
+  <dgm:styleLbl name="node2">
+    <dgm:scene3d>
+      <a:camera prst="orthographicFront"/>
+      <a:lightRig rig="threePt" dir="t"/>
+    </dgm:scene3d>
+    <dgm:sp3d/>
+    <dgm:txPr/>
+    <dgm:style>
+      <a:lnRef idx="3">
+        <a:scrgbClr r="0" g="0" b="0"/>
+      </a:lnRef>
+      <a:fillRef idx="1">
+        <a:scrgbClr r="0" g="0" b="0"/>
+      </a:fillRef>
+      <a:effectRef idx="1">
+        <a:scrgbClr r="0" g="0" b="0"/>
+      </a:effectRef>
+      <a:fontRef idx="minor">
+        <a:schemeClr val="lt1"/>
+      </a:fontRef>
+    </dgm:style>
+  </dgm:styleLbl>
+  <dgm:styleLbl name="node3">
+    <dgm:scene3d>
+      <a:camera prst="orthographicFront"/>
+      <a:lightRig rig="threePt" dir="t"/>
+    </dgm:scene3d>
+    <dgm:sp3d/>
+    <dgm:txPr/>
+    <dgm:style>
+      <a:lnRef idx="3">
+        <a:scrgbClr r="0" g="0" b="0"/>
+      </a:lnRef>
+      <a:fillRef idx="1">
+        <a:scrgbClr r="0" g="0" b="0"/>
+      </a:fillRef>
+      <a:effectRef idx="1">
+        <a:scrgbClr r="0" g="0" b="0"/>
+      </a:effectRef>
+      <a:fontRef idx="minor">
+        <a:schemeClr val="lt1"/>
+      </a:fontRef>
+    </dgm:style>
+  </dgm:styleLbl>
+  <dgm:styleLbl name="node4">
+    <dgm:scene3d>
+      <a:camera prst="orthographicFront"/>
+      <a:lightRig rig="threePt" dir="t"/>
+    </dgm:scene3d>
+    <dgm:sp3d/>
+    <dgm:txPr/>
+    <dgm:style>
+      <a:lnRef idx="3">
+        <a:scrgbClr r="0" g="0" b="0"/>
+      </a:lnRef>
+      <a:fillRef idx="1">
+        <a:scrgbClr r="0" g="0" b="0"/>
+      </a:fillRef>
+      <a:effectRef idx="1">
+        <a:scrgbClr r="0" g="0" b="0"/>
+      </a:effectRef>
+      <a:fontRef idx="minor">
+        <a:schemeClr val="lt1"/>
+      </a:fontRef>
+    </dgm:style>
+  </dgm:styleLbl>
+  <dgm:styleLbl name="fgImgPlace1">
+    <dgm:scene3d>
+      <a:camera prst="orthographicFront"/>
+      <a:lightRig rig="threePt" dir="t"/>
+    </dgm:scene3d>
+    <dgm:sp3d/>
+    <dgm:txPr/>
+    <dgm:style>
+      <a:lnRef idx="3">
+        <a:scrgbClr r="0" g="0" b="0"/>
+      </a:lnRef>
+      <a:fillRef idx="1">
+        <a:scrgbClr r="0" g="0" b="0"/>
+      </a:fillRef>
+      <a:effectRef idx="1">
+        <a:scrgbClr r="0" g="0" b="0"/>
+      </a:effectRef>
+      <a:fontRef idx="minor"/>
+    </dgm:style>
+  </dgm:styleLbl>
+  <dgm:styleLbl name="alignImgPlace1">
+    <dgm:scene3d>
+      <a:camera prst="orthographicFront"/>
+      <a:lightRig rig="threePt" dir="t"/>
+    </dgm:scene3d>
+    <dgm:sp3d/>
+    <dgm:txPr/>
+    <dgm:style>
+      <a:lnRef idx="3">
+        <a:scrgbClr r="0" g="0" b="0"/>
+      </a:lnRef>
+      <a:fillRef idx="1">
+        <a:scrgbClr r="0" g="0" b="0"/>
+      </a:fillRef>
+      <a:effectRef idx="1">
+        <a:scrgbClr r="0" g="0" b="0"/>
+      </a:effectRef>
+      <a:fontRef idx="minor"/>
+    </dgm:style>
+  </dgm:styleLbl>
+  <dgm:styleLbl name="bgImgPlace1">
+    <dgm:scene3d>
+      <a:camera prst="orthographicFront"/>
+      <a:lightRig rig="threePt" dir="t"/>
+    </dgm:scene3d>
+    <dgm:sp3d/>
+    <dgm:txPr/>
+    <dgm:style>
+      <a:lnRef idx="3">
+        <a:scrgbClr r="0" g="0" b="0"/>
+      </a:lnRef>
+      <a:fillRef idx="1">
+        <a:scrgbClr r="0" g="0" b="0"/>
+      </a:fillRef>
+      <a:effectRef idx="1">
+        <a:scrgbClr r="0" g="0" b="0"/>
+      </a:effectRef>
+      <a:fontRef idx="minor"/>
+    </dgm:style>
+  </dgm:styleLbl>
+  <dgm:styleLbl name="sibTrans2D1">
+    <dgm:scene3d>
+      <a:camera prst="orthographicFront"/>
+      <a:lightRig rig="threePt" dir="t"/>
+    </dgm:scene3d>
+    <dgm:sp3d/>
+    <dgm:txPr/>
+    <dgm:style>
+      <a:lnRef idx="0">
+        <a:scrgbClr r="0" g="0" b="0"/>
+      </a:lnRef>
+      <a:fillRef idx="1">
+        <a:scrgbClr r="0" g="0" b="0"/>
+      </a:fillRef>
+      <a:effectRef idx="1">
+        <a:scrgbClr r="0" g="0" b="0"/>
+      </a:effectRef>
+      <a:fontRef idx="minor">
+        <a:schemeClr val="lt1"/>
+      </a:fontRef>
+    </dgm:style>
+  </dgm:styleLbl>
+  <dgm:styleLbl name="fgSibTrans2D1">
+    <dgm:scene3d>
+      <a:camera prst="orthographicFront"/>
+      <a:lightRig rig="threePt" dir="t"/>
+    </dgm:scene3d>
+    <dgm:sp3d/>
+    <dgm:txPr/>
+    <dgm:style>
+      <a:lnRef idx="0">
+        <a:scrgbClr r="0" g="0" b="0"/>
+      </a:lnRef>
+      <a:fillRef idx="1">
+        <a:scrgbClr r="0" g="0" b="0"/>
+      </a:fillRef>
+      <a:effectRef idx="1">
+        <a:scrgbClr r="0" g="0" b="0"/>
+      </a:effectRef>
+      <a:fontRef idx="minor">
+        <a:schemeClr val="lt1"/>
+      </a:fontRef>
+    </dgm:style>
+  </dgm:styleLbl>
+  <dgm:styleLbl name="bgSibTrans2D1">
+    <dgm:scene3d>
+      <a:camera prst="orthographicFront"/>
+      <a:lightRig rig="threePt" dir="t"/>
+    </dgm:scene3d>
+    <dgm:sp3d/>
+    <dgm:txPr/>
+    <dgm:style>
+      <a:lnRef idx="0">
+        <a:scrgbClr r="0" g="0" b="0"/>
+      </a:lnRef>
+      <a:fillRef idx="1">
+        <a:scrgbClr r="0" g="0" b="0"/>
+      </a:fillRef>
+      <a:effectRef idx="1">
+        <a:scrgbClr r="0" g="0" b="0"/>
+      </a:effectRef>
+      <a:fontRef idx="minor">
+        <a:schemeClr val="lt1"/>
+      </a:fontRef>
+    </dgm:style>
+  </dgm:styleLbl>
+  <dgm:styleLbl name="sibTrans1D1">
+    <dgm:scene3d>
+      <a:camera prst="orthographicFront"/>
+      <a:lightRig rig="threePt" dir="t"/>
+    </dgm:scene3d>
+    <dgm:sp3d/>
+    <dgm:txPr/>
+    <dgm:style>
+      <a:lnRef idx="1">
+        <a:scrgbClr r="0" g="0" b="0"/>
+      </a:lnRef>
+      <a:fillRef idx="0">
+        <a:scrgbClr r="0" g="0" b="0"/>
+      </a:fillRef>
+      <a:effectRef idx="0">
+        <a:scrgbClr r="0" g="0" b="0"/>
+      </a:effectRef>
+      <a:fontRef idx="minor"/>
+    </dgm:style>
+  </dgm:styleLbl>
+  <dgm:styleLbl name="callout">
+    <dgm:scene3d>
+      <a:camera prst="orthographicFront"/>
+      <a:lightRig rig="threePt" dir="t"/>
+    </dgm:scene3d>
+    <dgm:sp3d/>
+    <dgm:txPr/>
+    <dgm:style>
+      <a:lnRef idx="2">
+        <a:scrgbClr r="0" g="0" b="0"/>
+      </a:lnRef>
+      <a:fillRef idx="1">
+        <a:scrgbClr r="0" g="0" b="0"/>
+      </a:fillRef>
+      <a:effectRef idx="1">
+        <a:scrgbClr r="0" g="0" b="0"/>
+      </a:effectRef>
+      <a:fontRef idx="minor"/>
+    </dgm:style>
+  </dgm:styleLbl>
+  <dgm:styleLbl name="asst0">
+    <dgm:scene3d>
+      <a:camera prst="orthographicFront"/>
+      <a:lightRig rig="threePt" dir="t"/>
+    </dgm:scene3d>
+    <dgm:sp3d/>
+    <dgm:txPr/>
+    <dgm:style>
+      <a:lnRef idx="3">
+        <a:scrgbClr r="0" g="0" b="0"/>
+      </a:lnRef>
+      <a:fillRef idx="1">
+        <a:scrgbClr r="0" g="0" b="0"/>
+      </a:fillRef>
+      <a:effectRef idx="1">
+        <a:scrgbClr r="0" g="0" b="0"/>
+      </a:effectRef>
+      <a:fontRef idx="minor">
+        <a:schemeClr val="lt1"/>
+      </a:fontRef>
+    </dgm:style>
+  </dgm:styleLbl>
+  <dgm:styleLbl name="asst1">
+    <dgm:scene3d>
+      <a:camera prst="orthographicFront"/>
+      <a:lightRig rig="threePt" dir="t"/>
+    </dgm:scene3d>
+    <dgm:sp3d/>
+    <dgm:txPr/>
+    <dgm:style>
+      <a:lnRef idx="3">
+        <a:scrgbClr r="0" g="0" b="0"/>
+      </a:lnRef>
+      <a:fillRef idx="1">
+        <a:scrgbClr r="0" g="0" b="0"/>
+      </a:fillRef>
+      <a:effectRef idx="1">
+        <a:scrgbClr r="0" g="0" b="0"/>
+      </a:effectRef>
+      <a:fontRef idx="minor">
+        <a:schemeClr val="lt1"/>
+      </a:fontRef>
+    </dgm:style>
+  </dgm:styleLbl>
+  <dgm:styleLbl name="asst2">
+    <dgm:scene3d>
+      <a:camera prst="orthographicFront"/>
+      <a:lightRig rig="threePt" dir="t"/>
+    </dgm:scene3d>
+    <dgm:sp3d/>
+    <dgm:txPr/>
+    <dgm:style>
+      <a:lnRef idx="3">
+        <a:scrgbClr r="0" g="0" b="0"/>
+      </a:lnRef>
+      <a:fillRef idx="1">
+        <a:scrgbClr r="0" g="0" b="0"/>
+      </a:fillRef>
+      <a:effectRef idx="1">
+        <a:scrgbClr r="0" g="0" b="0"/>
+      </a:effectRef>
+      <a:fontRef idx="minor">
+        <a:schemeClr val="lt1"/>
+      </a:fontRef>
+    </dgm:style>
+  </dgm:styleLbl>
+  <dgm:styleLbl name="asst3">
+    <dgm:scene3d>
+      <a:camera prst="orthographicFront"/>
+      <a:lightRig rig="threePt" dir="t"/>
+    </dgm:scene3d>
+    <dgm:sp3d/>
+    <dgm:txPr/>
+    <dgm:style>
+      <a:lnRef idx="3">
+        <a:scrgbClr r="0" g="0" b="0"/>
+      </a:lnRef>
+      <a:fillRef idx="1">
+        <a:scrgbClr r="0" g="0" b="0"/>
+      </a:fillRef>
+      <a:effectRef idx="1">
+        <a:scrgbClr r="0" g="0" b="0"/>
+      </a:effectRef>
+      <a:fontRef idx="minor">
+        <a:schemeClr val="lt1"/>
+      </a:fontRef>
+    </dgm:style>
+  </dgm:styleLbl>
+  <dgm:styleLbl name="asst4">
+    <dgm:scene3d>
+      <a:camera prst="orthographicFront"/>
+      <a:lightRig rig="threePt" dir="t"/>
+    </dgm:scene3d>
+    <dgm:sp3d/>
+    <dgm:txPr/>
+    <dgm:style>
+      <a:lnRef idx="3">
+        <a:scrgbClr r="0" g="0" b="0"/>
+      </a:lnRef>
+      <a:fillRef idx="1">
+        <a:scrgbClr r="0" g="0" b="0"/>
+      </a:fillRef>
+      <a:effectRef idx="1">
+        <a:scrgbClr r="0" g="0" b="0"/>
+      </a:effectRef>
+      <a:fontRef idx="minor">
+        <a:schemeClr val="lt1"/>
+      </a:fontRef>
+    </dgm:style>
+  </dgm:styleLbl>
+  <dgm:styleLbl name="parChTrans2D1">
+    <dgm:scene3d>
+      <a:camera prst="orthographicFront"/>
+      <a:lightRig rig="threePt" dir="t"/>
+    </dgm:scene3d>
+    <dgm:sp3d/>
+    <dgm:txPr/>
+    <dgm:style>
+      <a:lnRef idx="3">
+        <a:scrgbClr r="0" g="0" b="0"/>
+      </a:lnRef>
+      <a:fillRef idx="1">
+        <a:scrgbClr r="0" g="0" b="0"/>
+      </a:fillRef>
+      <a:effectRef idx="1">
+        <a:scrgbClr r="0" g="0" b="0"/>
+      </a:effectRef>
+      <a:fontRef idx="minor">
+        <a:schemeClr val="lt1"/>
+      </a:fontRef>
+    </dgm:style>
+  </dgm:styleLbl>
+  <dgm:styleLbl name="parChTrans2D2">
+    <dgm:scene3d>
+      <a:camera prst="orthographicFront"/>
+      <a:lightRig rig="threePt" dir="t"/>
+    </dgm:scene3d>
+    <dgm:sp3d/>
+    <dgm:txPr/>
+    <dgm:style>
+      <a:lnRef idx="3">
+        <a:scrgbClr r="0" g="0" b="0"/>
+      </a:lnRef>
+      <a:fillRef idx="1">
+        <a:scrgbClr r="0" g="0" b="0"/>
+      </a:fillRef>
+      <a:effectRef idx="1">
+        <a:scrgbClr r="0" g="0" b="0"/>
+      </a:effectRef>
+      <a:fontRef idx="minor">
+        <a:schemeClr val="lt1"/>
+      </a:fontRef>
+    </dgm:style>
+  </dgm:styleLbl>
+  <dgm:styleLbl name="parChTrans2D3">
+    <dgm:scene3d>
+      <a:camera prst="orthographicFront"/>
+      <a:lightRig rig="threePt" dir="t"/>
+    </dgm:scene3d>
+    <dgm:sp3d/>
+    <dgm:txPr/>
+    <dgm:style>
+      <a:lnRef idx="3">
+        <a:scrgbClr r="0" g="0" b="0"/>
+      </a:lnRef>
+      <a:fillRef idx="1">
+        <a:scrgbClr r="0" g="0" b="0"/>
+      </a:fillRef>
+      <a:effectRef idx="1">
+        <a:scrgbClr r="0" g="0" b="0"/>
+      </a:effectRef>
+      <a:fontRef idx="minor">
+        <a:schemeClr val="lt1"/>
+      </a:fontRef>
+    </dgm:style>
+  </dgm:styleLbl>
+  <dgm:styleLbl name="parChTrans2D4">
+    <dgm:scene3d>
+      <a:camera prst="orthographicFront"/>
+      <a:lightRig rig="threePt" dir="t"/>
+    </dgm:scene3d>
+    <dgm:sp3d/>
+    <dgm:txPr/>
+    <dgm:style>
+      <a:lnRef idx="3">
+        <a:scrgbClr r="0" g="0" b="0"/>
+      </a:lnRef>
+      <a:fillRef idx="1">
+        <a:scrgbClr r="0" g="0" b="0"/>
+      </a:fillRef>
+      <a:effectRef idx="1">
+        <a:scrgbClr r="0" g="0" b="0"/>
+      </a:effectRef>
+      <a:fontRef idx="minor">
+        <a:schemeClr val="lt1"/>
+      </a:fontRef>
+    </dgm:style>
+  </dgm:styleLbl>
+  <dgm:styleLbl name="parChTrans1D1">
+    <dgm:scene3d>
+      <a:camera prst="orthographicFront"/>
+      <a:lightRig rig="threePt" dir="t"/>
+    </dgm:scene3d>
+    <dgm:sp3d/>
+    <dgm:txPr/>
+    <dgm:style>
+      <a:lnRef idx="2">
+        <a:scrgbClr r="0" g="0" b="0"/>
+      </a:lnRef>
+      <a:fillRef idx="0">
+        <a:scrgbClr r="0" g="0" b="0"/>
+      </a:fillRef>
+      <a:effectRef idx="0">
+        <a:scrgbClr r="0" g="0" b="0"/>
+      </a:effectRef>
+      <a:fontRef idx="minor"/>
+    </dgm:style>
+  </dgm:styleLbl>
+  <dgm:styleLbl name="parChTrans1D2">
+    <dgm:scene3d>
+      <a:camera prst="orthographicFront"/>
+      <a:lightRig rig="threePt" dir="t"/>
+    </dgm:scene3d>
+    <dgm:sp3d/>
+    <dgm:txPr/>
+    <dgm:style>
+      <a:lnRef idx="2">
+        <a:scrgbClr r="0" g="0" b="0"/>
+      </a:lnRef>
+      <a:fillRef idx="0">
+        <a:scrgbClr r="0" g="0" b="0"/>
+      </a:fillRef>
+      <a:effectRef idx="0">
+        <a:scrgbClr r="0" g="0" b="0"/>
+      </a:effectRef>
+      <a:fontRef idx="minor"/>
+    </dgm:style>
+  </dgm:styleLbl>
+  <dgm:styleLbl name="parChTrans1D3">
+    <dgm:scene3d>
+      <a:camera prst="orthographicFront"/>
+      <a:lightRig rig="threePt" dir="t"/>
+    </dgm:scene3d>
+    <dgm:sp3d/>
+    <dgm:txPr/>
+    <dgm:style>
+      <a:lnRef idx="2">
+        <a:scrgbClr r="0" g="0" b="0"/>
+      </a:lnRef>
+      <a:fillRef idx="0">
+        <a:scrgbClr r="0" g="0" b="0"/>
+      </a:fillRef>
+      <a:effectRef idx="0">
+        <a:scrgbClr r="0" g="0" b="0"/>
+      </a:effectRef>
+      <a:fontRef idx="minor"/>
+    </dgm:style>
+  </dgm:styleLbl>
+  <dgm:styleLbl name="parChTrans1D4">
+    <dgm:scene3d>
+      <a:camera prst="orthographicFront"/>
+      <a:lightRig rig="threePt" dir="t"/>
+    </dgm:scene3d>
+    <dgm:sp3d/>
+    <dgm:txPr/>
+    <dgm:style>
+      <a:lnRef idx="2">
+        <a:scrgbClr r="0" g="0" b="0"/>
+      </a:lnRef>
+      <a:fillRef idx="0">
+        <a:scrgbClr r="0" g="0" b="0"/>
+      </a:fillRef>
+      <a:effectRef idx="0">
+        <a:scrgbClr r="0" g="0" b="0"/>
+      </a:effectRef>
+      <a:fontRef idx="minor"/>
+    </dgm:style>
+  </dgm:styleLbl>
+  <dgm:styleLbl name="fgAcc1">
+    <dgm:scene3d>
+      <a:camera prst="orthographicFront"/>
+      <a:lightRig rig="threePt" dir="t"/>
+    </dgm:scene3d>
+    <dgm:sp3d/>
+    <dgm:txPr/>
+    <dgm:style>
+      <a:lnRef idx="2">
+        <a:scrgbClr r="0" g="0" b="0"/>
+      </a:lnRef>
+      <a:fillRef idx="1">
+        <a:scrgbClr r="0" g="0" b="0"/>
+      </a:fillRef>
+      <a:effectRef idx="0">
+        <a:scrgbClr r="0" g="0" b="0"/>
+      </a:effectRef>
+      <a:fontRef idx="minor"/>
+    </dgm:style>
+  </dgm:styleLbl>
+  <dgm:styleLbl name="conFgAcc1">
+    <dgm:scene3d>
+      <a:camera prst="orthographicFront"/>
+      <a:lightRig rig="threePt" dir="t"/>
+    </dgm:scene3d>
+    <dgm:sp3d/>
+    <dgm:txPr/>
+    <dgm:style>
+      <a:lnRef idx="2">
+        <a:scrgbClr r="0" g="0" b="0"/>
+      </a:lnRef>
+      <a:fillRef idx="1">
+        <a:scrgbClr r="0" g="0" b="0"/>
+      </a:fillRef>
+      <a:effectRef idx="0">
+        <a:scrgbClr r="0" g="0" b="0"/>
+      </a:effectRef>
+      <a:fontRef idx="minor"/>
+    </dgm:style>
+  </dgm:styleLbl>
+  <dgm:styleLbl name="alignAcc1">
+    <dgm:scene3d>
+      <a:camera prst="orthographicFront"/>
+      <a:lightRig rig="threePt" dir="t"/>
+    </dgm:scene3d>
+    <dgm:sp3d/>
+    <dgm:txPr/>
+    <dgm:style>
+      <a:lnRef idx="2">
+        <a:scrgbClr r="0" g="0" b="0"/>
+      </a:lnRef>
+      <a:fillRef idx="1">
+        <a:scrgbClr r="0" g="0" b="0"/>
+      </a:fillRef>
+      <a:effectRef idx="0">
+        <a:scrgbClr r="0" g="0" b="0"/>
+      </a:effectRef>
+      <a:fontRef idx="minor"/>
+    </dgm:style>
+  </dgm:styleLbl>
+  <dgm:styleLbl name="trAlignAcc1">
+    <dgm:scene3d>
+      <a:camera prst="orthographicFront"/>
+      <a:lightRig rig="threePt" dir="t"/>
+    </dgm:scene3d>
+    <dgm:sp3d/>
+    <dgm:txPr/>
+    <dgm:style>
+      <a:lnRef idx="1">
+        <a:scrgbClr r="0" g="0" b="0"/>
+      </a:lnRef>
+      <a:fillRef idx="1">
+        <a:scrgbClr r="0" g="0" b="0"/>
+      </a:fillRef>
+      <a:effectRef idx="0">
+        <a:scrgbClr r="0" g="0" b="0"/>
+      </a:effectRef>
+      <a:fontRef idx="minor"/>
+    </dgm:style>
+  </dgm:styleLbl>
+  <dgm:styleLbl name="bgAcc1">
+    <dgm:scene3d>
+      <a:camera prst="orthographicFront"/>
+      <a:lightRig rig="threePt" dir="t"/>
+    </dgm:scene3d>
+    <dgm:sp3d/>
+    <dgm:txPr/>
+    <dgm:style>
+      <a:lnRef idx="2">
+        <a:scrgbClr r="0" g="0" b="0"/>
+      </a:lnRef>
+      <a:fillRef idx="1">
+        <a:scrgbClr r="0" g="0" b="0"/>
+      </a:fillRef>
+      <a:effectRef idx="0">
+        <a:scrgbClr r="0" g="0" b="0"/>
+      </a:effectRef>
+      <a:fontRef idx="minor"/>
+    </dgm:style>
+  </dgm:styleLbl>
+  <dgm:styleLbl name="solidFgAcc1">
+    <dgm:scene3d>
+      <a:camera prst="orthographicFront"/>
+      <a:lightRig rig="threePt" dir="t"/>
+    </dgm:scene3d>
+    <dgm:sp3d/>
+    <dgm:txPr/>
+    <dgm:style>
+      <a:lnRef idx="2">
+        <a:scrgbClr r="0" g="0" b="0"/>
+      </a:lnRef>
+      <a:fillRef idx="1">
+        <a:scrgbClr r="0" g="0" b="0"/>
+      </a:fillRef>
+      <a:effectRef idx="0">
+        <a:scrgbClr r="0" g="0" b="0"/>
+      </a:effectRef>
+      <a:fontRef idx="minor"/>
+    </dgm:style>
+  </dgm:styleLbl>
+  <dgm:styleLbl name="solidAlignAcc1">
+    <dgm:scene3d>
+      <a:camera prst="orthographicFront"/>
+      <a:lightRig rig="threePt" dir="t"/>
+    </dgm:scene3d>
+    <dgm:sp3d/>
+    <dgm:txPr/>
+    <dgm:style>
+      <a:lnRef idx="2">
+        <a:scrgbClr r="0" g="0" b="0"/>
+      </a:lnRef>
+      <a:fillRef idx="1">
+        <a:scrgbClr r="0" g="0" b="0"/>
+      </a:fillRef>
+      <a:effectRef idx="0">
+        <a:scrgbClr r="0" g="0" b="0"/>
+      </a:effectRef>
+      <a:fontRef idx="minor"/>
+    </dgm:style>
+  </dgm:styleLbl>
+  <dgm:styleLbl name="solidBgAcc1">
+    <dgm:scene3d>
+      <a:camera prst="orthographicFront"/>
+      <a:lightRig rig="threePt" dir="t"/>
+    </dgm:scene3d>
+    <dgm:sp3d/>
+    <dgm:txPr/>
+    <dgm:style>
+      <a:lnRef idx="2">
+        <a:scrgbClr r="0" g="0" b="0"/>
+      </a:lnRef>
+      <a:fillRef idx="1">
+        <a:scrgbClr r="0" g="0" b="0"/>
+      </a:fillRef>
+      <a:effectRef idx="0">
+        <a:scrgbClr r="0" g="0" b="0"/>
+      </a:effectRef>
+      <a:fontRef idx="minor"/>
+    </dgm:style>
+  </dgm:styleLbl>
+  <dgm:styleLbl name="fgAccFollowNode1">
+    <dgm:scene3d>
+      <a:camera prst="orthographicFront"/>
+      <a:lightRig rig="threePt" dir="t"/>
+    </dgm:scene3d>
+    <dgm:sp3d/>
+    <dgm:txPr/>
+    <dgm:style>
+      <a:lnRef idx="2">
+        <a:scrgbClr r="0" g="0" b="0"/>
+      </a:lnRef>
+      <a:fillRef idx="1">
+        <a:scrgbClr r="0" g="0" b="0"/>
+      </a:fillRef>
+      <a:effectRef idx="0">
+        <a:scrgbClr r="0" g="0" b="0"/>
+      </a:effectRef>
+      <a:fontRef idx="minor"/>
+    </dgm:style>
+  </dgm:styleLbl>
+  <dgm:styleLbl name="alignAccFollowNode1">
+    <dgm:scene3d>
+      <a:camera prst="orthographicFront"/>
+      <a:lightRig rig="threePt" dir="t"/>
+    </dgm:scene3d>
+    <dgm:sp3d/>
+    <dgm:txPr/>
+    <dgm:style>
+      <a:lnRef idx="2">
+        <a:scrgbClr r="0" g="0" b="0"/>
+      </a:lnRef>
+      <a:fillRef idx="1">
+        <a:scrgbClr r="0" g="0" b="0"/>
+      </a:fillRef>
+      <a:effectRef idx="0">
+        <a:scrgbClr r="0" g="0" b="0"/>
+      </a:effectRef>
+      <a:fontRef idx="minor"/>
+    </dgm:style>
+  </dgm:styleLbl>
+  <dgm:styleLbl name="bgAccFollowNode1">
+    <dgm:scene3d>
+      <a:camera prst="orthographicFront"/>
+      <a:lightRig rig="threePt" dir="t"/>
+    </dgm:scene3d>
+    <dgm:sp3d/>
+    <dgm:txPr/>
+    <dgm:style>
+      <a:lnRef idx="2">
+        <a:scrgbClr r="0" g="0" b="0"/>
+      </a:lnRef>
+      <a:fillRef idx="1">
+        <a:scrgbClr r="0" g="0" b="0"/>
+      </a:fillRef>
+      <a:effectRef idx="0">
+        <a:scrgbClr r="0" g="0" b="0"/>
+      </a:effectRef>
+      <a:fontRef idx="minor"/>
+    </dgm:style>
+  </dgm:styleLbl>
+  <dgm:styleLbl name="fgAcc0">
+    <dgm:scene3d>
+      <a:camera prst="orthographicFront"/>
+      <a:lightRig rig="threePt" dir="t"/>
+    </dgm:scene3d>
+    <dgm:sp3d/>
+    <dgm:txPr/>
+    <dgm:style>
+      <a:lnRef idx="2">
+        <a:scrgbClr r="0" g="0" b="0"/>
+      </a:lnRef>
+      <a:fillRef idx="1">
+        <a:scrgbClr r="0" g="0" b="0"/>
+      </a:fillRef>
+      <a:effectRef idx="0">
+        <a:scrgbClr r="0" g="0" b="0"/>
+      </a:effectRef>
+      <a:fontRef idx="minor"/>
+    </dgm:style>
+  </dgm:styleLbl>
+  <dgm:styleLbl name="fgAcc2">
+    <dgm:scene3d>
+      <a:camera prst="orthographicFront"/>
+      <a:lightRig rig="threePt" dir="t"/>
+    </dgm:scene3d>
+    <dgm:sp3d/>
+    <dgm:txPr/>
+    <dgm:style>
+      <a:lnRef idx="2">
+        <a:scrgbClr r="0" g="0" b="0"/>
+      </a:lnRef>
+      <a:fillRef idx="1">
+        <a:scrgbClr r="0" g="0" b="0"/>
+      </a:fillRef>
+      <a:effectRef idx="0">
+        <a:scrgbClr r="0" g="0" b="0"/>
+      </a:effectRef>
+      <a:fontRef idx="minor"/>
+    </dgm:style>
+  </dgm:styleLbl>
+  <dgm:styleLbl name="fgAcc3">
+    <dgm:scene3d>
+      <a:camera prst="orthographicFront"/>
+      <a:lightRig rig="threePt" dir="t"/>
+    </dgm:scene3d>
+    <dgm:sp3d/>
+    <dgm:txPr/>
+    <dgm:style>
+      <a:lnRef idx="2">
+        <a:scrgbClr r="0" g="0" b="0"/>
+      </a:lnRef>
+      <a:fillRef idx="1">
+        <a:scrgbClr r="0" g="0" b="0"/>
+      </a:fillRef>
+      <a:effectRef idx="0">
+        <a:scrgbClr r="0" g="0" b="0"/>
+      </a:effectRef>
+      <a:fontRef idx="minor"/>
+    </dgm:style>
+  </dgm:styleLbl>
+  <dgm:styleLbl name="fgAcc4">
+    <dgm:scene3d>
+      <a:camera prst="orthographicFront"/>
+      <a:lightRig rig="threePt" dir="t"/>
+    </dgm:scene3d>
+    <dgm:sp3d/>
+    <dgm:txPr/>
+    <dgm:style>
+      <a:lnRef idx="2">
+        <a:scrgbClr r="0" g="0" b="0"/>
+      </a:lnRef>
+      <a:fillRef idx="1">
+        <a:scrgbClr r="0" g="0" b="0"/>
+      </a:fillRef>
+      <a:effectRef idx="0">
+        <a:scrgbClr r="0" g="0" b="0"/>
+      </a:effectRef>
+      <a:fontRef idx="minor"/>
+    </dgm:style>
+  </dgm:styleLbl>
+  <dgm:styleLbl name="bgShp">
+    <dgm:scene3d>
+      <a:camera prst="orthographicFront"/>
+      <a:lightRig rig="threePt" dir="t"/>
+    </dgm:scene3d>
+    <dgm:sp3d/>
+    <dgm:txPr/>
+    <dgm:style>
+      <a:lnRef idx="0">
+        <a:scrgbClr r="0" g="0" b="0"/>
+      </a:lnRef>
+      <a:fillRef idx="1">
+        <a:scrgbClr r="0" g="0" b="0"/>
+      </a:fillRef>
+      <a:effectRef idx="0">
+        <a:scrgbClr r="0" g="0" b="0"/>
+      </a:effectRef>
+      <a:fontRef idx="minor"/>
+    </dgm:style>
+  </dgm:styleLbl>
+  <dgm:styleLbl name="dkBgShp">
+    <dgm:scene3d>
+      <a:camera prst="orthographicFront"/>
+      <a:lightRig rig="threePt" dir="t"/>
+    </dgm:scene3d>
+    <dgm:sp3d/>
+    <dgm:txPr/>
+    <dgm:style>
+      <a:lnRef idx="0">
+        <a:scrgbClr r="0" g="0" b="0"/>
+      </a:lnRef>
+      <a:fillRef idx="1">
+        <a:scrgbClr r="0" g="0" b="0"/>
+      </a:fillRef>
+      <a:effectRef idx="0">
+        <a:scrgbClr r="0" g="0" b="0"/>
+      </a:effectRef>
+      <a:fontRef idx="minor"/>
+    </dgm:style>
+  </dgm:styleLbl>
+  <dgm:styleLbl name="trBgShp">
+    <dgm:scene3d>
+      <a:camera prst="orthographicFront"/>
+      <a:lightRig rig="threePt" dir="t"/>
+    </dgm:scene3d>
+    <dgm:sp3d/>
+    <dgm:txPr/>
+    <dgm:style>
+      <a:lnRef idx="0">
+        <a:scrgbClr r="0" g="0" b="0"/>
+      </a:lnRef>
+      <a:fillRef idx="1">
+        <a:scrgbClr r="0" g="0" b="0"/>
+      </a:fillRef>
+      <a:effectRef idx="0">
+        <a:scrgbClr r="0" g="0" b="0"/>
+      </a:effectRef>
+      <a:fontRef idx="minor"/>
+    </dgm:style>
+  </dgm:styleLbl>
+  <dgm:styleLbl name="fgShp">
+    <dgm:scene3d>
+      <a:camera prst="orthographicFront"/>
+      <a:lightRig rig="threePt" dir="t"/>
+    </dgm:scene3d>
+    <dgm:sp3d/>
+    <dgm:txPr/>
+    <dgm:style>
+      <a:lnRef idx="3">
+        <a:scrgbClr r="0" g="0" b="0"/>
+      </a:lnRef>
+      <a:fillRef idx="1">
+        <a:scrgbClr r="0" g="0" b="0"/>
+      </a:fillRef>
+      <a:effectRef idx="1">
+        <a:scrgbClr r="0" g="0" b="0"/>
+      </a:effectRef>
+      <a:fontRef idx="minor"/>
+    </dgm:style>
+  </dgm:styleLbl>
+  <dgm:styleLbl name="revTx">
+    <dgm:scene3d>
+      <a:camera prst="orthographicFront"/>
+      <a:lightRig rig="threePt" dir="t"/>
+    </dgm:scene3d>
+    <dgm:sp3d/>
+    <dgm:txPr/>
+    <dgm:style>
+      <a:lnRef idx="0">
+        <a:scrgbClr r="0" g="0" b="0"/>
+      </a:lnRef>
+      <a:fillRef idx="0">
+        <a:scrgbClr r="0" g="0" b="0"/>
+      </a:fillRef>
+      <a:effectRef idx="0">
+        <a:scrgbClr r="0" g="0" b="0"/>
+      </a:effectRef>
+      <a:fontRef idx="minor"/>
+    </dgm:style>
+  </dgm:styleLbl>
+</dgm:styleDef>
+</file>
+
 <file path=ppt/slideLayouts/slideLayout1.xml><?xml version="1.0" encoding="utf-8"?>
 <p:sldLayout xmlns:a="http://schemas.openxmlformats.org/drawingml/2006/main" xmlns:r="http://schemas.openxmlformats.org/officeDocument/2006/relationships" xmlns:p="http://schemas.openxmlformats.org/presentationml/2006/main" type="title" preserve="1">
   <p:cSld name="Title Slide">
@@ -139,7 +3309,7 @@
           <p:cNvPr id="2" name="Title 1">
             <a:extLst>
               <a:ext uri="{FF2B5EF4-FFF2-40B4-BE49-F238E27FC236}">
-                <a16:creationId xmlns:a16="http://schemas.microsoft.com/office/drawing/2014/main" id="{661D4C86-C053-41D7-B8B7-63BEFCD0697A}"/>
+                <a16:creationId xmlns:a16="http://schemas.microsoft.com/office/drawing/2014/main" id="{74221CE5-0FD4-491B-9F73-30BF0AFB11A4}"/>
               </a:ext>
             </a:extLst>
           </p:cNvPr>
@@ -176,7 +3346,7 @@
           <p:cNvPr id="3" name="Subtitle 2">
             <a:extLst>
               <a:ext uri="{FF2B5EF4-FFF2-40B4-BE49-F238E27FC236}">
-                <a16:creationId xmlns:a16="http://schemas.microsoft.com/office/drawing/2014/main" id="{1A53C700-4D80-4A3B-AA7A-F46D02D7992F}"/>
+                <a16:creationId xmlns:a16="http://schemas.microsoft.com/office/drawing/2014/main" id="{2F35DFCC-B676-4452-9DCE-6B75F5E11C2A}"/>
               </a:ext>
             </a:extLst>
           </p:cNvPr>
@@ -246,7 +3416,7 @@
           <p:cNvPr id="4" name="Date Placeholder 3">
             <a:extLst>
               <a:ext uri="{FF2B5EF4-FFF2-40B4-BE49-F238E27FC236}">
-                <a16:creationId xmlns:a16="http://schemas.microsoft.com/office/drawing/2014/main" id="{66A8A875-10D9-4C17-B7CF-91C4C0E381AB}"/>
+                <a16:creationId xmlns:a16="http://schemas.microsoft.com/office/drawing/2014/main" id="{D7128201-1A2E-4DE3-99A7-E68624BCF159}"/>
               </a:ext>
             </a:extLst>
           </p:cNvPr>
@@ -275,7 +3445,7 @@
           <p:cNvPr id="5" name="Footer Placeholder 4">
             <a:extLst>
               <a:ext uri="{FF2B5EF4-FFF2-40B4-BE49-F238E27FC236}">
-                <a16:creationId xmlns:a16="http://schemas.microsoft.com/office/drawing/2014/main" id="{BA606DF3-B277-4460-AA59-EB03E7639B50}"/>
+                <a16:creationId xmlns:a16="http://schemas.microsoft.com/office/drawing/2014/main" id="{1FC9F501-3C79-49D2-8BE5-E3CBF5F30ACA}"/>
               </a:ext>
             </a:extLst>
           </p:cNvPr>
@@ -300,7 +3470,7 @@
           <p:cNvPr id="6" name="Slide Number Placeholder 5">
             <a:extLst>
               <a:ext uri="{FF2B5EF4-FFF2-40B4-BE49-F238E27FC236}">
-                <a16:creationId xmlns:a16="http://schemas.microsoft.com/office/drawing/2014/main" id="{978D88C2-2831-47A6-8327-87726E6AC9C2}"/>
+                <a16:creationId xmlns:a16="http://schemas.microsoft.com/office/drawing/2014/main" id="{992B61F7-4C20-4657-A4F2-4C493C62DE33}"/>
               </a:ext>
             </a:extLst>
           </p:cNvPr>
@@ -327,7 +3497,7 @@
     </p:spTree>
     <p:extLst>
       <p:ext uri="{BB962C8B-B14F-4D97-AF65-F5344CB8AC3E}">
-        <p14:creationId xmlns:p14="http://schemas.microsoft.com/office/powerpoint/2010/main" val="3648420851"/>
+        <p14:creationId xmlns:p14="http://schemas.microsoft.com/office/powerpoint/2010/main" val="3963110617"/>
       </p:ext>
     </p:extLst>
   </p:cSld>
@@ -359,7 +3529,7 @@
           <p:cNvPr id="2" name="Title 1">
             <a:extLst>
               <a:ext uri="{FF2B5EF4-FFF2-40B4-BE49-F238E27FC236}">
-                <a16:creationId xmlns:a16="http://schemas.microsoft.com/office/drawing/2014/main" id="{F6D6898A-A256-45FB-822F-192F668A68AE}"/>
+                <a16:creationId xmlns:a16="http://schemas.microsoft.com/office/drawing/2014/main" id="{78DC5FE7-8DE2-4A5F-8186-9389F8CDECAC}"/>
               </a:ext>
             </a:extLst>
           </p:cNvPr>
@@ -387,7 +3557,7 @@
           <p:cNvPr id="3" name="Vertical Text Placeholder 2">
             <a:extLst>
               <a:ext uri="{FF2B5EF4-FFF2-40B4-BE49-F238E27FC236}">
-                <a16:creationId xmlns:a16="http://schemas.microsoft.com/office/drawing/2014/main" id="{03998E77-460A-4ADF-B178-F7A5AA7C3582}"/>
+                <a16:creationId xmlns:a16="http://schemas.microsoft.com/office/drawing/2014/main" id="{3418433C-5D50-4407-98C7-8558DAD52CE2}"/>
               </a:ext>
             </a:extLst>
           </p:cNvPr>
@@ -444,7 +3614,7 @@
           <p:cNvPr id="4" name="Date Placeholder 3">
             <a:extLst>
               <a:ext uri="{FF2B5EF4-FFF2-40B4-BE49-F238E27FC236}">
-                <a16:creationId xmlns:a16="http://schemas.microsoft.com/office/drawing/2014/main" id="{39D61B75-5695-46DD-A6CC-E276D5342782}"/>
+                <a16:creationId xmlns:a16="http://schemas.microsoft.com/office/drawing/2014/main" id="{27AE5430-68FC-4B5B-8207-0A1527DD78E8}"/>
               </a:ext>
             </a:extLst>
           </p:cNvPr>
@@ -473,7 +3643,7 @@
           <p:cNvPr id="5" name="Footer Placeholder 4">
             <a:extLst>
               <a:ext uri="{FF2B5EF4-FFF2-40B4-BE49-F238E27FC236}">
-                <a16:creationId xmlns:a16="http://schemas.microsoft.com/office/drawing/2014/main" id="{EC8083F4-2A74-44B4-AAD8-60EBC275493A}"/>
+                <a16:creationId xmlns:a16="http://schemas.microsoft.com/office/drawing/2014/main" id="{A72DDBFD-D386-40CE-868F-E83D2DCF9537}"/>
               </a:ext>
             </a:extLst>
           </p:cNvPr>
@@ -498,7 +3668,7 @@
           <p:cNvPr id="6" name="Slide Number Placeholder 5">
             <a:extLst>
               <a:ext uri="{FF2B5EF4-FFF2-40B4-BE49-F238E27FC236}">
-                <a16:creationId xmlns:a16="http://schemas.microsoft.com/office/drawing/2014/main" id="{6170230D-46EA-46A9-83B9-9CF74557E6DE}"/>
+                <a16:creationId xmlns:a16="http://schemas.microsoft.com/office/drawing/2014/main" id="{1A508E84-B0D1-4EE1-9C49-76E836F42D78}"/>
               </a:ext>
             </a:extLst>
           </p:cNvPr>
@@ -525,7 +3695,7 @@
     </p:spTree>
     <p:extLst>
       <p:ext uri="{BB962C8B-B14F-4D97-AF65-F5344CB8AC3E}">
-        <p14:creationId xmlns:p14="http://schemas.microsoft.com/office/powerpoint/2010/main" val="3940435232"/>
+        <p14:creationId xmlns:p14="http://schemas.microsoft.com/office/powerpoint/2010/main" val="3211768718"/>
       </p:ext>
     </p:extLst>
   </p:cSld>
@@ -557,7 +3727,7 @@
           <p:cNvPr id="2" name="Vertical Title 1">
             <a:extLst>
               <a:ext uri="{FF2B5EF4-FFF2-40B4-BE49-F238E27FC236}">
-                <a16:creationId xmlns:a16="http://schemas.microsoft.com/office/drawing/2014/main" id="{3EFC5F67-5A74-4558-861F-97AC9E2C5336}"/>
+                <a16:creationId xmlns:a16="http://schemas.microsoft.com/office/drawing/2014/main" id="{7F19C203-47B1-43D7-8078-4CB81A4232C4}"/>
               </a:ext>
             </a:extLst>
           </p:cNvPr>
@@ -590,7 +3760,7 @@
           <p:cNvPr id="3" name="Vertical Text Placeholder 2">
             <a:extLst>
               <a:ext uri="{FF2B5EF4-FFF2-40B4-BE49-F238E27FC236}">
-                <a16:creationId xmlns:a16="http://schemas.microsoft.com/office/drawing/2014/main" id="{FD7C4C9E-EBAB-498C-8D76-C89CB1015EE9}"/>
+                <a16:creationId xmlns:a16="http://schemas.microsoft.com/office/drawing/2014/main" id="{06436CDE-A962-4609-B91C-8D6372C97092}"/>
               </a:ext>
             </a:extLst>
           </p:cNvPr>
@@ -652,7 +3822,7 @@
           <p:cNvPr id="4" name="Date Placeholder 3">
             <a:extLst>
               <a:ext uri="{FF2B5EF4-FFF2-40B4-BE49-F238E27FC236}">
-                <a16:creationId xmlns:a16="http://schemas.microsoft.com/office/drawing/2014/main" id="{5A2F48BB-7A72-482B-85BA-81F8D5DF7BA0}"/>
+                <a16:creationId xmlns:a16="http://schemas.microsoft.com/office/drawing/2014/main" id="{8CBFBF97-F0A6-408C-AF9D-6F83A66444E6}"/>
               </a:ext>
             </a:extLst>
           </p:cNvPr>
@@ -681,7 +3851,7 @@
           <p:cNvPr id="5" name="Footer Placeholder 4">
             <a:extLst>
               <a:ext uri="{FF2B5EF4-FFF2-40B4-BE49-F238E27FC236}">
-                <a16:creationId xmlns:a16="http://schemas.microsoft.com/office/drawing/2014/main" id="{E09DFCE4-00D2-4C81-9852-63499402B75D}"/>
+                <a16:creationId xmlns:a16="http://schemas.microsoft.com/office/drawing/2014/main" id="{1294FA3E-496C-4450-99E0-2857594CD4A3}"/>
               </a:ext>
             </a:extLst>
           </p:cNvPr>
@@ -706,7 +3876,7 @@
           <p:cNvPr id="6" name="Slide Number Placeholder 5">
             <a:extLst>
               <a:ext uri="{FF2B5EF4-FFF2-40B4-BE49-F238E27FC236}">
-                <a16:creationId xmlns:a16="http://schemas.microsoft.com/office/drawing/2014/main" id="{E5E3106E-D0EA-4741-893B-80E697C961D1}"/>
+                <a16:creationId xmlns:a16="http://schemas.microsoft.com/office/drawing/2014/main" id="{00FE6F2D-DBDE-4594-8302-6FAC592473AB}"/>
               </a:ext>
             </a:extLst>
           </p:cNvPr>
@@ -733,7 +3903,7 @@
     </p:spTree>
     <p:extLst>
       <p:ext uri="{BB962C8B-B14F-4D97-AF65-F5344CB8AC3E}">
-        <p14:creationId xmlns:p14="http://schemas.microsoft.com/office/powerpoint/2010/main" val="1251092674"/>
+        <p14:creationId xmlns:p14="http://schemas.microsoft.com/office/powerpoint/2010/main" val="2981229365"/>
       </p:ext>
     </p:extLst>
   </p:cSld>
@@ -765,7 +3935,7 @@
           <p:cNvPr id="2" name="Title 1">
             <a:extLst>
               <a:ext uri="{FF2B5EF4-FFF2-40B4-BE49-F238E27FC236}">
-                <a16:creationId xmlns:a16="http://schemas.microsoft.com/office/drawing/2014/main" id="{055A951B-573F-4F76-A749-65B17F14A15F}"/>
+                <a16:creationId xmlns:a16="http://schemas.microsoft.com/office/drawing/2014/main" id="{B4366BF9-4FB8-4911-A5F7-8F822A7C3881}"/>
               </a:ext>
             </a:extLst>
           </p:cNvPr>
@@ -793,7 +3963,7 @@
           <p:cNvPr id="3" name="Content Placeholder 2">
             <a:extLst>
               <a:ext uri="{FF2B5EF4-FFF2-40B4-BE49-F238E27FC236}">
-                <a16:creationId xmlns:a16="http://schemas.microsoft.com/office/drawing/2014/main" id="{C4B7BA95-86A2-4CF9-9878-724D9F66A46F}"/>
+                <a16:creationId xmlns:a16="http://schemas.microsoft.com/office/drawing/2014/main" id="{BC0F09C1-1565-486C-8097-67AB14133E53}"/>
               </a:ext>
             </a:extLst>
           </p:cNvPr>
@@ -850,7 +4020,7 @@
           <p:cNvPr id="4" name="Date Placeholder 3">
             <a:extLst>
               <a:ext uri="{FF2B5EF4-FFF2-40B4-BE49-F238E27FC236}">
-                <a16:creationId xmlns:a16="http://schemas.microsoft.com/office/drawing/2014/main" id="{CE878EF2-2487-449C-A4D4-6EF8EB413824}"/>
+                <a16:creationId xmlns:a16="http://schemas.microsoft.com/office/drawing/2014/main" id="{CFFB14E3-2D1D-4BC3-8D6E-F83FE9F1E831}"/>
               </a:ext>
             </a:extLst>
           </p:cNvPr>
@@ -879,7 +4049,7 @@
           <p:cNvPr id="5" name="Footer Placeholder 4">
             <a:extLst>
               <a:ext uri="{FF2B5EF4-FFF2-40B4-BE49-F238E27FC236}">
-                <a16:creationId xmlns:a16="http://schemas.microsoft.com/office/drawing/2014/main" id="{D73C216A-A478-4808-AA6B-DFD6056E07B6}"/>
+                <a16:creationId xmlns:a16="http://schemas.microsoft.com/office/drawing/2014/main" id="{4F0012D4-D94B-448B-BE62-01BBC3C1DC44}"/>
               </a:ext>
             </a:extLst>
           </p:cNvPr>
@@ -904,7 +4074,7 @@
           <p:cNvPr id="6" name="Slide Number Placeholder 5">
             <a:extLst>
               <a:ext uri="{FF2B5EF4-FFF2-40B4-BE49-F238E27FC236}">
-                <a16:creationId xmlns:a16="http://schemas.microsoft.com/office/drawing/2014/main" id="{BB486EC3-3337-4FB4-B2F4-11763CCAA28D}"/>
+                <a16:creationId xmlns:a16="http://schemas.microsoft.com/office/drawing/2014/main" id="{DE6A92A4-1DA8-4399-87E0-3A1BC33A4157}"/>
               </a:ext>
             </a:extLst>
           </p:cNvPr>
@@ -931,7 +4101,7 @@
     </p:spTree>
     <p:extLst>
       <p:ext uri="{BB962C8B-B14F-4D97-AF65-F5344CB8AC3E}">
-        <p14:creationId xmlns:p14="http://schemas.microsoft.com/office/powerpoint/2010/main" val="2343953746"/>
+        <p14:creationId xmlns:p14="http://schemas.microsoft.com/office/powerpoint/2010/main" val="3976481683"/>
       </p:ext>
     </p:extLst>
   </p:cSld>
@@ -963,7 +4133,7 @@
           <p:cNvPr id="2" name="Title 1">
             <a:extLst>
               <a:ext uri="{FF2B5EF4-FFF2-40B4-BE49-F238E27FC236}">
-                <a16:creationId xmlns:a16="http://schemas.microsoft.com/office/drawing/2014/main" id="{84BCF40E-8C22-4404-B79E-31C618F6288E}"/>
+                <a16:creationId xmlns:a16="http://schemas.microsoft.com/office/drawing/2014/main" id="{C60857E8-9265-49C8-A5C1-C5F7BC688CEF}"/>
               </a:ext>
             </a:extLst>
           </p:cNvPr>
@@ -1000,7 +4170,7 @@
           <p:cNvPr id="3" name="Text Placeholder 2">
             <a:extLst>
               <a:ext uri="{FF2B5EF4-FFF2-40B4-BE49-F238E27FC236}">
-                <a16:creationId xmlns:a16="http://schemas.microsoft.com/office/drawing/2014/main" id="{92C9E843-E585-4E1D-B791-57FD6869BCE6}"/>
+                <a16:creationId xmlns:a16="http://schemas.microsoft.com/office/drawing/2014/main" id="{B00246EB-5C73-4D52-9B63-97D426C3CDFC}"/>
               </a:ext>
             </a:extLst>
           </p:cNvPr>
@@ -1125,7 +4295,7 @@
           <p:cNvPr id="4" name="Date Placeholder 3">
             <a:extLst>
               <a:ext uri="{FF2B5EF4-FFF2-40B4-BE49-F238E27FC236}">
-                <a16:creationId xmlns:a16="http://schemas.microsoft.com/office/drawing/2014/main" id="{9B113A67-AFC8-42D1-8759-1C095DB7DA37}"/>
+                <a16:creationId xmlns:a16="http://schemas.microsoft.com/office/drawing/2014/main" id="{7A7D66DF-7B6D-4232-8664-ED3C912E65F5}"/>
               </a:ext>
             </a:extLst>
           </p:cNvPr>
@@ -1154,7 +4324,7 @@
           <p:cNvPr id="5" name="Footer Placeholder 4">
             <a:extLst>
               <a:ext uri="{FF2B5EF4-FFF2-40B4-BE49-F238E27FC236}">
-                <a16:creationId xmlns:a16="http://schemas.microsoft.com/office/drawing/2014/main" id="{AC9F0AA7-2C54-46EF-9A62-741493F7A88F}"/>
+                <a16:creationId xmlns:a16="http://schemas.microsoft.com/office/drawing/2014/main" id="{4E23B1FD-8627-4E70-A85B-AF6296ED1005}"/>
               </a:ext>
             </a:extLst>
           </p:cNvPr>
@@ -1179,7 +4349,7 @@
           <p:cNvPr id="6" name="Slide Number Placeholder 5">
             <a:extLst>
               <a:ext uri="{FF2B5EF4-FFF2-40B4-BE49-F238E27FC236}">
-                <a16:creationId xmlns:a16="http://schemas.microsoft.com/office/drawing/2014/main" id="{AE85B0A3-FF0D-4AB2-8112-07414C271181}"/>
+                <a16:creationId xmlns:a16="http://schemas.microsoft.com/office/drawing/2014/main" id="{665145F2-0AF4-4646-8FA7-313F8BEBA918}"/>
               </a:ext>
             </a:extLst>
           </p:cNvPr>
@@ -1206,7 +4376,7 @@
     </p:spTree>
     <p:extLst>
       <p:ext uri="{BB962C8B-B14F-4D97-AF65-F5344CB8AC3E}">
-        <p14:creationId xmlns:p14="http://schemas.microsoft.com/office/powerpoint/2010/main" val="2457351357"/>
+        <p14:creationId xmlns:p14="http://schemas.microsoft.com/office/powerpoint/2010/main" val="3967343182"/>
       </p:ext>
     </p:extLst>
   </p:cSld>
@@ -1238,7 +4408,7 @@
           <p:cNvPr id="2" name="Title 1">
             <a:extLst>
               <a:ext uri="{FF2B5EF4-FFF2-40B4-BE49-F238E27FC236}">
-                <a16:creationId xmlns:a16="http://schemas.microsoft.com/office/drawing/2014/main" id="{4F8BB5AF-271C-4725-89B1-0D0D88D16BD5}"/>
+                <a16:creationId xmlns:a16="http://schemas.microsoft.com/office/drawing/2014/main" id="{57FFCD7B-5829-44B6-AE6F-3F4165461F98}"/>
               </a:ext>
             </a:extLst>
           </p:cNvPr>
@@ -1266,7 +4436,7 @@
           <p:cNvPr id="3" name="Content Placeholder 2">
             <a:extLst>
               <a:ext uri="{FF2B5EF4-FFF2-40B4-BE49-F238E27FC236}">
-                <a16:creationId xmlns:a16="http://schemas.microsoft.com/office/drawing/2014/main" id="{3886BFF0-5F65-4DC4-9757-C5D7DCAB366A}"/>
+                <a16:creationId xmlns:a16="http://schemas.microsoft.com/office/drawing/2014/main" id="{932A04E1-C9CD-4696-896C-8E9DF3D2958B}"/>
               </a:ext>
             </a:extLst>
           </p:cNvPr>
@@ -1328,7 +4498,7 @@
           <p:cNvPr id="4" name="Content Placeholder 3">
             <a:extLst>
               <a:ext uri="{FF2B5EF4-FFF2-40B4-BE49-F238E27FC236}">
-                <a16:creationId xmlns:a16="http://schemas.microsoft.com/office/drawing/2014/main" id="{5710F0EA-CC5A-4AD9-A23F-790E2C4A2023}"/>
+                <a16:creationId xmlns:a16="http://schemas.microsoft.com/office/drawing/2014/main" id="{360FF699-B111-44B7-AB6C-BD4490307C58}"/>
               </a:ext>
             </a:extLst>
           </p:cNvPr>
@@ -1390,7 +4560,7 @@
           <p:cNvPr id="5" name="Date Placeholder 4">
             <a:extLst>
               <a:ext uri="{FF2B5EF4-FFF2-40B4-BE49-F238E27FC236}">
-                <a16:creationId xmlns:a16="http://schemas.microsoft.com/office/drawing/2014/main" id="{809C89B5-5861-4191-8279-E90593CBBC94}"/>
+                <a16:creationId xmlns:a16="http://schemas.microsoft.com/office/drawing/2014/main" id="{2BFDC54B-3067-4B6C-A541-C71EAF99C9C6}"/>
               </a:ext>
             </a:extLst>
           </p:cNvPr>
@@ -1419,7 +4589,7 @@
           <p:cNvPr id="6" name="Footer Placeholder 5">
             <a:extLst>
               <a:ext uri="{FF2B5EF4-FFF2-40B4-BE49-F238E27FC236}">
-                <a16:creationId xmlns:a16="http://schemas.microsoft.com/office/drawing/2014/main" id="{B850FA4F-EB0D-43AF-9D6A-5D6F39D6AFDF}"/>
+                <a16:creationId xmlns:a16="http://schemas.microsoft.com/office/drawing/2014/main" id="{9ADFDA28-43F4-491A-B4DE-EE61325321BC}"/>
               </a:ext>
             </a:extLst>
           </p:cNvPr>
@@ -1444,7 +4614,7 @@
           <p:cNvPr id="7" name="Slide Number Placeholder 6">
             <a:extLst>
               <a:ext uri="{FF2B5EF4-FFF2-40B4-BE49-F238E27FC236}">
-                <a16:creationId xmlns:a16="http://schemas.microsoft.com/office/drawing/2014/main" id="{E995A3D7-DF95-41A9-A743-5621F98FEE1B}"/>
+                <a16:creationId xmlns:a16="http://schemas.microsoft.com/office/drawing/2014/main" id="{318A3FB7-54D8-4AE2-9E29-B4CE054768F0}"/>
               </a:ext>
             </a:extLst>
           </p:cNvPr>
@@ -1471,7 +4641,7 @@
     </p:spTree>
     <p:extLst>
       <p:ext uri="{BB962C8B-B14F-4D97-AF65-F5344CB8AC3E}">
-        <p14:creationId xmlns:p14="http://schemas.microsoft.com/office/powerpoint/2010/main" val="3849446050"/>
+        <p14:creationId xmlns:p14="http://schemas.microsoft.com/office/powerpoint/2010/main" val="1724540531"/>
       </p:ext>
     </p:extLst>
   </p:cSld>
@@ -1503,7 +4673,7 @@
           <p:cNvPr id="2" name="Title 1">
             <a:extLst>
               <a:ext uri="{FF2B5EF4-FFF2-40B4-BE49-F238E27FC236}">
-                <a16:creationId xmlns:a16="http://schemas.microsoft.com/office/drawing/2014/main" id="{7A791947-6632-4413-9488-E948ED54106A}"/>
+                <a16:creationId xmlns:a16="http://schemas.microsoft.com/office/drawing/2014/main" id="{D42A76AF-1FCB-4E31-83EB-2C3F6EEDFD36}"/>
               </a:ext>
             </a:extLst>
           </p:cNvPr>
@@ -1536,7 +4706,7 @@
           <p:cNvPr id="3" name="Text Placeholder 2">
             <a:extLst>
               <a:ext uri="{FF2B5EF4-FFF2-40B4-BE49-F238E27FC236}">
-                <a16:creationId xmlns:a16="http://schemas.microsoft.com/office/drawing/2014/main" id="{BAAB4C5D-E9A2-4EBA-AC42-0BB3C94A78FA}"/>
+                <a16:creationId xmlns:a16="http://schemas.microsoft.com/office/drawing/2014/main" id="{72AF81A7-9F56-43FE-9AF5-034754C49631}"/>
               </a:ext>
             </a:extLst>
           </p:cNvPr>
@@ -1607,7 +4777,7 @@
           <p:cNvPr id="4" name="Content Placeholder 3">
             <a:extLst>
               <a:ext uri="{FF2B5EF4-FFF2-40B4-BE49-F238E27FC236}">
-                <a16:creationId xmlns:a16="http://schemas.microsoft.com/office/drawing/2014/main" id="{6E0E191B-3F70-43A5-8093-7015DE942990}"/>
+                <a16:creationId xmlns:a16="http://schemas.microsoft.com/office/drawing/2014/main" id="{1F152B41-BABE-403A-A7E1-8E3AA6894FF6}"/>
               </a:ext>
             </a:extLst>
           </p:cNvPr>
@@ -1669,7 +4839,7 @@
           <p:cNvPr id="5" name="Text Placeholder 4">
             <a:extLst>
               <a:ext uri="{FF2B5EF4-FFF2-40B4-BE49-F238E27FC236}">
-                <a16:creationId xmlns:a16="http://schemas.microsoft.com/office/drawing/2014/main" id="{E20A9C42-EE06-4955-8542-AD04A8AAB5F9}"/>
+                <a16:creationId xmlns:a16="http://schemas.microsoft.com/office/drawing/2014/main" id="{8DF85BFB-FED3-45D9-8D76-9E51620323F7}"/>
               </a:ext>
             </a:extLst>
           </p:cNvPr>
@@ -1740,7 +4910,7 @@
           <p:cNvPr id="6" name="Content Placeholder 5">
             <a:extLst>
               <a:ext uri="{FF2B5EF4-FFF2-40B4-BE49-F238E27FC236}">
-                <a16:creationId xmlns:a16="http://schemas.microsoft.com/office/drawing/2014/main" id="{3F930A0C-1B42-465B-9350-D7FCFF3747A2}"/>
+                <a16:creationId xmlns:a16="http://schemas.microsoft.com/office/drawing/2014/main" id="{40A8CDA0-5D49-4B46-8998-8A706172084C}"/>
               </a:ext>
             </a:extLst>
           </p:cNvPr>
@@ -1802,7 +4972,7 @@
           <p:cNvPr id="7" name="Date Placeholder 6">
             <a:extLst>
               <a:ext uri="{FF2B5EF4-FFF2-40B4-BE49-F238E27FC236}">
-                <a16:creationId xmlns:a16="http://schemas.microsoft.com/office/drawing/2014/main" id="{B11A375A-8890-4BBF-A293-C75B01D69A42}"/>
+                <a16:creationId xmlns:a16="http://schemas.microsoft.com/office/drawing/2014/main" id="{66893849-F194-4726-9293-EAFE6F529945}"/>
               </a:ext>
             </a:extLst>
           </p:cNvPr>
@@ -1831,7 +5001,7 @@
           <p:cNvPr id="8" name="Footer Placeholder 7">
             <a:extLst>
               <a:ext uri="{FF2B5EF4-FFF2-40B4-BE49-F238E27FC236}">
-                <a16:creationId xmlns:a16="http://schemas.microsoft.com/office/drawing/2014/main" id="{F6DC2A04-8E94-491F-AD8B-4C4DB807AE93}"/>
+                <a16:creationId xmlns:a16="http://schemas.microsoft.com/office/drawing/2014/main" id="{D5F62F40-645A-4A1A-A4CF-DD4AFA5578AD}"/>
               </a:ext>
             </a:extLst>
           </p:cNvPr>
@@ -1856,7 +5026,7 @@
           <p:cNvPr id="9" name="Slide Number Placeholder 8">
             <a:extLst>
               <a:ext uri="{FF2B5EF4-FFF2-40B4-BE49-F238E27FC236}">
-                <a16:creationId xmlns:a16="http://schemas.microsoft.com/office/drawing/2014/main" id="{01D2A81F-7CD4-43DC-A317-D7D40153A66B}"/>
+                <a16:creationId xmlns:a16="http://schemas.microsoft.com/office/drawing/2014/main" id="{E5954594-D008-4078-9C45-FE554883BAB1}"/>
               </a:ext>
             </a:extLst>
           </p:cNvPr>
@@ -1883,7 +5053,7 @@
     </p:spTree>
     <p:extLst>
       <p:ext uri="{BB962C8B-B14F-4D97-AF65-F5344CB8AC3E}">
-        <p14:creationId xmlns:p14="http://schemas.microsoft.com/office/powerpoint/2010/main" val="709358398"/>
+        <p14:creationId xmlns:p14="http://schemas.microsoft.com/office/powerpoint/2010/main" val="3594226054"/>
       </p:ext>
     </p:extLst>
   </p:cSld>
@@ -1915,7 +5085,7 @@
           <p:cNvPr id="2" name="Title 1">
             <a:extLst>
               <a:ext uri="{FF2B5EF4-FFF2-40B4-BE49-F238E27FC236}">
-                <a16:creationId xmlns:a16="http://schemas.microsoft.com/office/drawing/2014/main" id="{4130CC05-1CD7-4092-B646-FE2432765A7F}"/>
+                <a16:creationId xmlns:a16="http://schemas.microsoft.com/office/drawing/2014/main" id="{58FA5A1D-7549-4912-87E0-C9CDF9AD2B58}"/>
               </a:ext>
             </a:extLst>
           </p:cNvPr>
@@ -1943,7 +5113,7 @@
           <p:cNvPr id="3" name="Date Placeholder 2">
             <a:extLst>
               <a:ext uri="{FF2B5EF4-FFF2-40B4-BE49-F238E27FC236}">
-                <a16:creationId xmlns:a16="http://schemas.microsoft.com/office/drawing/2014/main" id="{8E83EE4F-06AF-4411-87E8-637B7CC52D60}"/>
+                <a16:creationId xmlns:a16="http://schemas.microsoft.com/office/drawing/2014/main" id="{07B493A9-74AE-413D-8CE9-7AF5F5625033}"/>
               </a:ext>
             </a:extLst>
           </p:cNvPr>
@@ -1972,7 +5142,7 @@
           <p:cNvPr id="4" name="Footer Placeholder 3">
             <a:extLst>
               <a:ext uri="{FF2B5EF4-FFF2-40B4-BE49-F238E27FC236}">
-                <a16:creationId xmlns:a16="http://schemas.microsoft.com/office/drawing/2014/main" id="{EC1BFF2B-8512-453D-AA4A-0F987701B9A9}"/>
+                <a16:creationId xmlns:a16="http://schemas.microsoft.com/office/drawing/2014/main" id="{4E5F053E-4986-467E-A3D3-15BBCB5756B6}"/>
               </a:ext>
             </a:extLst>
           </p:cNvPr>
@@ -1997,7 +5167,7 @@
           <p:cNvPr id="5" name="Slide Number Placeholder 4">
             <a:extLst>
               <a:ext uri="{FF2B5EF4-FFF2-40B4-BE49-F238E27FC236}">
-                <a16:creationId xmlns:a16="http://schemas.microsoft.com/office/drawing/2014/main" id="{672E4F61-9A84-4FDC-889F-E2B013AB7EBA}"/>
+                <a16:creationId xmlns:a16="http://schemas.microsoft.com/office/drawing/2014/main" id="{718B12FA-EF3C-4019-9201-4BEFA181429B}"/>
               </a:ext>
             </a:extLst>
           </p:cNvPr>
@@ -2024,7 +5194,7 @@
     </p:spTree>
     <p:extLst>
       <p:ext uri="{BB962C8B-B14F-4D97-AF65-F5344CB8AC3E}">
-        <p14:creationId xmlns:p14="http://schemas.microsoft.com/office/powerpoint/2010/main" val="3305108322"/>
+        <p14:creationId xmlns:p14="http://schemas.microsoft.com/office/powerpoint/2010/main" val="3559343393"/>
       </p:ext>
     </p:extLst>
   </p:cSld>
@@ -2056,7 +5226,7 @@
           <p:cNvPr id="2" name="Date Placeholder 1">
             <a:extLst>
               <a:ext uri="{FF2B5EF4-FFF2-40B4-BE49-F238E27FC236}">
-                <a16:creationId xmlns:a16="http://schemas.microsoft.com/office/drawing/2014/main" id="{8201C3F3-5A7C-42C6-A352-7E3F888F7B54}"/>
+                <a16:creationId xmlns:a16="http://schemas.microsoft.com/office/drawing/2014/main" id="{482A774B-554D-454F-BD75-6D38E7CB5763}"/>
               </a:ext>
             </a:extLst>
           </p:cNvPr>
@@ -2085,7 +5255,7 @@
           <p:cNvPr id="3" name="Footer Placeholder 2">
             <a:extLst>
               <a:ext uri="{FF2B5EF4-FFF2-40B4-BE49-F238E27FC236}">
-                <a16:creationId xmlns:a16="http://schemas.microsoft.com/office/drawing/2014/main" id="{EFFBA631-AB19-4FD2-9093-E005F674FD6E}"/>
+                <a16:creationId xmlns:a16="http://schemas.microsoft.com/office/drawing/2014/main" id="{8F2C2FD6-96D7-45A9-B773-0522CBFDD1F9}"/>
               </a:ext>
             </a:extLst>
           </p:cNvPr>
@@ -2110,7 +5280,7 @@
           <p:cNvPr id="4" name="Slide Number Placeholder 3">
             <a:extLst>
               <a:ext uri="{FF2B5EF4-FFF2-40B4-BE49-F238E27FC236}">
-                <a16:creationId xmlns:a16="http://schemas.microsoft.com/office/drawing/2014/main" id="{8215D730-C48A-4987-806B-4624E7D0C88F}"/>
+                <a16:creationId xmlns:a16="http://schemas.microsoft.com/office/drawing/2014/main" id="{F62EF2A1-0289-4962-A382-A413F6B3B666}"/>
               </a:ext>
             </a:extLst>
           </p:cNvPr>
@@ -2137,7 +5307,7 @@
     </p:spTree>
     <p:extLst>
       <p:ext uri="{BB962C8B-B14F-4D97-AF65-F5344CB8AC3E}">
-        <p14:creationId xmlns:p14="http://schemas.microsoft.com/office/powerpoint/2010/main" val="1938475680"/>
+        <p14:creationId xmlns:p14="http://schemas.microsoft.com/office/powerpoint/2010/main" val="2707289808"/>
       </p:ext>
     </p:extLst>
   </p:cSld>
@@ -2169,7 +5339,7 @@
           <p:cNvPr id="2" name="Title 1">
             <a:extLst>
               <a:ext uri="{FF2B5EF4-FFF2-40B4-BE49-F238E27FC236}">
-                <a16:creationId xmlns:a16="http://schemas.microsoft.com/office/drawing/2014/main" id="{A97860A0-DFCC-44DD-8D92-1C4617647B63}"/>
+                <a16:creationId xmlns:a16="http://schemas.microsoft.com/office/drawing/2014/main" id="{A12524EB-A9E6-4AA9-B707-C2D4FAEA8D47}"/>
               </a:ext>
             </a:extLst>
           </p:cNvPr>
@@ -2206,7 +5376,7 @@
           <p:cNvPr id="3" name="Content Placeholder 2">
             <a:extLst>
               <a:ext uri="{FF2B5EF4-FFF2-40B4-BE49-F238E27FC236}">
-                <a16:creationId xmlns:a16="http://schemas.microsoft.com/office/drawing/2014/main" id="{AC328ED3-025A-429F-B0F7-D7AD995B61EE}"/>
+                <a16:creationId xmlns:a16="http://schemas.microsoft.com/office/drawing/2014/main" id="{3F9B9DE3-A92A-4425-8CD9-89C33D6C3A4A}"/>
               </a:ext>
             </a:extLst>
           </p:cNvPr>
@@ -2296,7 +5466,7 @@
           <p:cNvPr id="4" name="Text Placeholder 3">
             <a:extLst>
               <a:ext uri="{FF2B5EF4-FFF2-40B4-BE49-F238E27FC236}">
-                <a16:creationId xmlns:a16="http://schemas.microsoft.com/office/drawing/2014/main" id="{6C9A0DC0-68CF-4882-ACEA-2C9007095B04}"/>
+                <a16:creationId xmlns:a16="http://schemas.microsoft.com/office/drawing/2014/main" id="{C2EB7BF1-8947-4247-984A-174483240277}"/>
               </a:ext>
             </a:extLst>
           </p:cNvPr>
@@ -2367,7 +5537,7 @@
           <p:cNvPr id="5" name="Date Placeholder 4">
             <a:extLst>
               <a:ext uri="{FF2B5EF4-FFF2-40B4-BE49-F238E27FC236}">
-                <a16:creationId xmlns:a16="http://schemas.microsoft.com/office/drawing/2014/main" id="{164374C7-8C59-4A45-884B-3EAF65965ED9}"/>
+                <a16:creationId xmlns:a16="http://schemas.microsoft.com/office/drawing/2014/main" id="{4882ADC6-A2F2-4F05-89D7-50A916CB783A}"/>
               </a:ext>
             </a:extLst>
           </p:cNvPr>
@@ -2396,7 +5566,7 @@
           <p:cNvPr id="6" name="Footer Placeholder 5">
             <a:extLst>
               <a:ext uri="{FF2B5EF4-FFF2-40B4-BE49-F238E27FC236}">
-                <a16:creationId xmlns:a16="http://schemas.microsoft.com/office/drawing/2014/main" id="{2AFCCC42-15B3-48B6-9224-B0D23C8C8048}"/>
+                <a16:creationId xmlns:a16="http://schemas.microsoft.com/office/drawing/2014/main" id="{F21829E1-F8E1-4464-90BF-D7D62A00F1F0}"/>
               </a:ext>
             </a:extLst>
           </p:cNvPr>
@@ -2421,7 +5591,7 @@
           <p:cNvPr id="7" name="Slide Number Placeholder 6">
             <a:extLst>
               <a:ext uri="{FF2B5EF4-FFF2-40B4-BE49-F238E27FC236}">
-                <a16:creationId xmlns:a16="http://schemas.microsoft.com/office/drawing/2014/main" id="{AAB5C4FD-94C8-47AA-A883-2CD5C77FAE4F}"/>
+                <a16:creationId xmlns:a16="http://schemas.microsoft.com/office/drawing/2014/main" id="{C544596B-210B-4B1F-8E4E-6D279920ADB0}"/>
               </a:ext>
             </a:extLst>
           </p:cNvPr>
@@ -2448,7 +5618,7 @@
     </p:spTree>
     <p:extLst>
       <p:ext uri="{BB962C8B-B14F-4D97-AF65-F5344CB8AC3E}">
-        <p14:creationId xmlns:p14="http://schemas.microsoft.com/office/powerpoint/2010/main" val="1223003234"/>
+        <p14:creationId xmlns:p14="http://schemas.microsoft.com/office/powerpoint/2010/main" val="1326948234"/>
       </p:ext>
     </p:extLst>
   </p:cSld>
@@ -2480,7 +5650,7 @@
           <p:cNvPr id="2" name="Title 1">
             <a:extLst>
               <a:ext uri="{FF2B5EF4-FFF2-40B4-BE49-F238E27FC236}">
-                <a16:creationId xmlns:a16="http://schemas.microsoft.com/office/drawing/2014/main" id="{23EF9999-FF33-400C-9F9C-D356F1C6990C}"/>
+                <a16:creationId xmlns:a16="http://schemas.microsoft.com/office/drawing/2014/main" id="{8391E1F6-9109-470C-AAEB-05954A2AE02F}"/>
               </a:ext>
             </a:extLst>
           </p:cNvPr>
@@ -2517,7 +5687,7 @@
           <p:cNvPr id="3" name="Picture Placeholder 2">
             <a:extLst>
               <a:ext uri="{FF2B5EF4-FFF2-40B4-BE49-F238E27FC236}">
-                <a16:creationId xmlns:a16="http://schemas.microsoft.com/office/drawing/2014/main" id="{FBBBCAB5-E96C-44FF-9630-8A2FD9EAD1DA}"/>
+                <a16:creationId xmlns:a16="http://schemas.microsoft.com/office/drawing/2014/main" id="{41F9BF9B-22AF-4000-9A75-FAA48F1E2D19}"/>
               </a:ext>
             </a:extLst>
           </p:cNvPr>
@@ -2584,7 +5754,7 @@
           <p:cNvPr id="4" name="Text Placeholder 3">
             <a:extLst>
               <a:ext uri="{FF2B5EF4-FFF2-40B4-BE49-F238E27FC236}">
-                <a16:creationId xmlns:a16="http://schemas.microsoft.com/office/drawing/2014/main" id="{BC0ED5D1-54D7-497A-B428-C3EDC8A2FE31}"/>
+                <a16:creationId xmlns:a16="http://schemas.microsoft.com/office/drawing/2014/main" id="{7FDDA99E-689C-44A8-AF51-306DF7E91598}"/>
               </a:ext>
             </a:extLst>
           </p:cNvPr>
@@ -2655,7 +5825,7 @@
           <p:cNvPr id="5" name="Date Placeholder 4">
             <a:extLst>
               <a:ext uri="{FF2B5EF4-FFF2-40B4-BE49-F238E27FC236}">
-                <a16:creationId xmlns:a16="http://schemas.microsoft.com/office/drawing/2014/main" id="{CC013556-B0BF-49AA-A3B4-081F4896F07E}"/>
+                <a16:creationId xmlns:a16="http://schemas.microsoft.com/office/drawing/2014/main" id="{BC0310FD-3719-4959-A463-058C3FC5DAE2}"/>
               </a:ext>
             </a:extLst>
           </p:cNvPr>
@@ -2684,7 +5854,7 @@
           <p:cNvPr id="6" name="Footer Placeholder 5">
             <a:extLst>
               <a:ext uri="{FF2B5EF4-FFF2-40B4-BE49-F238E27FC236}">
-                <a16:creationId xmlns:a16="http://schemas.microsoft.com/office/drawing/2014/main" id="{7D7E836A-7E6F-465F-9645-797595F5CD8E}"/>
+                <a16:creationId xmlns:a16="http://schemas.microsoft.com/office/drawing/2014/main" id="{5FAFBD85-29D8-4A95-9438-2ED0E04AACAA}"/>
               </a:ext>
             </a:extLst>
           </p:cNvPr>
@@ -2709,7 +5879,7 @@
           <p:cNvPr id="7" name="Slide Number Placeholder 6">
             <a:extLst>
               <a:ext uri="{FF2B5EF4-FFF2-40B4-BE49-F238E27FC236}">
-                <a16:creationId xmlns:a16="http://schemas.microsoft.com/office/drawing/2014/main" id="{2AEC914B-2F19-4C6D-9069-6C472F4D1EC8}"/>
+                <a16:creationId xmlns:a16="http://schemas.microsoft.com/office/drawing/2014/main" id="{46ED4376-1F43-49B0-B861-1B31AF3F2411}"/>
               </a:ext>
             </a:extLst>
           </p:cNvPr>
@@ -2736,7 +5906,7 @@
     </p:spTree>
     <p:extLst>
       <p:ext uri="{BB962C8B-B14F-4D97-AF65-F5344CB8AC3E}">
-        <p14:creationId xmlns:p14="http://schemas.microsoft.com/office/powerpoint/2010/main" val="1253698681"/>
+        <p14:creationId xmlns:p14="http://schemas.microsoft.com/office/powerpoint/2010/main" val="2775198796"/>
       </p:ext>
     </p:extLst>
   </p:cSld>
@@ -2773,7 +5943,7 @@
           <p:cNvPr id="2" name="Title Placeholder 1">
             <a:extLst>
               <a:ext uri="{FF2B5EF4-FFF2-40B4-BE49-F238E27FC236}">
-                <a16:creationId xmlns:a16="http://schemas.microsoft.com/office/drawing/2014/main" id="{00CF349F-4334-4E05-A777-9CF6DEEF0FFA}"/>
+                <a16:creationId xmlns:a16="http://schemas.microsoft.com/office/drawing/2014/main" id="{8AE00D02-7EDB-480F-883F-C43D32CC8D65}"/>
               </a:ext>
             </a:extLst>
           </p:cNvPr>
@@ -2811,7 +5981,7 @@
           <p:cNvPr id="3" name="Text Placeholder 2">
             <a:extLst>
               <a:ext uri="{FF2B5EF4-FFF2-40B4-BE49-F238E27FC236}">
-                <a16:creationId xmlns:a16="http://schemas.microsoft.com/office/drawing/2014/main" id="{7CE013A3-E6D5-4B01-8057-009427CF663C}"/>
+                <a16:creationId xmlns:a16="http://schemas.microsoft.com/office/drawing/2014/main" id="{837910D3-0796-4B26-9670-F5F13E10CB2F}"/>
               </a:ext>
             </a:extLst>
           </p:cNvPr>
@@ -2878,7 +6048,7 @@
           <p:cNvPr id="4" name="Date Placeholder 3">
             <a:extLst>
               <a:ext uri="{FF2B5EF4-FFF2-40B4-BE49-F238E27FC236}">
-                <a16:creationId xmlns:a16="http://schemas.microsoft.com/office/drawing/2014/main" id="{67D66216-FB56-49D0-B776-1297728DAEAD}"/>
+                <a16:creationId xmlns:a16="http://schemas.microsoft.com/office/drawing/2014/main" id="{F10643C4-76F5-4B7B-A375-819B349DF233}"/>
               </a:ext>
             </a:extLst>
           </p:cNvPr>
@@ -2925,7 +6095,7 @@
           <p:cNvPr id="5" name="Footer Placeholder 4">
             <a:extLst>
               <a:ext uri="{FF2B5EF4-FFF2-40B4-BE49-F238E27FC236}">
-                <a16:creationId xmlns:a16="http://schemas.microsoft.com/office/drawing/2014/main" id="{14860FF4-6266-4222-9697-E97E70F87D5B}"/>
+                <a16:creationId xmlns:a16="http://schemas.microsoft.com/office/drawing/2014/main" id="{CE86EE6A-98CB-46BB-B3AB-A709C422802E}"/>
               </a:ext>
             </a:extLst>
           </p:cNvPr>
@@ -2968,7 +6138,7 @@
           <p:cNvPr id="6" name="Slide Number Placeholder 5">
             <a:extLst>
               <a:ext uri="{FF2B5EF4-FFF2-40B4-BE49-F238E27FC236}">
-                <a16:creationId xmlns:a16="http://schemas.microsoft.com/office/drawing/2014/main" id="{852D9847-87C0-49DF-8316-1A21E6C1A6A1}"/>
+                <a16:creationId xmlns:a16="http://schemas.microsoft.com/office/drawing/2014/main" id="{B261FC6D-C359-4374-ACA7-D2587110DBCF}"/>
               </a:ext>
             </a:extLst>
           </p:cNvPr>
@@ -3013,23 +6183,23 @@
     </p:spTree>
     <p:extLst>
       <p:ext uri="{BB962C8B-B14F-4D97-AF65-F5344CB8AC3E}">
-        <p14:creationId xmlns:p14="http://schemas.microsoft.com/office/powerpoint/2010/main" val="1622681856"/>
+        <p14:creationId xmlns:p14="http://schemas.microsoft.com/office/powerpoint/2010/main" val="1305384750"/>
       </p:ext>
     </p:extLst>
   </p:cSld>
   <p:clrMap bg1="lt1" tx1="dk1" bg2="lt2" tx2="dk2" accent1="accent1" accent2="accent2" accent3="accent3" accent4="accent4" accent5="accent5" accent6="accent6" hlink="hlink" folHlink="folHlink"/>
   <p:sldLayoutIdLst>
-    <p:sldLayoutId id="2147483649" r:id="rId1"/>
-    <p:sldLayoutId id="2147483650" r:id="rId2"/>
-    <p:sldLayoutId id="2147483651" r:id="rId3"/>
-    <p:sldLayoutId id="2147483652" r:id="rId4"/>
-    <p:sldLayoutId id="2147483653" r:id="rId5"/>
-    <p:sldLayoutId id="2147483654" r:id="rId6"/>
-    <p:sldLayoutId id="2147483655" r:id="rId7"/>
-    <p:sldLayoutId id="2147483656" r:id="rId8"/>
-    <p:sldLayoutId id="2147483657" r:id="rId9"/>
-    <p:sldLayoutId id="2147483658" r:id="rId10"/>
-    <p:sldLayoutId id="2147483659" r:id="rId11"/>
+    <p:sldLayoutId id="2147483673" r:id="rId1"/>
+    <p:sldLayoutId id="2147483674" r:id="rId2"/>
+    <p:sldLayoutId id="2147483675" r:id="rId3"/>
+    <p:sldLayoutId id="2147483676" r:id="rId4"/>
+    <p:sldLayoutId id="2147483677" r:id="rId5"/>
+    <p:sldLayoutId id="2147483678" r:id="rId6"/>
+    <p:sldLayoutId id="2147483679" r:id="rId7"/>
+    <p:sldLayoutId id="2147483680" r:id="rId8"/>
+    <p:sldLayoutId id="2147483681" r:id="rId9"/>
+    <p:sldLayoutId id="2147483682" r:id="rId10"/>
+    <p:sldLayoutId id="2147483683" r:id="rId11"/>
   </p:sldLayoutIdLst>
   <p:txStyles>
     <p:titleStyle>
@@ -3341,7 +6511,7 @@
       </p:grpSpPr>
       <p:sp useBgFill="1">
         <p:nvSpPr>
-          <p:cNvPr id="23" name="Rectangle 22">
+          <p:cNvPr id="20" name="Rectangle 7">
             <a:extLst>
               <a:ext uri="{FF2B5EF4-FFF2-40B4-BE49-F238E27FC236}">
                 <a16:creationId xmlns:a16="http://schemas.microsoft.com/office/drawing/2014/main" id="{0482A7D0-DB09-4EBA-8D52-E6A5934B668D}"/>
@@ -3430,7 +6600,7 @@
       </p:sp>
       <p:sp>
         <p:nvSpPr>
-          <p:cNvPr id="25" name="Freeform: Shape 24">
+          <p:cNvPr id="21" name="Freeform: Shape 9">
             <a:extLst>
               <a:ext uri="{FF2B5EF4-FFF2-40B4-BE49-F238E27FC236}">
                 <a16:creationId xmlns:a16="http://schemas.microsoft.com/office/drawing/2014/main" id="{1A3688C8-DFCE-4CCD-BCF0-5FB239E5072D}"/>
@@ -3695,7 +6865,7 @@
       </p:sp>
       <p:cxnSp>
         <p:nvCxnSpPr>
-          <p:cNvPr id="27" name="Straight Connector 26">
+          <p:cNvPr id="22" name="Straight Connector 11">
             <a:extLst>
               <a:ext uri="{FF2B5EF4-FFF2-40B4-BE49-F238E27FC236}">
                 <a16:creationId xmlns:a16="http://schemas.microsoft.com/office/drawing/2014/main" id="{D598FBE3-48D2-40A2-B7E6-F485834C8213}"/>
@@ -3750,7 +6920,7 @@
       </p:cxnSp>
       <p:sp>
         <p:nvSpPr>
-          <p:cNvPr id="29" name="Oval 28">
+          <p:cNvPr id="23" name="Oval 13">
             <a:extLst>
               <a:ext uri="{FF2B5EF4-FFF2-40B4-BE49-F238E27FC236}">
                 <a16:creationId xmlns:a16="http://schemas.microsoft.com/office/drawing/2014/main" id="{8482FDCF-45F3-40F1-8751-19B7AFB3CFCE}"/>
@@ -3882,7 +7052,7 @@
       </p:grpSpPr>
       <p:sp>
         <p:nvSpPr>
-          <p:cNvPr id="22" name="Rectangle 21">
+          <p:cNvPr id="11" name="Rectangle 10">
             <a:extLst>
               <a:ext uri="{FF2B5EF4-FFF2-40B4-BE49-F238E27FC236}">
                 <a16:creationId xmlns:a16="http://schemas.microsoft.com/office/drawing/2014/main" id="{81AEB8A9-B768-4E30-BA55-D919E6687343}"/>
@@ -4364,7 +7534,7 @@
       </p:grpSpPr>
       <p:sp>
         <p:nvSpPr>
-          <p:cNvPr id="13" name="Rectangle 8">
+          <p:cNvPr id="9" name="Rectangle 8">
             <a:extLst>
               <a:ext uri="{FF2B5EF4-FFF2-40B4-BE49-F238E27FC236}">
                 <a16:creationId xmlns:a16="http://schemas.microsoft.com/office/drawing/2014/main" id="{867D4867-5BA7-4462-B2F6-A23F4A622AA7}"/>
@@ -4501,7 +7671,7 @@
           <a:lstStyle/>
           <a:p>
             <a:r>
-              <a:rPr lang="en-US" sz="2000" dirty="0">
+              <a:rPr lang="en-US" sz="2000">
                 <a:solidFill>
                   <a:schemeClr val="bg1"/>
                 </a:solidFill>
@@ -4512,7 +7682,7 @@
           <a:p>
             <a:pPr lvl="1"/>
             <a:r>
-              <a:rPr lang="en-US" sz="2000" dirty="0">
+              <a:rPr lang="en-US" sz="2000">
                 <a:solidFill>
                   <a:schemeClr val="bg1"/>
                 </a:solidFill>
@@ -4523,7 +7693,7 @@
           <a:p>
             <a:pPr lvl="1"/>
             <a:r>
-              <a:rPr lang="en-US" sz="2000" dirty="0">
+              <a:rPr lang="en-US" sz="2000">
                 <a:solidFill>
                   <a:schemeClr val="bg1"/>
                 </a:solidFill>
@@ -4535,7 +7705,7 @@
             <a:pPr marL="914400" lvl="2" indent="0">
               <a:buNone/>
             </a:pPr>
-            <a:endParaRPr lang="en-US" dirty="0">
+            <a:endParaRPr lang="en-US">
               <a:solidFill>
                 <a:schemeClr val="bg1"/>
               </a:solidFill>
@@ -4543,7 +7713,7 @@
           </a:p>
           <a:p>
             <a:pPr lvl="1"/>
-            <a:endParaRPr lang="en-US" sz="2000" dirty="0">
+            <a:endParaRPr lang="en-US" sz="2000">
               <a:solidFill>
                 <a:schemeClr val="bg1"/>
               </a:solidFill>
@@ -4576,37 +7746,37 @@
           <p:nvPr>
             <p:extLst>
               <p:ext uri="{D42A27DB-BD31-4B8C-83A1-F6EECF244321}">
-                <p14:modId xmlns:p14="http://schemas.microsoft.com/office/powerpoint/2010/main" val="279471648"/>
+                <p14:modId xmlns:p14="http://schemas.microsoft.com/office/powerpoint/2010/main" val="1231425995"/>
               </p:ext>
             </p:extLst>
           </p:nvPr>
         </p:nvGraphicFramePr>
         <p:xfrm>
-          <a:off x="5820009" y="643467"/>
-          <a:ext cx="5206278" cy="5410204"/>
+          <a:off x="5705946" y="643467"/>
+          <a:ext cx="5434404" cy="5410205"/>
         </p:xfrm>
         <a:graphic>
           <a:graphicData uri="http://schemas.openxmlformats.org/drawingml/2006/table">
             <a:tbl>
               <a:tblPr firstRow="1" bandRow="1">
-                <a:tableStyleId>{9D7B26C5-4107-4FEC-AEDC-1716B250A1EF}</a:tableStyleId>
+                <a:tableStyleId>{69012ECD-51FC-41F1-AA8D-1B2483CD663E}</a:tableStyleId>
               </a:tblPr>
               <a:tblGrid>
-                <a:gridCol w="1939285">
+                <a:gridCol w="2100066">
                   <a:extLst>
                     <a:ext uri="{9D8B030D-6E8A-4147-A177-3AD203B41FA5}">
                       <a16:colId xmlns:a16="http://schemas.microsoft.com/office/drawing/2014/main" val="2620928612"/>
                     </a:ext>
                   </a:extLst>
                 </a:gridCol>
-                <a:gridCol w="1522892">
+                <a:gridCol w="1554285">
                   <a:extLst>
                     <a:ext uri="{9D8B030D-6E8A-4147-A177-3AD203B41FA5}">
                       <a16:colId xmlns:a16="http://schemas.microsoft.com/office/drawing/2014/main" val="4073426578"/>
                     </a:ext>
                   </a:extLst>
                 </a:gridCol>
-                <a:gridCol w="1744101">
+                <a:gridCol w="1780053">
                   <a:extLst>
                     <a:ext uri="{9D8B030D-6E8A-4147-A177-3AD203B41FA5}">
                       <a16:colId xmlns:a16="http://schemas.microsoft.com/office/drawing/2014/main" val="1612540359"/>
@@ -4614,7 +7784,7 @@
                   </a:extLst>
                 </a:gridCol>
               </a:tblGrid>
-              <a:tr h="975888">
+              <a:tr h="974433">
                 <a:tc>
                   <a:txBody>
                     <a:bodyPr/>
@@ -4626,7 +7796,7 @@
                       </a:r>
                     </a:p>
                   </a:txBody>
-                  <a:tcPr marL="95216" marR="95216" marT="47608" marB="47608"/>
+                  <a:tcPr marL="97179" marR="97179" marT="48589" marB="48589"/>
                 </a:tc>
                 <a:tc>
                   <a:txBody>
@@ -4639,7 +7809,7 @@
                       </a:r>
                     </a:p>
                   </a:txBody>
-                  <a:tcPr marL="95216" marR="95216" marT="47608" marB="47608"/>
+                  <a:tcPr marL="97179" marR="97179" marT="48589" marB="48589"/>
                 </a:tc>
                 <a:tc>
                   <a:txBody>
@@ -4652,7 +7822,7 @@
                       </a:r>
                     </a:p>
                   </a:txBody>
-                  <a:tcPr marL="95216" marR="95216" marT="47608" marB="47608"/>
+                  <a:tcPr marL="97179" marR="97179" marT="48589" marB="48589"/>
                 </a:tc>
                 <a:extLst>
                   <a:ext uri="{0D108BD9-81ED-4DB2-BD59-A6C34878D82A}">
@@ -4660,7 +7830,7 @@
                   </a:ext>
                 </a:extLst>
               </a:tr>
-              <a:tr h="694822">
+              <a:tr h="694459">
                 <a:tc>
                   <a:txBody>
                     <a:bodyPr/>
@@ -4672,7 +7842,7 @@
                       </a:r>
                     </a:p>
                   </a:txBody>
-                  <a:tcPr marL="95216" marR="95216" marT="47608" marB="47608"/>
+                  <a:tcPr marL="97179" marR="97179" marT="48589" marB="48589"/>
                 </a:tc>
                 <a:tc>
                   <a:txBody>
@@ -4685,7 +7855,7 @@
                       </a:r>
                     </a:p>
                   </a:txBody>
-                  <a:tcPr marL="95216" marR="95216" marT="47608" marB="47608"/>
+                  <a:tcPr marL="97179" marR="97179" marT="48589" marB="48589"/>
                 </a:tc>
                 <a:tc>
                   <a:txBody>
@@ -4698,7 +7868,7 @@
                       </a:r>
                     </a:p>
                   </a:txBody>
-                  <a:tcPr marL="95216" marR="95216" marT="47608" marB="47608"/>
+                  <a:tcPr marL="97179" marR="97179" marT="48589" marB="48589"/>
                 </a:tc>
                 <a:extLst>
                   <a:ext uri="{0D108BD9-81ED-4DB2-BD59-A6C34878D82A}">
@@ -4706,7 +7876,7 @@
                   </a:ext>
                 </a:extLst>
               </a:tr>
-              <a:tr h="694822">
+              <a:tr h="694459">
                 <a:tc>
                   <a:txBody>
                     <a:bodyPr/>
@@ -4718,7 +7888,7 @@
                       </a:r>
                     </a:p>
                   </a:txBody>
-                  <a:tcPr marL="95216" marR="95216" marT="47608" marB="47608"/>
+                  <a:tcPr marL="97179" marR="97179" marT="48589" marB="48589"/>
                 </a:tc>
                 <a:tc>
                   <a:txBody>
@@ -4731,7 +7901,7 @@
                       </a:r>
                     </a:p>
                   </a:txBody>
-                  <a:tcPr marL="95216" marR="95216" marT="47608" marB="47608"/>
+                  <a:tcPr marL="97179" marR="97179" marT="48589" marB="48589"/>
                 </a:tc>
                 <a:tc>
                   <a:txBody>
@@ -4744,7 +7914,7 @@
                       </a:r>
                     </a:p>
                   </a:txBody>
-                  <a:tcPr marL="95216" marR="95216" marT="47608" marB="47608"/>
+                  <a:tcPr marL="97179" marR="97179" marT="48589" marB="48589"/>
                 </a:tc>
                 <a:extLst>
                   <a:ext uri="{0D108BD9-81ED-4DB2-BD59-A6C34878D82A}">
@@ -4752,7 +7922,7 @@
                   </a:ext>
                 </a:extLst>
               </a:tr>
-              <a:tr h="694822">
+              <a:tr h="694459">
                 <a:tc>
                   <a:txBody>
                     <a:bodyPr/>
@@ -4764,7 +7934,7 @@
                       </a:r>
                     </a:p>
                   </a:txBody>
-                  <a:tcPr marL="95216" marR="95216" marT="47608" marB="47608"/>
+                  <a:tcPr marL="97179" marR="97179" marT="48589" marB="48589"/>
                 </a:tc>
                 <a:tc>
                   <a:txBody>
@@ -4777,7 +7947,7 @@
                       </a:r>
                     </a:p>
                   </a:txBody>
-                  <a:tcPr marL="95216" marR="95216" marT="47608" marB="47608"/>
+                  <a:tcPr marL="97179" marR="97179" marT="48589" marB="48589"/>
                 </a:tc>
                 <a:tc>
                   <a:txBody>
@@ -4790,7 +7960,7 @@
                       </a:r>
                     </a:p>
                   </a:txBody>
-                  <a:tcPr marL="95216" marR="95216" marT="47608" marB="47608"/>
+                  <a:tcPr marL="97179" marR="97179" marT="48589" marB="48589"/>
                 </a:tc>
                 <a:extLst>
                   <a:ext uri="{0D108BD9-81ED-4DB2-BD59-A6C34878D82A}">
@@ -4798,7 +7968,7 @@
                   </a:ext>
                 </a:extLst>
               </a:tr>
-              <a:tr h="413757">
+              <a:tr h="414484">
                 <a:tc>
                   <a:txBody>
                     <a:bodyPr/>
@@ -4810,7 +7980,7 @@
                       </a:r>
                     </a:p>
                   </a:txBody>
-                  <a:tcPr marL="95216" marR="95216" marT="47608" marB="47608"/>
+                  <a:tcPr marL="97179" marR="97179" marT="48589" marB="48589"/>
                 </a:tc>
                 <a:tc>
                   <a:txBody>
@@ -4823,7 +7993,7 @@
                       </a:r>
                     </a:p>
                   </a:txBody>
-                  <a:tcPr marL="95216" marR="95216" marT="47608" marB="47608"/>
+                  <a:tcPr marL="97179" marR="97179" marT="48589" marB="48589"/>
                 </a:tc>
                 <a:tc>
                   <a:txBody>
@@ -4836,7 +8006,7 @@
                       </a:r>
                     </a:p>
                   </a:txBody>
-                  <a:tcPr marL="95216" marR="95216" marT="47608" marB="47608"/>
+                  <a:tcPr marL="97179" marR="97179" marT="48589" marB="48589"/>
                 </a:tc>
                 <a:extLst>
                   <a:ext uri="{0D108BD9-81ED-4DB2-BD59-A6C34878D82A}">
@@ -4844,7 +8014,7 @@
                   </a:ext>
                 </a:extLst>
               </a:tr>
-              <a:tr h="413757">
+              <a:tr h="414484">
                 <a:tc>
                   <a:txBody>
                     <a:bodyPr/>
@@ -4856,7 +8026,7 @@
                       </a:r>
                     </a:p>
                   </a:txBody>
-                  <a:tcPr marL="95216" marR="95216" marT="47608" marB="47608"/>
+                  <a:tcPr marL="97179" marR="97179" marT="48589" marB="48589"/>
                 </a:tc>
                 <a:tc>
                   <a:txBody>
@@ -4869,7 +8039,7 @@
                       </a:r>
                     </a:p>
                   </a:txBody>
-                  <a:tcPr marL="95216" marR="95216" marT="47608" marB="47608"/>
+                  <a:tcPr marL="97179" marR="97179" marT="48589" marB="48589"/>
                 </a:tc>
                 <a:tc>
                   <a:txBody>
@@ -4882,7 +8052,7 @@
                       </a:r>
                     </a:p>
                   </a:txBody>
-                  <a:tcPr marL="95216" marR="95216" marT="47608" marB="47608"/>
+                  <a:tcPr marL="97179" marR="97179" marT="48589" marB="48589"/>
                 </a:tc>
                 <a:extLst>
                   <a:ext uri="{0D108BD9-81ED-4DB2-BD59-A6C34878D82A}">
@@ -4890,7 +8060,7 @@
                   </a:ext>
                 </a:extLst>
               </a:tr>
-              <a:tr h="413757">
+              <a:tr h="414484">
                 <a:tc>
                   <a:txBody>
                     <a:bodyPr/>
@@ -4902,7 +8072,7 @@
                       </a:r>
                     </a:p>
                   </a:txBody>
-                  <a:tcPr marL="95216" marR="95216" marT="47608" marB="47608"/>
+                  <a:tcPr marL="97179" marR="97179" marT="48589" marB="48589"/>
                 </a:tc>
                 <a:tc>
                   <a:txBody>
@@ -4915,7 +8085,7 @@
                       </a:r>
                     </a:p>
                   </a:txBody>
-                  <a:tcPr marL="95216" marR="95216" marT="47608" marB="47608"/>
+                  <a:tcPr marL="97179" marR="97179" marT="48589" marB="48589"/>
                 </a:tc>
                 <a:tc>
                   <a:txBody>
@@ -4928,7 +8098,7 @@
                       </a:r>
                     </a:p>
                   </a:txBody>
-                  <a:tcPr marL="95216" marR="95216" marT="47608" marB="47608"/>
+                  <a:tcPr marL="97179" marR="97179" marT="48589" marB="48589"/>
                 </a:tc>
                 <a:extLst>
                   <a:ext uri="{0D108BD9-81ED-4DB2-BD59-A6C34878D82A}">
@@ -4936,7 +8106,7 @@
                   </a:ext>
                 </a:extLst>
               </a:tr>
-              <a:tr h="413757">
+              <a:tr h="414484">
                 <a:tc>
                   <a:txBody>
                     <a:bodyPr/>
@@ -4948,7 +8118,7 @@
                       </a:r>
                     </a:p>
                   </a:txBody>
-                  <a:tcPr marL="95216" marR="95216" marT="47608" marB="47608"/>
+                  <a:tcPr marL="97179" marR="97179" marT="48589" marB="48589"/>
                 </a:tc>
                 <a:tc>
                   <a:txBody>
@@ -4961,7 +8131,7 @@
                       </a:r>
                     </a:p>
                   </a:txBody>
-                  <a:tcPr marL="95216" marR="95216" marT="47608" marB="47608"/>
+                  <a:tcPr marL="97179" marR="97179" marT="48589" marB="48589"/>
                 </a:tc>
                 <a:tc>
                   <a:txBody>
@@ -4974,7 +8144,7 @@
                       </a:r>
                     </a:p>
                   </a:txBody>
-                  <a:tcPr marL="95216" marR="95216" marT="47608" marB="47608"/>
+                  <a:tcPr marL="97179" marR="97179" marT="48589" marB="48589"/>
                 </a:tc>
                 <a:extLst>
                   <a:ext uri="{0D108BD9-81ED-4DB2-BD59-A6C34878D82A}">
@@ -4982,7 +8152,7 @@
                   </a:ext>
                 </a:extLst>
               </a:tr>
-              <a:tr h="694822">
+              <a:tr h="694459">
                 <a:tc>
                   <a:txBody>
                     <a:bodyPr/>
@@ -4994,7 +8164,7 @@
                       </a:r>
                     </a:p>
                   </a:txBody>
-                  <a:tcPr marL="95216" marR="95216" marT="47608" marB="47608"/>
+                  <a:tcPr marL="97179" marR="97179" marT="48589" marB="48589"/>
                 </a:tc>
                 <a:tc>
                   <a:txBody>
@@ -5007,7 +8177,7 @@
                       </a:r>
                     </a:p>
                   </a:txBody>
-                  <a:tcPr marL="95216" marR="95216" marT="47608" marB="47608"/>
+                  <a:tcPr marL="97179" marR="97179" marT="48589" marB="48589"/>
                 </a:tc>
                 <a:tc>
                   <a:txBody>
@@ -5020,7 +8190,7 @@
                       </a:r>
                     </a:p>
                   </a:txBody>
-                  <a:tcPr marL="95216" marR="95216" marT="47608" marB="47608"/>
+                  <a:tcPr marL="97179" marR="97179" marT="48589" marB="48589"/>
                 </a:tc>
                 <a:extLst>
                   <a:ext uri="{0D108BD9-81ED-4DB2-BD59-A6C34878D82A}">
@@ -5070,132 +8240,6 @@
           <a:chExt cx="0" cy="0"/>
         </a:xfrm>
       </p:grpSpPr>
-      <p:sp>
-        <p:nvSpPr>
-          <p:cNvPr id="16" name="Rectangle 15">
-            <a:extLst>
-              <a:ext uri="{FF2B5EF4-FFF2-40B4-BE49-F238E27FC236}">
-                <a16:creationId xmlns:a16="http://schemas.microsoft.com/office/drawing/2014/main" id="{6753252F-4873-4F63-801D-CC719279A7D5}"/>
-              </a:ext>
-              <a:ext uri="{C183D7F6-B498-43B3-948B-1728B52AA6E4}">
-                <adec:decorative xmlns:adec="http://schemas.microsoft.com/office/drawing/2017/decorative" val="1"/>
-              </a:ext>
-            </a:extLst>
-          </p:cNvPr>
-          <p:cNvSpPr>
-            <a:spLocks noGrp="1" noRot="1" noChangeAspect="1" noMove="1" noResize="1" noEditPoints="1" noAdjustHandles="1" noChangeArrowheads="1" noChangeShapeType="1" noTextEdit="1"/>
-          </p:cNvSpPr>
-          <p:nvPr>
-            <p:extLst>
-              <p:ext uri="{386F3935-93C4-4BCD-93E2-E3B085C9AB24}">
-                <p16:designElem xmlns:p16="http://schemas.microsoft.com/office/powerpoint/2015/main" val="1"/>
-              </p:ext>
-            </p:extLst>
-          </p:nvPr>
-        </p:nvSpPr>
-        <p:spPr>
-          <a:xfrm>
-            <a:off x="0" y="0"/>
-            <a:ext cx="12192000" cy="6858000"/>
-          </a:xfrm>
-          <a:prstGeom prst="rect">
-            <a:avLst/>
-          </a:prstGeom>
-          <a:solidFill>
-            <a:srgbClr val="FFFFFF"/>
-          </a:solidFill>
-          <a:ln>
-            <a:noFill/>
-          </a:ln>
-        </p:spPr>
-        <p:style>
-          <a:lnRef idx="2">
-            <a:schemeClr val="accent1">
-              <a:shade val="50000"/>
-            </a:schemeClr>
-          </a:lnRef>
-          <a:fillRef idx="1">
-            <a:schemeClr val="accent1"/>
-          </a:fillRef>
-          <a:effectRef idx="0">
-            <a:schemeClr val="accent1"/>
-          </a:effectRef>
-          <a:fontRef idx="minor">
-            <a:schemeClr val="lt1"/>
-          </a:fontRef>
-        </p:style>
-        <p:txBody>
-          <a:bodyPr rtlCol="0" anchor="ctr"/>
-          <a:lstStyle/>
-          <a:p>
-            <a:pPr algn="ctr"/>
-            <a:endParaRPr lang="en-US"/>
-          </a:p>
-        </p:txBody>
-      </p:sp>
-      <p:sp>
-        <p:nvSpPr>
-          <p:cNvPr id="18" name="Rectangle 17">
-            <a:extLst>
-              <a:ext uri="{FF2B5EF4-FFF2-40B4-BE49-F238E27FC236}">
-                <a16:creationId xmlns:a16="http://schemas.microsoft.com/office/drawing/2014/main" id="{047C8CCB-F95D-4249-92DD-651249D3535A}"/>
-              </a:ext>
-              <a:ext uri="{C183D7F6-B498-43B3-948B-1728B52AA6E4}">
-                <adec:decorative xmlns:adec="http://schemas.microsoft.com/office/drawing/2017/decorative" val="1"/>
-              </a:ext>
-            </a:extLst>
-          </p:cNvPr>
-          <p:cNvSpPr>
-            <a:spLocks noGrp="1" noRot="1" noChangeAspect="1" noMove="1" noResize="1" noEditPoints="1" noAdjustHandles="1" noChangeArrowheads="1" noChangeShapeType="1" noTextEdit="1"/>
-          </p:cNvSpPr>
-          <p:nvPr>
-            <p:extLst>
-              <p:ext uri="{386F3935-93C4-4BCD-93E2-E3B085C9AB24}">
-                <p16:designElem xmlns:p16="http://schemas.microsoft.com/office/powerpoint/2015/main" val="1"/>
-              </p:ext>
-            </p:extLst>
-          </p:nvPr>
-        </p:nvSpPr>
-        <p:spPr>
-          <a:xfrm>
-            <a:off x="0" y="0"/>
-            <a:ext cx="2013557" cy="6858000"/>
-          </a:xfrm>
-          <a:prstGeom prst="rect">
-            <a:avLst/>
-          </a:prstGeom>
-          <a:solidFill>
-            <a:srgbClr val="7F7F7F"/>
-          </a:solidFill>
-          <a:ln>
-            <a:noFill/>
-          </a:ln>
-        </p:spPr>
-        <p:style>
-          <a:lnRef idx="2">
-            <a:schemeClr val="accent1">
-              <a:shade val="50000"/>
-            </a:schemeClr>
-          </a:lnRef>
-          <a:fillRef idx="1">
-            <a:schemeClr val="accent1"/>
-          </a:fillRef>
-          <a:effectRef idx="0">
-            <a:schemeClr val="accent1"/>
-          </a:effectRef>
-          <a:fontRef idx="minor">
-            <a:schemeClr val="lt1"/>
-          </a:fontRef>
-        </p:style>
-        <p:txBody>
-          <a:bodyPr rtlCol="0" anchor="ctr"/>
-          <a:lstStyle/>
-          <a:p>
-            <a:pPr algn="ctr"/>
-            <a:endParaRPr lang="en-US"/>
-          </a:p>
-        </p:txBody>
-      </p:sp>
       <p:sp>
         <p:nvSpPr>
           <p:cNvPr id="2" name="Title 1">
@@ -5328,7 +8372,197 @@
       </p:grpSpPr>
       <p:sp>
         <p:nvSpPr>
-          <p:cNvPr id="16" name="Rectangle 9">
+          <p:cNvPr id="2" name="Title 1">
+            <a:extLst>
+              <a:ext uri="{FF2B5EF4-FFF2-40B4-BE49-F238E27FC236}">
+                <a16:creationId xmlns:a16="http://schemas.microsoft.com/office/drawing/2014/main" id="{F5DAAC5B-1EA7-46BD-A157-F25480DCC65E}"/>
+              </a:ext>
+            </a:extLst>
+          </p:cNvPr>
+          <p:cNvSpPr>
+            <a:spLocks noGrp="1"/>
+          </p:cNvSpPr>
+          <p:nvPr>
+            <p:ph type="ctrTitle"/>
+          </p:nvPr>
+        </p:nvSpPr>
+        <p:spPr>
+          <a:xfrm>
+            <a:off x="694510" y="1487272"/>
+            <a:ext cx="2743200" cy="2743200"/>
+          </a:xfrm>
+          <a:prstGeom prst="ellipse">
+            <a:avLst/>
+          </a:prstGeom>
+          <a:solidFill>
+            <a:srgbClr val="262626"/>
+          </a:solidFill>
+          <a:ln w="174625" cmpd="thinThick">
+            <a:solidFill>
+              <a:srgbClr val="262626"/>
+            </a:solidFill>
+          </a:ln>
+        </p:spPr>
+        <p:txBody>
+          <a:bodyPr vert="horz" lIns="91440" tIns="45720" rIns="91440" bIns="45720" rtlCol="0" anchor="ctr">
+            <a:normAutofit/>
+          </a:bodyPr>
+          <a:lstStyle/>
+          <a:p>
+            <a:r>
+              <a:rPr lang="en-US" sz="2600" kern="1200">
+                <a:solidFill>
+                  <a:srgbClr val="FFFFFF"/>
+                </a:solidFill>
+                <a:latin typeface="+mj-lt"/>
+                <a:ea typeface="+mj-ea"/>
+                <a:cs typeface="+mj-cs"/>
+              </a:rPr>
+              <a:t>GUI – Real Time Processing</a:t>
+            </a:r>
+          </a:p>
+        </p:txBody>
+      </p:sp>
+      <p:sp>
+        <p:nvSpPr>
+          <p:cNvPr id="3" name="Subtitle 2">
+            <a:extLst>
+              <a:ext uri="{FF2B5EF4-FFF2-40B4-BE49-F238E27FC236}">
+                <a16:creationId xmlns:a16="http://schemas.microsoft.com/office/drawing/2014/main" id="{355A64B9-9F1C-4D12-8ED4-E5CB69871EBA}"/>
+              </a:ext>
+            </a:extLst>
+          </p:cNvPr>
+          <p:cNvSpPr>
+            <a:spLocks noGrp="1"/>
+          </p:cNvSpPr>
+          <p:nvPr>
+            <p:ph type="subTitle" idx="1"/>
+          </p:nvPr>
+        </p:nvSpPr>
+        <p:spPr>
+          <a:xfrm>
+            <a:off x="4038600" y="4884873"/>
+            <a:ext cx="7188199" cy="1292090"/>
+          </a:xfrm>
+        </p:spPr>
+        <p:txBody>
+          <a:bodyPr vert="horz" lIns="91440" tIns="45720" rIns="91440" bIns="45720" rtlCol="0">
+            <a:normAutofit/>
+          </a:bodyPr>
+          <a:lstStyle/>
+          <a:p>
+            <a:pPr marL="342900" indent="-228600" algn="l">
+              <a:buFont typeface="Arial" panose="020B0604020202020204" pitchFamily="34" charset="0"/>
+              <a:buChar char="•"/>
+            </a:pPr>
+            <a:r>
+              <a:rPr lang="en-US" sz="1800"/>
+              <a:t>Built feature vector comprising of 3 features – MFCC, Delta, DDelta</a:t>
+            </a:r>
+          </a:p>
+          <a:p>
+            <a:pPr marL="342900" indent="-228600" algn="l">
+              <a:buFont typeface="Arial" panose="020B0604020202020204" pitchFamily="34" charset="0"/>
+              <a:buChar char="•"/>
+            </a:pPr>
+            <a:r>
+              <a:rPr lang="en-US" sz="1800"/>
+              <a:t>Predicted the model using Random Forest as it gave a better accuracy with better execution time in non-real time processing </a:t>
+            </a:r>
+          </a:p>
+          <a:p>
+            <a:pPr indent="-228600" algn="l">
+              <a:buFont typeface="Arial" panose="020B0604020202020204" pitchFamily="34" charset="0"/>
+              <a:buChar char="•"/>
+            </a:pPr>
+            <a:endParaRPr lang="en-US" sz="1800"/>
+          </a:p>
+          <a:p>
+            <a:pPr indent="-228600" algn="l">
+              <a:buFont typeface="Arial" panose="020B0604020202020204" pitchFamily="34" charset="0"/>
+              <a:buChar char="•"/>
+            </a:pPr>
+            <a:endParaRPr lang="en-US" sz="1800"/>
+          </a:p>
+        </p:txBody>
+      </p:sp>
+      <p:pic>
+        <p:nvPicPr>
+          <p:cNvPr id="5" name="Picture 4">
+            <a:extLst>
+              <a:ext uri="{FF2B5EF4-FFF2-40B4-BE49-F238E27FC236}">
+                <a16:creationId xmlns:a16="http://schemas.microsoft.com/office/drawing/2014/main" id="{3889B09F-2D5C-41B2-90BC-BFC154F564F6}"/>
+              </a:ext>
+            </a:extLst>
+          </p:cNvPr>
+          <p:cNvPicPr>
+            <a:picLocks noChangeAspect="1"/>
+          </p:cNvPicPr>
+          <p:nvPr/>
+        </p:nvPicPr>
+        <p:blipFill>
+          <a:blip r:embed="rId2">
+            <a:extLst>
+              <a:ext uri="{28A0092B-C50C-407E-A947-70E740481C1C}">
+                <a14:useLocalDpi xmlns:a14="http://schemas.microsoft.com/office/drawing/2010/main" val="0"/>
+              </a:ext>
+            </a:extLst>
+          </a:blip>
+          <a:stretch>
+            <a:fillRect/>
+          </a:stretch>
+        </p:blipFill>
+        <p:spPr>
+          <a:xfrm>
+            <a:off x="4038600" y="1313299"/>
+            <a:ext cx="4945833" cy="3091146"/>
+          </a:xfrm>
+          <a:prstGeom prst="rect">
+            <a:avLst/>
+          </a:prstGeom>
+        </p:spPr>
+      </p:pic>
+    </p:spTree>
+    <p:extLst>
+      <p:ext uri="{BB962C8B-B14F-4D97-AF65-F5344CB8AC3E}">
+        <p14:creationId xmlns:p14="http://schemas.microsoft.com/office/powerpoint/2010/main" val="1743984210"/>
+      </p:ext>
+    </p:extLst>
+  </p:cSld>
+  <p:clrMapOvr>
+    <a:masterClrMapping/>
+  </p:clrMapOvr>
+</p:sld>
+</file>
+
+<file path=ppt/slides/slide7.xml><?xml version="1.0" encoding="utf-8"?>
+<p:sld xmlns:a="http://schemas.openxmlformats.org/drawingml/2006/main" xmlns:r="http://schemas.openxmlformats.org/officeDocument/2006/relationships" xmlns:p="http://schemas.openxmlformats.org/presentationml/2006/main">
+  <p:cSld>
+    <p:bg>
+      <p:bgPr>
+        <a:solidFill>
+          <a:schemeClr val="bg1"/>
+        </a:solidFill>
+        <a:effectLst/>
+      </p:bgPr>
+    </p:bg>
+    <p:spTree>
+      <p:nvGrpSpPr>
+        <p:cNvPr id="1" name=""/>
+        <p:cNvGrpSpPr/>
+        <p:nvPr/>
+      </p:nvGrpSpPr>
+      <p:grpSpPr>
+        <a:xfrm>
+          <a:off x="0" y="0"/>
+          <a:ext cx="0" cy="0"/>
+          <a:chOff x="0" y="0"/>
+          <a:chExt cx="0" cy="0"/>
+        </a:xfrm>
+      </p:grpSpPr>
+      <p:sp>
+        <p:nvSpPr>
+          <p:cNvPr id="78" name="Rectangle 77">
             <a:extLst>
               <a:ext uri="{FF2B5EF4-FFF2-40B4-BE49-F238E27FC236}">
                 <a16:creationId xmlns:a16="http://schemas.microsoft.com/office/drawing/2014/main" id="{42A5316D-ED2F-4F89-B4B4-8D9240B1A348}"/>
@@ -5384,7 +8618,7 @@
           <a:bodyPr rtlCol="0" anchor="ctr"/>
           <a:lstStyle/>
           <a:p>
-            <a:pPr marL="0" marR="0" lvl="0" indent="0" algn="ctr" defTabSz="914400" rtl="0" eaLnBrk="1" fontAlgn="auto" latinLnBrk="0" hangingPunct="1">
+            <a:pPr marL="0" marR="0" lvl="0" indent="0" algn="ctr" defTabSz="457200" rtl="0" eaLnBrk="1" fontAlgn="auto" latinLnBrk="0" hangingPunct="1">
               <a:lnSpc>
                 <a:spcPct val="100000"/>
               </a:lnSpc>
@@ -5423,7 +8657,7 @@
           <p:cNvPr id="2" name="Title 1">
             <a:extLst>
               <a:ext uri="{FF2B5EF4-FFF2-40B4-BE49-F238E27FC236}">
-                <a16:creationId xmlns:a16="http://schemas.microsoft.com/office/drawing/2014/main" id="{F5DAAC5B-1EA7-46BD-A157-F25480DCC65E}"/>
+                <a16:creationId xmlns:a16="http://schemas.microsoft.com/office/drawing/2014/main" id="{62A82922-5538-4015-B957-EC8B0E52B84D}"/>
               </a:ext>
             </a:extLst>
           </p:cNvPr>
@@ -5431,12 +8665,12 @@
             <a:spLocks noGrp="1"/>
           </p:cNvSpPr>
           <p:nvPr>
-            <p:ph type="ctrTitle"/>
+            <p:ph type="title"/>
           </p:nvPr>
         </p:nvSpPr>
         <p:spPr>
           <a:xfrm>
-            <a:off x="694510" y="1487272"/>
+            <a:off x="838200" y="2057400"/>
             <a:ext cx="2743200" cy="2743200"/>
           </a:xfrm>
           <a:prstGeom prst="ellipse">
@@ -5452,128 +8686,58 @@
           </a:ln>
         </p:spPr>
         <p:txBody>
-          <a:bodyPr vert="horz" lIns="91440" tIns="45720" rIns="91440" bIns="45720" rtlCol="0" anchor="ctr">
+          <a:bodyPr anchor="ctr">
             <a:normAutofit/>
           </a:bodyPr>
           <a:lstStyle/>
           <a:p>
-            <a:r>
-              <a:rPr lang="en-US" sz="2600" kern="1200">
+            <a:pPr algn="ctr"/>
+            <a:r>
+              <a:rPr lang="en-US" sz="2600">
                 <a:solidFill>
                   <a:srgbClr val="FFFFFF"/>
                 </a:solidFill>
-                <a:latin typeface="+mj-lt"/>
-                <a:ea typeface="+mj-ea"/>
-                <a:cs typeface="+mj-cs"/>
               </a:rPr>
-              <a:t>GUI – Real Time Processing</a:t>
+              <a:t>Video Demo</a:t>
             </a:r>
           </a:p>
         </p:txBody>
       </p:sp>
-      <p:pic>
-        <p:nvPicPr>
-          <p:cNvPr id="5" name="Picture 4">
+      <p:graphicFrame>
+        <p:nvGraphicFramePr>
+          <p:cNvPr id="58" name="Content Placeholder 2">
             <a:extLst>
               <a:ext uri="{FF2B5EF4-FFF2-40B4-BE49-F238E27FC236}">
-                <a16:creationId xmlns:a16="http://schemas.microsoft.com/office/drawing/2014/main" id="{3889B09F-2D5C-41B2-90BC-BFC154F564F6}"/>
+                <a16:creationId xmlns:a16="http://schemas.microsoft.com/office/drawing/2014/main" id="{6AC13D57-09D0-4184-B4C6-ACA9533E6501}"/>
               </a:ext>
             </a:extLst>
           </p:cNvPr>
-          <p:cNvPicPr>
-            <a:picLocks noChangeAspect="1"/>
-          </p:cNvPicPr>
-          <p:nvPr/>
-        </p:nvPicPr>
-        <p:blipFill>
-          <a:blip r:embed="rId2">
-            <a:extLst>
-              <a:ext uri="{28A0092B-C50C-407E-A947-70E740481C1C}">
-                <a14:useLocalDpi xmlns:a14="http://schemas.microsoft.com/office/drawing/2010/main" val="0"/>
-              </a:ext>
-            </a:extLst>
-          </a:blip>
-          <a:stretch>
-            <a:fillRect/>
-          </a:stretch>
-        </p:blipFill>
-        <p:spPr>
-          <a:xfrm>
-            <a:off x="4038600" y="1313299"/>
-            <a:ext cx="4945833" cy="3091146"/>
-          </a:xfrm>
-          <a:prstGeom prst="rect">
-            <a:avLst/>
-          </a:prstGeom>
-        </p:spPr>
-      </p:pic>
-      <p:sp>
-        <p:nvSpPr>
-          <p:cNvPr id="3" name="Subtitle 2">
-            <a:extLst>
-              <a:ext uri="{FF2B5EF4-FFF2-40B4-BE49-F238E27FC236}">
-                <a16:creationId xmlns:a16="http://schemas.microsoft.com/office/drawing/2014/main" id="{355A64B9-9F1C-4D12-8ED4-E5CB69871EBA}"/>
-              </a:ext>
-            </a:extLst>
-          </p:cNvPr>
-          <p:cNvSpPr>
-            <a:spLocks noGrp="1"/>
-          </p:cNvSpPr>
+          <p:cNvGraphicFramePr>
+            <a:graphicFrameLocks noGrp="1"/>
+          </p:cNvGraphicFramePr>
           <p:nvPr>
-            <p:ph type="subTitle" idx="1"/>
+            <p:ph idx="1"/>
+            <p:extLst>
+              <p:ext uri="{D42A27DB-BD31-4B8C-83A1-F6EECF244321}">
+                <p14:modId xmlns:p14="http://schemas.microsoft.com/office/powerpoint/2010/main" val="1944608637"/>
+              </p:ext>
+            </p:extLst>
           </p:nvPr>
-        </p:nvSpPr>
-        <p:spPr>
-          <a:xfrm>
-            <a:off x="4038600" y="4884873"/>
-            <a:ext cx="7188199" cy="1292090"/>
-          </a:xfrm>
-        </p:spPr>
-        <p:txBody>
-          <a:bodyPr vert="horz" lIns="91440" tIns="45720" rIns="91440" bIns="45720" rtlCol="0">
-            <a:normAutofit/>
-          </a:bodyPr>
-          <a:lstStyle/>
-          <a:p>
-            <a:pPr marL="342900" indent="-228600" algn="l">
-              <a:buFont typeface="Arial" panose="020B0604020202020204" pitchFamily="34" charset="0"/>
-              <a:buChar char="•"/>
-            </a:pPr>
-            <a:r>
-              <a:rPr lang="en-US" sz="1800"/>
-              <a:t>Built feature vector comprising of 3 features – MFCC, Delta, DDelta</a:t>
-            </a:r>
-          </a:p>
-          <a:p>
-            <a:pPr marL="342900" indent="-228600" algn="l">
-              <a:buFont typeface="Arial" panose="020B0604020202020204" pitchFamily="34" charset="0"/>
-              <a:buChar char="•"/>
-            </a:pPr>
-            <a:r>
-              <a:rPr lang="en-US" sz="1800"/>
-              <a:t>Predicted the model using Random Forest as it gave a better accuracy with better execution time in non-real time processing </a:t>
-            </a:r>
-          </a:p>
-          <a:p>
-            <a:pPr indent="-228600" algn="l">
-              <a:buFont typeface="Arial" panose="020B0604020202020204" pitchFamily="34" charset="0"/>
-              <a:buChar char="•"/>
-            </a:pPr>
-            <a:endParaRPr lang="en-US" sz="1800"/>
-          </a:p>
-          <a:p>
-            <a:pPr indent="-228600" algn="l">
-              <a:buFont typeface="Arial" panose="020B0604020202020204" pitchFamily="34" charset="0"/>
-              <a:buChar char="•"/>
-            </a:pPr>
-            <a:endParaRPr lang="en-US" sz="1800"/>
-          </a:p>
-        </p:txBody>
-      </p:sp>
+        </p:nvGraphicFramePr>
+        <p:xfrm>
+          <a:off x="4038600" y="1166648"/>
+          <a:ext cx="7315200" cy="4524706"/>
+        </p:xfrm>
+        <a:graphic>
+          <a:graphicData uri="http://schemas.openxmlformats.org/drawingml/2006/diagram">
+            <dgm:relIds xmlns:dgm="http://schemas.openxmlformats.org/drawingml/2006/diagram" xmlns:r="http://schemas.openxmlformats.org/officeDocument/2006/relationships" r:dm="rId2" r:lo="rId3" r:qs="rId4" r:cs="rId5"/>
+          </a:graphicData>
+        </a:graphic>
+      </p:graphicFrame>
     </p:spTree>
     <p:extLst>
       <p:ext uri="{BB962C8B-B14F-4D97-AF65-F5344CB8AC3E}">
-        <p14:creationId xmlns:p14="http://schemas.microsoft.com/office/powerpoint/2010/main" val="1743984210"/>
+        <p14:creationId xmlns:p14="http://schemas.microsoft.com/office/powerpoint/2010/main" val="3528380170"/>
       </p:ext>
     </p:extLst>
   </p:cSld>

--- a/cgrandhi_spalania.pptx
+++ b/cgrandhi_spalania.pptx
@@ -1145,9 +1145,16 @@
         <a:lstStyle/>
         <a:p>
           <a:r>
-            <a:rPr lang="en-US"/>
+            <a:rPr lang="en-US" dirty="0"/>
             <a:t>Vacuum- Non Real Time: </a:t>
           </a:r>
+          <a:r>
+            <a:rPr lang="en-US" dirty="0">
+              <a:hlinkClick xmlns:r="http://schemas.openxmlformats.org/officeDocument/2006/relationships" r:id="rId3"/>
+            </a:rPr>
+            <a:t>https://youtu.be/f9YrJ3E30Mk</a:t>
+          </a:r>
+          <a:endParaRPr lang="en-US" dirty="0"/>
         </a:p>
       </dgm:t>
     </dgm:pt>
@@ -1181,8 +1188,18 @@
         <a:lstStyle/>
         <a:p>
           <a:r>
-            <a:rPr lang="en-US"/>
+            <a:rPr lang="en-US" dirty="0"/>
             <a:t>Vacuum- Real Time: </a:t>
+          </a:r>
+          <a:r>
+            <a:rPr lang="en-US" dirty="0">
+              <a:hlinkClick xmlns:r="http://schemas.openxmlformats.org/officeDocument/2006/relationships" r:id="rId4"/>
+            </a:rPr>
+            <a:t>https://youtu.be/93BD09TxFtk</a:t>
+          </a:r>
+          <a:r>
+            <a:rPr lang="en-US" dirty="0"/>
+            <a:t> </a:t>
           </a:r>
         </a:p>
       </dgm:t>
@@ -1663,9 +1680,16 @@
             <a:buNone/>
           </a:pPr>
           <a:r>
-            <a:rPr lang="en-US" sz="3100" kern="1200"/>
+            <a:rPr lang="en-US" sz="3100" kern="1200" dirty="0"/>
             <a:t>Vacuum- Non Real Time: </a:t>
           </a:r>
+          <a:r>
+            <a:rPr lang="en-US" sz="3100" kern="1200" dirty="0">
+              <a:hlinkClick xmlns:r="http://schemas.openxmlformats.org/officeDocument/2006/relationships" r:id="rId3"/>
+            </a:rPr>
+            <a:t>https://youtu.be/f9YrJ3E30Mk</a:t>
+          </a:r>
+          <a:endParaRPr lang="en-US" sz="3100" kern="1200" dirty="0"/>
         </a:p>
       </dsp:txBody>
       <dsp:txXfrm>
@@ -1773,8 +1797,18 @@
             <a:buNone/>
           </a:pPr>
           <a:r>
-            <a:rPr lang="en-US" sz="3100" kern="1200"/>
+            <a:rPr lang="en-US" sz="3100" kern="1200" dirty="0"/>
             <a:t>Vacuum- Real Time: </a:t>
+          </a:r>
+          <a:r>
+            <a:rPr lang="en-US" sz="3100" kern="1200" dirty="0">
+              <a:hlinkClick xmlns:r="http://schemas.openxmlformats.org/officeDocument/2006/relationships" r:id="rId4"/>
+            </a:rPr>
+            <a:t>https://youtu.be/93BD09TxFtk</a:t>
+          </a:r>
+          <a:r>
+            <a:rPr lang="en-US" sz="3100" kern="1200" dirty="0"/>
+            <a:t> </a:t>
           </a:r>
         </a:p>
       </dsp:txBody>
@@ -3434,7 +3468,7 @@
           <a:p>
             <a:fld id="{18404ADA-F128-401B-AB3D-33BBB5CCB503}" type="datetimeFigureOut">
               <a:rPr lang="en-US" smtClean="0"/>
-              <a:t>3/3/2019</a:t>
+              <a:t>3/4/2019</a:t>
             </a:fld>
             <a:endParaRPr lang="en-US"/>
           </a:p>
@@ -3632,7 +3666,7 @@
           <a:p>
             <a:fld id="{18404ADA-F128-401B-AB3D-33BBB5CCB503}" type="datetimeFigureOut">
               <a:rPr lang="en-US" smtClean="0"/>
-              <a:t>3/3/2019</a:t>
+              <a:t>3/4/2019</a:t>
             </a:fld>
             <a:endParaRPr lang="en-US"/>
           </a:p>
@@ -3840,7 +3874,7 @@
           <a:p>
             <a:fld id="{18404ADA-F128-401B-AB3D-33BBB5CCB503}" type="datetimeFigureOut">
               <a:rPr lang="en-US" smtClean="0"/>
-              <a:t>3/3/2019</a:t>
+              <a:t>3/4/2019</a:t>
             </a:fld>
             <a:endParaRPr lang="en-US"/>
           </a:p>
@@ -4038,7 +4072,7 @@
           <a:p>
             <a:fld id="{18404ADA-F128-401B-AB3D-33BBB5CCB503}" type="datetimeFigureOut">
               <a:rPr lang="en-US" smtClean="0"/>
-              <a:t>3/3/2019</a:t>
+              <a:t>3/4/2019</a:t>
             </a:fld>
             <a:endParaRPr lang="en-US"/>
           </a:p>
@@ -4313,7 +4347,7 @@
           <a:p>
             <a:fld id="{18404ADA-F128-401B-AB3D-33BBB5CCB503}" type="datetimeFigureOut">
               <a:rPr lang="en-US" smtClean="0"/>
-              <a:t>3/3/2019</a:t>
+              <a:t>3/4/2019</a:t>
             </a:fld>
             <a:endParaRPr lang="en-US"/>
           </a:p>
@@ -4578,7 +4612,7 @@
           <a:p>
             <a:fld id="{18404ADA-F128-401B-AB3D-33BBB5CCB503}" type="datetimeFigureOut">
               <a:rPr lang="en-US" smtClean="0"/>
-              <a:t>3/3/2019</a:t>
+              <a:t>3/4/2019</a:t>
             </a:fld>
             <a:endParaRPr lang="en-US"/>
           </a:p>
@@ -4990,7 +5024,7 @@
           <a:p>
             <a:fld id="{18404ADA-F128-401B-AB3D-33BBB5CCB503}" type="datetimeFigureOut">
               <a:rPr lang="en-US" smtClean="0"/>
-              <a:t>3/3/2019</a:t>
+              <a:t>3/4/2019</a:t>
             </a:fld>
             <a:endParaRPr lang="en-US"/>
           </a:p>
@@ -5131,7 +5165,7 @@
           <a:p>
             <a:fld id="{18404ADA-F128-401B-AB3D-33BBB5CCB503}" type="datetimeFigureOut">
               <a:rPr lang="en-US" smtClean="0"/>
-              <a:t>3/3/2019</a:t>
+              <a:t>3/4/2019</a:t>
             </a:fld>
             <a:endParaRPr lang="en-US"/>
           </a:p>
@@ -5244,7 +5278,7 @@
           <a:p>
             <a:fld id="{18404ADA-F128-401B-AB3D-33BBB5CCB503}" type="datetimeFigureOut">
               <a:rPr lang="en-US" smtClean="0"/>
-              <a:t>3/3/2019</a:t>
+              <a:t>3/4/2019</a:t>
             </a:fld>
             <a:endParaRPr lang="en-US"/>
           </a:p>
@@ -5555,7 +5589,7 @@
           <a:p>
             <a:fld id="{18404ADA-F128-401B-AB3D-33BBB5CCB503}" type="datetimeFigureOut">
               <a:rPr lang="en-US" smtClean="0"/>
-              <a:t>3/3/2019</a:t>
+              <a:t>3/4/2019</a:t>
             </a:fld>
             <a:endParaRPr lang="en-US"/>
           </a:p>
@@ -5843,7 +5877,7 @@
           <a:p>
             <a:fld id="{18404ADA-F128-401B-AB3D-33BBB5CCB503}" type="datetimeFigureOut">
               <a:rPr lang="en-US" smtClean="0"/>
-              <a:t>3/3/2019</a:t>
+              <a:t>3/4/2019</a:t>
             </a:fld>
             <a:endParaRPr lang="en-US"/>
           </a:p>
@@ -6084,7 +6118,7 @@
           <a:p>
             <a:fld id="{18404ADA-F128-401B-AB3D-33BBB5CCB503}" type="datetimeFigureOut">
               <a:rPr lang="en-US" smtClean="0"/>
-              <a:t>3/3/2019</a:t>
+              <a:t>3/4/2019</a:t>
             </a:fld>
             <a:endParaRPr lang="en-US"/>
           </a:p>
@@ -8719,7 +8753,7 @@
             <p:ph idx="1"/>
             <p:extLst>
               <p:ext uri="{D42A27DB-BD31-4B8C-83A1-F6EECF244321}">
-                <p14:modId xmlns:p14="http://schemas.microsoft.com/office/powerpoint/2010/main" val="1944608637"/>
+                <p14:modId xmlns:p14="http://schemas.microsoft.com/office/powerpoint/2010/main" val="677523956"/>
               </p:ext>
             </p:extLst>
           </p:nvPr>
